--- a/lectures/lecture-23/Lecture-Live B00/Lecture 23 - Lecture.pptx
+++ b/lectures/lecture-23/Lecture-Live B00/Lecture 23 - Lecture.pptx
@@ -143,6 +143,1159 @@
     </p:ext>
   </p:extLst>
 </p:presentation>
+</file>
+
+<file path=ppt/ink/ink1.xml><?xml version="1.0" encoding="utf-8"?>
+<inkml:ink xmlns:inkml="http://www.w3.org/2003/InkML">
+  <inkml:definitions>
+    <inkml:context xml:id="ctx0">
+      <inkml:inkSource xml:id="inkSrc0">
+        <inkml:traceFormat>
+          <inkml:channel name="X" type="integer" min="-2.14748E9" max="2.14748E9" units="cm"/>
+          <inkml:channel name="Y" type="integer" min="-2.14748E9" max="2.14748E9" units="cm"/>
+          <inkml:channel name="F" type="integer" max="32767" units="dev"/>
+          <inkml:channel name="OA" type="integer" max="360" units="deg"/>
+          <inkml:channel name="OE" type="integer" max="90" units="deg"/>
+        </inkml:traceFormat>
+        <inkml:channelProperties>
+          <inkml:channelProperty channel="X" name="resolution" value="1000" units="1/cm"/>
+          <inkml:channelProperty channel="Y" name="resolution" value="1000" units="1/cm"/>
+          <inkml:channelProperty channel="F" name="resolution" value="0" units="1/dev"/>
+          <inkml:channelProperty channel="OA" name="resolution" value="1000" units="1/deg"/>
+          <inkml:channelProperty channel="OE" name="resolution" value="1000" units="1/deg"/>
+        </inkml:channelProperties>
+      </inkml:inkSource>
+      <inkml:timestamp xml:id="ts0" timeString="2021-05-19T16:00:32.048"/>
+    </inkml:context>
+    <inkml:brush xml:id="br0">
+      <inkml:brushProperty name="width" value="0.05" units="cm"/>
+      <inkml:brushProperty name="height" value="0.05" units="cm"/>
+      <inkml:brushProperty name="color" value="#FF0066"/>
+    </inkml:brush>
+  </inkml:definitions>
+  <inkml:trace contextRef="#ctx0" brushRef="#br0">77 106 8464 0 0,'0'0'636'0'0,"-1"0"-434"0"0,-1-1-62 0 0,1 0 0 0 0,-1 0 0 0 0,0 0-1 0 0,1 1 1 0 0,-1-1 0 0 0,0 1 0 0 0,1-1 0 0 0,-4 1-1 0 0,-5-2 2678 0 0,-28-12 3237 0 0,37 13-5571 0 0,0 1-438 0 0,1-1 1 0 0,-1 1-1 0 0,0-1 0 0 0,1 1 0 0 0,-1-1 1 0 0,1 0-1 0 0,-1 1 0 0 0,1-1 0 0 0,-1 0 1 0 0,1 1-1 0 0,-1-1 0 0 0,1 0 0 0 0,0 0 1 0 0,-1 1-1 0 0,1-1 0 0 0,0 0 0 0 0,0 0 1 0 0,0 0-1 0 0,-1 1 0 0 0,1-1 0 0 0,0 0 1 0 0,0 0-1 0 0,0 0 0 0 0,0 0 1 0 0,0 1-1 0 0,1-1 0 0 0,-1 0 0 0 0,0 0 1 0 0,0 0-1 0 0,0 1 0 0 0,1-1 0 0 0,-1 0 1 0 0,0 0-1 0 0,1 1 0 0 0,0-2 0 0 0,1-1 96 0 0,0 0-1 0 0,0 0 0 0 0,1 0 0 0 0,-1 0 1 0 0,1 0-1 0 0,0 1 0 0 0,0-1 0 0 0,0 1 1 0 0,0 0-1 0 0,0 0 0 0 0,1 0 0 0 0,-1 0 1 0 0,1 0-1 0 0,4-1 0 0 0,9 0 21 0 0,0 0 0 0 0,0 1-1 0 0,20 0 1 0 0,73-2 318 0 0,-57 0-96 0 0,53 5 0 0 0,52 3-383 0 0,-92-4 0 0 0,0 2 0 0 0,95 17 0 0 0,-115-12 490 0 0,1-2-1 0 0,63-2 1 0 0,-17-1-10 0 0,106 11 648 0 0,-175-13-824 0 0,0 0-1 0 0,32-6 1 0 0,4 0-447 0 0,31-4 937 0 0,-39 4-121 0 0,-23 1-377 0 0,-19 1-207 0 0,9-1 386 0 0,-14 5-463 0 0,0 4-145 0 0,0 6-1989 0 0,-4-3-3727 0 0</inkml:trace>
+</inkml:ink>
+</file>
+
+<file path=ppt/ink/ink10.xml><?xml version="1.0" encoding="utf-8"?>
+<inkml:ink xmlns:inkml="http://www.w3.org/2003/InkML">
+  <inkml:definitions>
+    <inkml:context xml:id="ctx0">
+      <inkml:inkSource xml:id="inkSrc0">
+        <inkml:traceFormat>
+          <inkml:channel name="X" type="integer" min="-2.14748E9" max="2.14748E9" units="cm"/>
+          <inkml:channel name="Y" type="integer" min="-2.14748E9" max="2.14748E9" units="cm"/>
+          <inkml:channel name="F" type="integer" max="32767" units="dev"/>
+          <inkml:channel name="OA" type="integer" max="360" units="deg"/>
+          <inkml:channel name="OE" type="integer" max="90" units="deg"/>
+        </inkml:traceFormat>
+        <inkml:channelProperties>
+          <inkml:channelProperty channel="X" name="resolution" value="1000" units="1/cm"/>
+          <inkml:channelProperty channel="Y" name="resolution" value="1000" units="1/cm"/>
+          <inkml:channelProperty channel="F" name="resolution" value="0" units="1/dev"/>
+          <inkml:channelProperty channel="OA" name="resolution" value="1000" units="1/deg"/>
+          <inkml:channelProperty channel="OE" name="resolution" value="1000" units="1/deg"/>
+        </inkml:channelProperties>
+      </inkml:inkSource>
+      <inkml:timestamp xml:id="ts0" timeString="2021-05-19T16:00:46.226"/>
+    </inkml:context>
+    <inkml:brush xml:id="br0">
+      <inkml:brushProperty name="width" value="0.05" units="cm"/>
+      <inkml:brushProperty name="height" value="0.05" units="cm"/>
+      <inkml:brushProperty name="color" value="#FF0066"/>
+    </inkml:brush>
+  </inkml:definitions>
+  <inkml:trace contextRef="#ctx0" brushRef="#br0">1 34 11520 0 0,'0'0'886'0'0,"11"-13"5717"0"0,-8 11-6021 0 0,0 0 1 0 0,0 0 0 0 0,0 0-1 0 0,0 0 1 0 0,0 1 0 0 0,0-1-1 0 0,0 1 1 0 0,0 0 0 0 0,7-2-1 0 0,-6 2-435 0 0,1 1 0 0 0,-1-1 0 0 0,1 1 0 0 0,-1 0 0 0 0,1 0-1 0 0,-1 0 1 0 0,1 1 0 0 0,-1-1 0 0 0,1 1 0 0 0,-1 0 0 0 0,0 1 0 0 0,5 1 0 0 0,-7-2-147 0 0,0 0 1 0 0,0 0-1 0 0,-1 1 1 0 0,1-1 0 0 0,0 0-1 0 0,-1 1 1 0 0,1-1 0 0 0,-1 1-1 0 0,0 0 1 0 0,1-1 0 0 0,-1 1-1 0 0,0 0 1 0 0,0 0 0 0 0,0 0-1 0 0,0 0 1 0 0,0 0 0 0 0,-1 0-1 0 0,1 0 1 0 0,-1 0 0 0 0,1 2-1 0 0,1 7 33 0 0,-1 0-1 0 0,0 20 1 0 0,-1-11 113 0 0,1 22-107 0 0,3 39-98 0 0,-3-74 52 0 0,0 0 0 0 0,1 1 0 0 0,0-1 0 0 0,0 0 0 0 0,1 0 0 0 0,-1 0 0 0 0,2 0 0 0 0,4 8 0 0 0,-7-13 3 0 0,1 1 0 0 0,-1-1 1 0 0,1 0-1 0 0,0 0 0 0 0,0 0 0 0 0,0 0 0 0 0,0 0 0 0 0,0-1 0 0 0,0 1 1 0 0,1 0-1 0 0,-1-1 0 0 0,0 0 0 0 0,1 1 0 0 0,-1-1 0 0 0,1 0 0 0 0,-1-1 0 0 0,1 1 1 0 0,0 0-1 0 0,5 0 0 0 0,-4-1-19 0 0,1 0 1 0 0,-1-1 0 0 0,1 1-1 0 0,-1-1 1 0 0,1 0-1 0 0,-1 0 1 0 0,0-1-1 0 0,0 1 1 0 0,1-1-1 0 0,-1 0 1 0 0,5-3 0 0 0,2-1-349 0 0,5-3-1680 0 0,-6 2-3533 0 0</inkml:trace>
+</inkml:ink>
+</file>
+
+<file path=ppt/ink/ink11.xml><?xml version="1.0" encoding="utf-8"?>
+<inkml:ink xmlns:inkml="http://www.w3.org/2003/InkML">
+  <inkml:definitions>
+    <inkml:context xml:id="ctx0">
+      <inkml:inkSource xml:id="inkSrc0">
+        <inkml:traceFormat>
+          <inkml:channel name="X" type="integer" min="-2.14748E9" max="2.14748E9" units="cm"/>
+          <inkml:channel name="Y" type="integer" min="-2.14748E9" max="2.14748E9" units="cm"/>
+          <inkml:channel name="F" type="integer" max="32767" units="dev"/>
+          <inkml:channel name="OA" type="integer" max="360" units="deg"/>
+          <inkml:channel name="OE" type="integer" max="90" units="deg"/>
+        </inkml:traceFormat>
+        <inkml:channelProperties>
+          <inkml:channelProperty channel="X" name="resolution" value="1000" units="1/cm"/>
+          <inkml:channelProperty channel="Y" name="resolution" value="1000" units="1/cm"/>
+          <inkml:channelProperty channel="F" name="resolution" value="0" units="1/dev"/>
+          <inkml:channelProperty channel="OA" name="resolution" value="1000" units="1/deg"/>
+          <inkml:channelProperty channel="OE" name="resolution" value="1000" units="1/deg"/>
+        </inkml:channelProperties>
+      </inkml:inkSource>
+      <inkml:timestamp xml:id="ts0" timeString="2021-05-19T16:00:46.774"/>
+    </inkml:context>
+    <inkml:brush xml:id="br0">
+      <inkml:brushProperty name="width" value="0.05" units="cm"/>
+      <inkml:brushProperty name="height" value="0.05" units="cm"/>
+      <inkml:brushProperty name="color" value="#FF0066"/>
+    </inkml:brush>
+  </inkml:definitions>
+  <inkml:trace contextRef="#ctx0" brushRef="#br0">0 0 10336 0 0,'0'0'7997'0'0,"4"6"-6899"0"0,1-2-1054 0 0,-1 0-1 0 0,0-1 1 0 0,1 1 0 0 0,0-1-1 0 0,-1-1 1 0 0,1 1-1 0 0,8 3 1 0 0,10 1-5367 0 0,-10-4-886 0 0</inkml:trace>
+</inkml:ink>
+</file>
+
+<file path=ppt/ink/ink12.xml><?xml version="1.0" encoding="utf-8"?>
+<inkml:ink xmlns:inkml="http://www.w3.org/2003/InkML">
+  <inkml:definitions>
+    <inkml:context xml:id="ctx0">
+      <inkml:inkSource xml:id="inkSrc0">
+        <inkml:traceFormat>
+          <inkml:channel name="X" type="integer" min="-2.14748E9" max="2.14748E9" units="cm"/>
+          <inkml:channel name="Y" type="integer" min="-2.14748E9" max="2.14748E9" units="cm"/>
+          <inkml:channel name="F" type="integer" max="32767" units="dev"/>
+          <inkml:channel name="OA" type="integer" max="360" units="deg"/>
+          <inkml:channel name="OE" type="integer" max="90" units="deg"/>
+        </inkml:traceFormat>
+        <inkml:channelProperties>
+          <inkml:channelProperty channel="X" name="resolution" value="1000" units="1/cm"/>
+          <inkml:channelProperty channel="Y" name="resolution" value="1000" units="1/cm"/>
+          <inkml:channelProperty channel="F" name="resolution" value="0" units="1/dev"/>
+          <inkml:channelProperty channel="OA" name="resolution" value="1000" units="1/deg"/>
+          <inkml:channelProperty channel="OE" name="resolution" value="1000" units="1/deg"/>
+        </inkml:channelProperties>
+      </inkml:inkSource>
+      <inkml:timestamp xml:id="ts0" timeString="2021-05-19T16:00:47.584"/>
+    </inkml:context>
+    <inkml:brush xml:id="br0">
+      <inkml:brushProperty name="width" value="0.05" units="cm"/>
+      <inkml:brushProperty name="height" value="0.05" units="cm"/>
+      <inkml:brushProperty name="color" value="#FF0066"/>
+    </inkml:brush>
+  </inkml:definitions>
+  <inkml:trace contextRef="#ctx0" brushRef="#br0">1 133 3680 0 0,'3'0'13591'0'0,"14"3"-12760"0"0,36 16 56 0 0,0-3-1 0 0,0-1 1 0 0,78 9 0 0 0,-127-23-851 0 0,1-1 0 0 0,0 0-1 0 0,-1 0 1 0 0,1-1 0 0 0,0 1 0 0 0,-1-1 0 0 0,1 0 0 0 0,0 0 0 0 0,4-2 0 0 0,-7 2-15 0 0,-1 1 0 0 0,0-1 0 0 0,0 1 0 0 0,0-1 0 0 0,0 1 0 0 0,0-1 0 0 0,0 0 0 0 0,0 1 0 0 0,0-1 0 0 0,0 0 0 0 0,0 0 0 0 0,0 0 0 0 0,-1 0 0 0 0,1 0 0 0 0,0 0 0 0 0,-1 0 0 0 0,1 0 0 0 0,0 0 0 0 0,-1 0 0 0 0,1 0 0 0 0,-1 0 0 0 0,0-1 0 0 0,1 1 0 0 0,-1 0-1 0 0,0 0 1 0 0,0 0 0 0 0,0-1 0 0 0,0 1 0 0 0,0 0 0 0 0,0 0 0 0 0,0 0 0 0 0,0-1 0 0 0,0 1 0 0 0,0 0 0 0 0,-1 0 0 0 0,1 0 0 0 0,-1-1 0 0 0,1 1 0 0 0,-1-1 0 0 0,-4-7-8 0 0,0 0 0 0 0,0 1 1 0 0,-1 0-1 0 0,0 0 0 0 0,0 0 0 0 0,-1 1 0 0 0,1 0 0 0 0,-2 0 0 0 0,-8-7 0 0 0,4 4-8 0 0,8 7-3 0 0,0-1 1 0 0,1 1-1 0 0,-1-1 0 0 0,-2-5 0 0 0,5 8 18 0 0,1 0-1 0 0,-1 1 1 0 0,1-1 0 0 0,0 0 0 0 0,0 0-1 0 0,-1 0 1 0 0,1 0 0 0 0,0 0-1 0 0,0 0 1 0 0,0 0 0 0 0,0 0-1 0 0,0 0 1 0 0,0 0 0 0 0,1 0 0 0 0,-1 0-1 0 0,0 0 1 0 0,0 0 0 0 0,1 0-1 0 0,-1 1 1 0 0,0-1 0 0 0,1 0 0 0 0,0-1-1 0 0,1 0 37 0 0,-1 0 0 0 0,1 0-1 0 0,0 1 1 0 0,0-1 0 0 0,0 1 0 0 0,0-1-1 0 0,0 1 1 0 0,0 0 0 0 0,1 0 0 0 0,-1 0-1 0 0,0 0 1 0 0,1 0 0 0 0,-1 0-1 0 0,4 0 1 0 0,0 0 0 0 0,0 0 0 0 0,0 1 0 0 0,0-1 0 0 0,-1 1 0 0 0,7 1 0 0 0,-7-1-38 0 0,0 1 0 0 0,0 0 0 0 0,-1 0 0 0 0,1 0 0 0 0,0 0 0 0 0,6 4 0 0 0,-10-5-9 0 0,0 1-1 0 0,0-1 1 0 0,0 1-1 0 0,0 0 1 0 0,0 0-1 0 0,0 0 1 0 0,0-1-1 0 0,0 1 1 0 0,0 0-1 0 0,0 0 1 0 0,-1 0-1 0 0,1 0 1 0 0,0 1-1 0 0,0-1 1 0 0,-1 0-1 0 0,1 0 1 0 0,-1 0-1 0 0,1 1 0 0 0,-1-1 1 0 0,0 0-1 0 0,1 0 1 0 0,-1 1-1 0 0,0-1 1 0 0,0 0-1 0 0,0 0 1 0 0,0 1-1 0 0,0-1 1 0 0,-1 2-1 0 0,-3 22 182 0 0,-2 0-1 0 0,-17 43 0 0 0,9-29-133 0 0,-14 30 226 0 0,-2 5-3441 0 0,29-67-2497 0 0</inkml:trace>
+</inkml:ink>
+</file>
+
+<file path=ppt/ink/ink13.xml><?xml version="1.0" encoding="utf-8"?>
+<inkml:ink xmlns:inkml="http://www.w3.org/2003/InkML">
+  <inkml:definitions>
+    <inkml:context xml:id="ctx0">
+      <inkml:inkSource xml:id="inkSrc0">
+        <inkml:traceFormat>
+          <inkml:channel name="X" type="integer" min="-2.14748E9" max="2.14748E9" units="cm"/>
+          <inkml:channel name="Y" type="integer" min="-2.14748E9" max="2.14748E9" units="cm"/>
+          <inkml:channel name="F" type="integer" max="32767" units="dev"/>
+          <inkml:channel name="OA" type="integer" max="360" units="deg"/>
+          <inkml:channel name="OE" type="integer" max="90" units="deg"/>
+        </inkml:traceFormat>
+        <inkml:channelProperties>
+          <inkml:channelProperty channel="X" name="resolution" value="1000" units="1/cm"/>
+          <inkml:channelProperty channel="Y" name="resolution" value="1000" units="1/cm"/>
+          <inkml:channelProperty channel="F" name="resolution" value="0" units="1/dev"/>
+          <inkml:channelProperty channel="OA" name="resolution" value="1000" units="1/deg"/>
+          <inkml:channelProperty channel="OE" name="resolution" value="1000" units="1/deg"/>
+        </inkml:channelProperties>
+      </inkml:inkSource>
+      <inkml:timestamp xml:id="ts0" timeString="2021-05-19T16:00:48.862"/>
+    </inkml:context>
+    <inkml:brush xml:id="br0">
+      <inkml:brushProperty name="width" value="0.05" units="cm"/>
+      <inkml:brushProperty name="height" value="0.05" units="cm"/>
+      <inkml:brushProperty name="color" value="#FF0066"/>
+    </inkml:brush>
+  </inkml:definitions>
+  <inkml:trace contextRef="#ctx0" brushRef="#br0">0 65 3224 0 0,'0'-15'288'0'0,"3"3"1157"0"0,-2 11-989 0 0,-1-1 1 0 0,0 1-1 0 0,1 0 1 0 0,-1 0-1 0 0,0 0 0 0 0,0 0 1 0 0,0-1-1 0 0,1 1 1 0 0,-1 0-1 0 0,0 0 0 0 0,-1-1 1 0 0,1 0-1 0 0,0 1-162 0 0,0 0 1 0 0,-1 0-1 0 0,1 0 0 0 0,0-1 0 0 0,0 1 0 0 0,0 0 0 0 0,1 0 0 0 0,-1 0 0 0 0,0 0 0 0 0,0 0 0 0 0,0 0 0 0 0,1 0 1 0 0,-1 0-1 0 0,3-4 4577 0 0,-5 13-3981 0 0,2-2-793 0 0,1 1 0 0 0,0-1 0 0 0,3 10 0 0 0,3 18-15 0 0,7 81-82 0 0,2 3 0 0 0,-13-94 0 0 0,9 36 0 0 0,2 13 0 0 0,-13-66 7 0 0,0 0-1 0 0,0 0 1 0 0,0-1-1 0 0,1 1 0 0 0,0 0 1 0 0,0-1-1 0 0,1 0 1 0 0,-1 1-1 0 0,2-1 1 0 0,5 9-1 0 0,-9-15-2 0 0,0 0-1 0 0,0 1 1 0 0,1-1-1 0 0,-1 0 1 0 0,0 0-1 0 0,0 1 1 0 0,1-1-1 0 0,-1 0 1 0 0,0 0-1 0 0,1 0 1 0 0,-1 0-1 0 0,0 1 1 0 0,0-1 0 0 0,1 0-1 0 0,-1 0 1 0 0,0 0-1 0 0,1 0 1 0 0,-1 0-1 0 0,0 0 1 0 0,1 0-1 0 0,-1 0 1 0 0,0 0-1 0 0,1 0 1 0 0,-1 0-1 0 0,0 0 1 0 0,1 0 0 0 0,-1 0-1 0 0,0 0 1 0 0,1 0-1 0 0,-1 0 1 0 0,0 0-1 0 0,1-1 1 0 0,0 1-1 0 0,8-12 32 0 0,5-19 20 0 0,-14 31-52 0 0,8-27 672 0 0,6-39 0 0 0,-9 39-222 0 0,13-43 0 0 0,-14 57-216 0 0,-2 7-74 0 0,0-1-1 0 0,1 1 1 0 0,-1 0-1 0 0,1 0 1 0 0,6-9-1 0 0,-3 20-66 0 0,1 4-100 0 0,-1 0-1 0 0,0 0 0 0 0,-1 0 1 0 0,0 1-1 0 0,0 0 0 0 0,-1 0 1 0 0,0 0-1 0 0,2 14 0 0 0,-1-7-2 0 0,1-1 0 0 0,9 20-1 0 0,-5-19 111 0 0,1-1-1 0 0,0-1 0 0 0,1 0 1 0 0,20 19-1 0 0,-30-32-87 0 0,-1 0 1 0 0,1-1-1 0 0,0 1 0 0 0,0-1 0 0 0,0 1 1 0 0,0-1-1 0 0,0 0 0 0 0,0 0 0 0 0,0 0 1 0 0,1 0-1 0 0,-1 0 0 0 0,0 0 0 0 0,0-1 0 0 0,1 1 1 0 0,-1-1-1 0 0,1 0 0 0 0,-1 1 0 0 0,0-1 1 0 0,1 0-1 0 0,-1-1 0 0 0,0 1 0 0 0,1 0 1 0 0,-1-1-1 0 0,1 1 0 0 0,-1-1 0 0 0,0 1 1 0 0,0-1-1 0 0,1 0 0 0 0,-1 0 0 0 0,0 0 0 0 0,0-1 1 0 0,0 1-1 0 0,0 0 0 0 0,0-1 0 0 0,0 1 1 0 0,-1-1-1 0 0,1 0 0 0 0,0 1 0 0 0,1-4 1 0 0,5-7 256 0 0,-1-1 1 0 0,-1 0-1 0 0,0-1 0 0 0,4-14 1 0 0,13-57 852 0 0,5-14-98 0 0,-9 32-1182 0 0,2-3-2746 0 0,-8 43-3424 0 0</inkml:trace>
+</inkml:ink>
+</file>
+
+<file path=ppt/ink/ink14.xml><?xml version="1.0" encoding="utf-8"?>
+<inkml:ink xmlns:inkml="http://www.w3.org/2003/InkML">
+  <inkml:definitions>
+    <inkml:context xml:id="ctx0">
+      <inkml:inkSource xml:id="inkSrc0">
+        <inkml:traceFormat>
+          <inkml:channel name="X" type="integer" min="-2.14748E9" max="2.14748E9" units="cm"/>
+          <inkml:channel name="Y" type="integer" min="-2.14748E9" max="2.14748E9" units="cm"/>
+          <inkml:channel name="F" type="integer" max="32767" units="dev"/>
+          <inkml:channel name="OA" type="integer" max="360" units="deg"/>
+          <inkml:channel name="OE" type="integer" max="90" units="deg"/>
+        </inkml:traceFormat>
+        <inkml:channelProperties>
+          <inkml:channelProperty channel="X" name="resolution" value="1000" units="1/cm"/>
+          <inkml:channelProperty channel="Y" name="resolution" value="1000" units="1/cm"/>
+          <inkml:channelProperty channel="F" name="resolution" value="0" units="1/dev"/>
+          <inkml:channelProperty channel="OA" name="resolution" value="1000" units="1/deg"/>
+          <inkml:channelProperty channel="OE" name="resolution" value="1000" units="1/deg"/>
+        </inkml:channelProperties>
+      </inkml:inkSource>
+      <inkml:timestamp xml:id="ts0" timeString="2021-05-19T16:00:49.390"/>
+    </inkml:context>
+    <inkml:brush xml:id="br0">
+      <inkml:brushProperty name="width" value="0.05" units="cm"/>
+      <inkml:brushProperty name="height" value="0.05" units="cm"/>
+      <inkml:brushProperty name="color" value="#FF0066"/>
+    </inkml:brush>
+  </inkml:definitions>
+  <inkml:trace contextRef="#ctx0" brushRef="#br0">0 265 17247 0 0,'0'0'1736'0'0,"12"-8"-1576"0"0,-2 1 223 0 0,0-1 0 0 0,0 0-1 0 0,-1 0 1 0 0,0-1 0 0 0,-1 0-1 0 0,0 0 1 0 0,0-1 0 0 0,-1 0-1 0 0,11-19 1 0 0,56-113 1517 0 0,-74 142-1898 0 0,0 0 0 0 0,0-1 1 0 0,0 1-1 0 0,0 0 0 0 0,0 0 0 0 0,0 0 0 0 0,0-1 1 0 0,0 1-1 0 0,0 0 0 0 0,0 0 0 0 0,0 0 1 0 0,1-1-1 0 0,-1 1 0 0 0,0 0 0 0 0,0 0 0 0 0,0 0 1 0 0,-1-1-1 0 0,1 1 0 0 0,0 0 0 0 0,0 0 1 0 0,0-1-1 0 0,0 1 0 0 0,0 0 0 0 0,0 0 0 0 0,0 0 1 0 0,0-1-1 0 0,0 1 0 0 0,0 0 0 0 0,-1 0 0 0 0,1 0 1 0 0,0 0-1 0 0,0-1 0 0 0,0 1 0 0 0,0 0 1 0 0,0 0-1 0 0,-1 0 0 0 0,1 0 0 0 0,0 0 0 0 0,0 0 1 0 0,0-1-1 0 0,-1 1 0 0 0,1 0 0 0 0,0 0 1 0 0,0 0-1 0 0,0 0 0 0 0,-1 0 0 0 0,1 0 0 0 0,0 0 1 0 0,0 0-1 0 0,0 0 0 0 0,-1 0 0 0 0,1 0 1 0 0,0 0-1 0 0,0 0 0 0 0,-1 0 0 0 0,1 0 0 0 0,0 0 1 0 0,0 0-1 0 0,0 0 0 0 0,-1 1 0 0 0,1-1 0 0 0,0 0 1 0 0,-15 4 70 0 0,12-1-53 0 0,0 0 1 0 0,-1 0-1 0 0,2 1 0 0 0,-1-1 1 0 0,0 1-1 0 0,0-1 0 0 0,1 1 0 0 0,0 0 1 0 0,0 0-1 0 0,0 0 0 0 0,0 0 0 0 0,-1 6 1 0 0,-2 7 122 0 0,-4 28 0 0 0,7-34-12 0 0,1 0 1 0 0,0 0 0 0 0,1 0 0 0 0,0 0-1 0 0,0 1 1 0 0,1-1 0 0 0,5 21 0 0 0,-5-28-100 0 0,0-1 0 0 0,0 1 0 0 0,0-1 0 0 0,1 0 0 0 0,0 1 0 0 0,-1-1 0 0 0,1 0 0 0 0,0 0 0 0 0,0 0 0 0 0,1-1 0 0 0,-1 1 0 0 0,0 0 0 0 0,1-1 0 0 0,0 1 0 0 0,0-1 0 0 0,-1 0 0 0 0,1 0 0 0 0,0 0 0 0 0,1-1 0 0 0,-1 1 0 0 0,0-1 0 0 0,0 1 0 0 0,1-1 0 0 0,-1 0 0 0 0,1 0 0 0 0,-1-1 0 0 0,1 1 0 0 0,4 0 0 0 0,1-1-142 0 0,0-1-1 0 0,1 1 1 0 0,-1-1-1 0 0,0-1 1 0 0,0 0-1 0 0,-1 0 1 0 0,1-1-1 0 0,0 0 1 0 0,-1 0-1 0 0,9-5 1 0 0,10-7-695 0 0,40-30 0 0 0,-52 35 713 0 0,-4 2-295 0 0,0-1 1 0 0,14-14 0 0 0,-22 20 558 0 0,1-1 0 0 0,-1 0 0 0 0,0 1 0 0 0,0-1 0 0 0,-1-1 0 0 0,1 1 0 0 0,-1 0 0 0 0,0 0 0 0 0,0-1 0 0 0,2-7 0 0 0,-4 10-106 0 0,1 0-1 0 0,-1 0 0 0 0,0 0 1 0 0,0 0-1 0 0,0 0 0 0 0,0 0 1 0 0,0 0-1 0 0,0 0 0 0 0,-1 0 1 0 0,1 0-1 0 0,-1 0 1 0 0,1 0-1 0 0,-1 0 0 0 0,0 0 1 0 0,0 0-1 0 0,0 0 0 0 0,0 0 1 0 0,0 1-1 0 0,0-1 0 0 0,-2-1 1 0 0,2 2-47 0 0,0 0 1 0 0,0 0 0 0 0,0 1-1 0 0,0-1 1 0 0,0 1 0 0 0,0-1-1 0 0,0 0 1 0 0,0 1 0 0 0,-1 0-1 0 0,1-1 1 0 0,0 1 0 0 0,0 0-1 0 0,-1 0 1 0 0,1 0 0 0 0,0 0-1 0 0,0 0 1 0 0,-1 0 0 0 0,1 0-1 0 0,0 0 1 0 0,0 0 0 0 0,-1 0-1 0 0,1 1 1 0 0,0-1 0 0 0,0 1-1 0 0,0-1 1 0 0,-1 1 0 0 0,1-1-1 0 0,0 1 1 0 0,0-1 0 0 0,0 1-1 0 0,0 0 1 0 0,-2 1-1 0 0,0 1-9 0 0,0 0-1 0 0,1 0 0 0 0,-1 0 1 0 0,0 0-1 0 0,1 0 0 0 0,0 1 1 0 0,0-1-1 0 0,0 1 0 0 0,-2 5 1 0 0,-11 36 67 0 0,12-34-77 0 0,0 1 0 0 0,1-1 0 0 0,0 1 0 0 0,0 14 0 0 0,2-24 0 0 0,0 1 0 0 0,0 0 0 0 0,0 0 0 0 0,0 0 0 0 0,1-1 0 0 0,-1 1 0 0 0,1 0 0 0 0,-1 0 0 0 0,1-1 0 0 0,0 1 0 0 0,0 0 0 0 0,0-1 0 0 0,1 1 0 0 0,-1-1 0 0 0,1 0 0 0 0,-1 1 0 0 0,1-1 0 0 0,0 0 0 0 0,0 0 0 0 0,0 0 0 0 0,0 0 0 0 0,0 0 0 0 0,2 1 0 0 0,-1-2-22 0 0,0 0 0 0 0,1 0 0 0 0,-1 0 0 0 0,0 0 0 0 0,0 0 0 0 0,0-1 0 0 0,0 0 0 0 0,1 1 0 0 0,-1-1-1 0 0,0 0 1 0 0,0-1 0 0 0,0 1 0 0 0,5-2 0 0 0,3 0-316 0 0,0-1 0 0 0,14-6-1 0 0,-3-1-1170 0 0,1-5-82 0 0</inkml:trace>
+</inkml:ink>
+</file>
+
+<file path=ppt/ink/ink15.xml><?xml version="1.0" encoding="utf-8"?>
+<inkml:ink xmlns:inkml="http://www.w3.org/2003/InkML">
+  <inkml:definitions>
+    <inkml:context xml:id="ctx0">
+      <inkml:inkSource xml:id="inkSrc0">
+        <inkml:traceFormat>
+          <inkml:channel name="X" type="integer" min="-2.14748E9" max="2.14748E9" units="cm"/>
+          <inkml:channel name="Y" type="integer" min="-2.14748E9" max="2.14748E9" units="cm"/>
+          <inkml:channel name="F" type="integer" max="32767" units="dev"/>
+        </inkml:traceFormat>
+        <inkml:channelProperties>
+          <inkml:channelProperty channel="X" name="resolution" value="1000" units="1/cm"/>
+          <inkml:channelProperty channel="Y" name="resolution" value="1000" units="1/cm"/>
+          <inkml:channelProperty channel="F" name="resolution" value="0" units="1/dev"/>
+        </inkml:channelProperties>
+      </inkml:inkSource>
+      <inkml:timestamp xml:id="ts0" timeString="2021-05-19T16:00:58.474"/>
+    </inkml:context>
+    <inkml:brush xml:id="br0">
+      <inkml:brushProperty name="width" value="0.05" units="cm"/>
+      <inkml:brushProperty name="height" value="0.05" units="cm"/>
+      <inkml:brushProperty name="color" value="#FF0066"/>
+    </inkml:brush>
+  </inkml:definitions>
+  <inkml:trace contextRef="#ctx0" brushRef="#br0">26 74 6448,'0'0'782,"4"-6"1973,-3 4-2470,0 1 1,0-1-1,0 1 0,0-1 1,0 0-1,0 0 0,-1 0 1,1 1-1,0-1 0,-1 0 1,0 0-1,1 0 0,-1 0 1,0 0-1,0 0 0,0 0 1,0 0-1,0 0 0,-1 0 1,0-2-1,0-11 4361,7 4 1544,-6 17-5553,-8 38-574,-5 25-100,3 1 0,-1 73 0,11-137 22,0-1 0,0 1 0,1-1 0,2 9 0,-3-14 31,0 1-1,0 0 0,0 0 1,0-1-1,1 1 1,-1 0-1,0-1 1,1 1-1,-1 0 0,0-1 1,1 1-1,-1-1 1,1 1-1,-1 0 0,1-1 1,-1 1-1,1-1 1,-1 1-1,1-1 1,0 0-1,-1 1 0,1-1 1,0 0-1,-1 1 1,1-1-1,0 0 1,-1 0-1,1 0 0,0 1 1,-1-1-1,1 0 1,0 0-1,0 0 1,-1 0-1,1 0 0,0 0 1,0-1-1,-1 1 1,1 0-1,0 0 1,-1 0-1,1-1 0,1 0 1,6-3 76,1 0 1,-1-1-1,0-1 1,0 1-1,-1-1 1,8-8-1,39-46 252,-12 12-234,-21 26-223,14-16-1174,-18 18-2678,-16 16 2502</inkml:trace>
+</inkml:ink>
+</file>
+
+<file path=ppt/ink/ink16.xml><?xml version="1.0" encoding="utf-8"?>
+<inkml:ink xmlns:inkml="http://www.w3.org/2003/InkML">
+  <inkml:definitions>
+    <inkml:context xml:id="ctx0">
+      <inkml:inkSource xml:id="inkSrc0">
+        <inkml:traceFormat>
+          <inkml:channel name="X" type="integer" min="-2.14748E9" max="2.14748E9" units="cm"/>
+          <inkml:channel name="Y" type="integer" min="-2.14748E9" max="2.14748E9" units="cm"/>
+          <inkml:channel name="F" type="integer" max="32767" units="dev"/>
+        </inkml:traceFormat>
+        <inkml:channelProperties>
+          <inkml:channelProperty channel="X" name="resolution" value="1000" units="1/cm"/>
+          <inkml:channelProperty channel="Y" name="resolution" value="1000" units="1/cm"/>
+          <inkml:channelProperty channel="F" name="resolution" value="0" units="1/dev"/>
+        </inkml:channelProperties>
+      </inkml:inkSource>
+      <inkml:timestamp xml:id="ts0" timeString="2021-05-19T16:00:58.820"/>
+    </inkml:context>
+    <inkml:brush xml:id="br0">
+      <inkml:brushProperty name="width" value="0.05" units="cm"/>
+      <inkml:brushProperty name="height" value="0.05" units="cm"/>
+      <inkml:brushProperty name="color" value="#FF0066"/>
+    </inkml:brush>
+  </inkml:definitions>
+  <inkml:trace contextRef="#ctx0" brushRef="#br0">46 0 20159,'-8'10'2148,"6"-5"-2111,-1 0 0,1 0 1,1 0-1,-1 1 0,1-1 0,0 1 0,-1 7 0,-1 7 262,-5 25 951,-4 52-1,11-50-1002,2-43-394,-1-1 1,0 1-1,1 0 0,0 0 1,0 0-1,0 0 1,0-1-1,1 1 1,3 5-1,-5-8 19,1-1-1,0 1 1,0 0-1,0-1 1,0 1-1,0-1 1,-1 0-1,1 1 1,0-1-1,0 1 0,0-1 1,0 0-1,0 0 1,0 0-1,0 0 1,0 0-1,0 0 1,0 0-1,0 0 1,0 0-1,0 0 1,0 0-1,0-1 1,1 1-1,10-5-1322</inkml:trace>
+</inkml:ink>
+</file>
+
+<file path=ppt/ink/ink17.xml><?xml version="1.0" encoding="utf-8"?>
+<inkml:ink xmlns:inkml="http://www.w3.org/2003/InkML">
+  <inkml:definitions>
+    <inkml:context xml:id="ctx0">
+      <inkml:inkSource xml:id="inkSrc0">
+        <inkml:traceFormat>
+          <inkml:channel name="X" type="integer" min="-2.14748E9" max="2.14748E9" units="cm"/>
+          <inkml:channel name="Y" type="integer" min="-2.14748E9" max="2.14748E9" units="cm"/>
+          <inkml:channel name="F" type="integer" max="32767" units="dev"/>
+        </inkml:traceFormat>
+        <inkml:channelProperties>
+          <inkml:channelProperty channel="X" name="resolution" value="1000" units="1/cm"/>
+          <inkml:channelProperty channel="Y" name="resolution" value="1000" units="1/cm"/>
+          <inkml:channelProperty channel="F" name="resolution" value="0" units="1/dev"/>
+        </inkml:channelProperties>
+      </inkml:inkSource>
+      <inkml:timestamp xml:id="ts0" timeString="2021-05-19T16:00:59.208"/>
+    </inkml:context>
+    <inkml:brush xml:id="br0">
+      <inkml:brushProperty name="width" value="0.05" units="cm"/>
+      <inkml:brushProperty name="height" value="0.05" units="cm"/>
+      <inkml:brushProperty name="color" value="#FF0066"/>
+    </inkml:brush>
+  </inkml:definitions>
+  <inkml:trace contextRef="#ctx0" brushRef="#br0">161 48 14512,'0'0'1313,"3"-13"-245,-3 12-877,0 0 1,0 0 0,1-1-1,-2 1 1,1 0 0,0-1-1,0 1 1,0 0 0,0 0-1,-1-1 1,1 1 0,-1 0-1,1 0 1,-1 0 0,1-1-1,-1 1 1,0 0 0,0 0-1,1 0 1,-1 0 0,0 0-1,0 0 1,0 0 0,0 1-1,0-1 1,0 0 0,0 1-1,0-1 1,-1 0 0,1 1-1,0-1 1,0 1 0,-1 0-1,0-1 1,-1 1-92,-1 0 0,1 0 0,0 0 1,-1 1-1,1-1 0,0 1 0,0 0 0,-1 0 1,1 0-1,0 0 0,0 0 0,-5 4 0,-2 1 34,0 1 0,1 0 0,0 0 0,0 1 0,0 0 0,1 1 0,-14 19 0,21-26-105,0 0 0,0 0 0,0 0 0,1 0 0,-1 0-1,1 0 1,-1 1 0,1-1 0,0 0 0,-1 0 0,1 0 0,0 1-1,1-1 1,-1 0 0,0 0 0,1 1 0,-1-1 0,1 0 0,-1 0-1,1 0 1,0 0 0,0 0 0,0 0 0,2 3 0,-2-3 1,1-1 0,-1 1 0,0 0-1,1 0 1,-1 0 0,1-1 0,0 1 0,0-1 0,-1 1 0,1-1 0,0 0 0,0 0 0,0 0 0,1 0 0,-1 0 0,0 0 0,0-1 0,0 1-1,1-1 1,-1 1 0,0-1 0,0 0 0,5 0 0,-1-1 10,1 0-1,-1-1 1,0 0-1,0 0 1,0 0-1,0-1 1,0 0-1,7-5 1,2-3 70,22-20-1,-22 17-1,-8 7-56,4-3 357,-10 10-392,-1 1 0,1 0 1,0-1-1,-1 1 0,1 0 0,0 0 0,-1 0 0,1-1 1,-1 1-1,1 0 0,-1 0 0,1 0 0,-1 0 0,0 0 0,0 0 1,1 0-1,-1 0 0,0 1 0,1 21 88,-1-20-80,-9 119 300,3-45-223,3-50-476,1 0 1,1 0 0,3 27-1,-1-31-3781</inkml:trace>
+</inkml:ink>
+</file>
+
+<file path=ppt/ink/ink18.xml><?xml version="1.0" encoding="utf-8"?>
+<inkml:ink xmlns:inkml="http://www.w3.org/2003/InkML">
+  <inkml:definitions>
+    <inkml:context xml:id="ctx0">
+      <inkml:inkSource xml:id="inkSrc0">
+        <inkml:traceFormat>
+          <inkml:channel name="X" type="integer" min="-2.14748E9" max="2.14748E9" units="cm"/>
+          <inkml:channel name="Y" type="integer" min="-2.14748E9" max="2.14748E9" units="cm"/>
+          <inkml:channel name="F" type="integer" max="32767" units="dev"/>
+          <inkml:channel name="OA" type="integer" max="360" units="deg"/>
+          <inkml:channel name="OE" type="integer" max="90" units="deg"/>
+        </inkml:traceFormat>
+        <inkml:channelProperties>
+          <inkml:channelProperty channel="X" name="resolution" value="1000" units="1/cm"/>
+          <inkml:channelProperty channel="Y" name="resolution" value="1000" units="1/cm"/>
+          <inkml:channelProperty channel="F" name="resolution" value="0" units="1/dev"/>
+          <inkml:channelProperty channel="OA" name="resolution" value="1000" units="1/deg"/>
+          <inkml:channelProperty channel="OE" name="resolution" value="1000" units="1/deg"/>
+        </inkml:channelProperties>
+      </inkml:inkSource>
+      <inkml:timestamp xml:id="ts0" timeString="2021-05-19T16:01:08.901"/>
+    </inkml:context>
+    <inkml:brush xml:id="br0">
+      <inkml:brushProperty name="width" value="0.05" units="cm"/>
+      <inkml:brushProperty name="height" value="0.05" units="cm"/>
+      <inkml:brushProperty name="color" value="#FF0066"/>
+    </inkml:brush>
+  </inkml:definitions>
+  <inkml:trace contextRef="#ctx0" brushRef="#br0">36 96 15200 0 0,'-31'-2'2829'0'0,"26"-3"1741"0"0,14 3-4578 0 0,0 1-1 0 0,1 0 0 0 0,-1 1 0 0 0,0 0 0 0 0,12 1 1 0 0,-6 0-16 0 0,280 6-208 0 0,-177-9 237 0 0,150-20-1 0 0,-212 16-69 0 0,530-34-226 0 0,2 25 329 0 0,-577 15-45 0 0,121-2 86 0 0,933-4 1410 0 0,-805 15-1086 0 0,89 0-762 0 0,-296-8-1128 0 0,1 0-3895 0 0,0 2-1816 0 0</inkml:trace>
+</inkml:ink>
+</file>
+
+<file path=ppt/ink/ink19.xml><?xml version="1.0" encoding="utf-8"?>
+<inkml:ink xmlns:inkml="http://www.w3.org/2003/InkML">
+  <inkml:definitions>
+    <inkml:context xml:id="ctx0">
+      <inkml:inkSource xml:id="inkSrc0">
+        <inkml:traceFormat>
+          <inkml:channel name="X" type="integer" min="-2.14748E9" max="2.14748E9" units="cm"/>
+          <inkml:channel name="Y" type="integer" min="-2.14748E9" max="2.14748E9" units="cm"/>
+          <inkml:channel name="F" type="integer" max="32767" units="dev"/>
+        </inkml:traceFormat>
+        <inkml:channelProperties>
+          <inkml:channelProperty channel="X" name="resolution" value="1000" units="1/cm"/>
+          <inkml:channelProperty channel="Y" name="resolution" value="1000" units="1/cm"/>
+          <inkml:channelProperty channel="F" name="resolution" value="0" units="1/dev"/>
+        </inkml:channelProperties>
+      </inkml:inkSource>
+      <inkml:timestamp xml:id="ts0" timeString="2021-05-19T16:01:00.303"/>
+    </inkml:context>
+    <inkml:brush xml:id="br0">
+      <inkml:brushProperty name="width" value="0.05" units="cm"/>
+      <inkml:brushProperty name="height" value="0.05" units="cm"/>
+      <inkml:brushProperty name="color" value="#FF0066"/>
+    </inkml:brush>
+  </inkml:definitions>
+  <inkml:trace contextRef="#ctx0" brushRef="#br0">127 0 10136,'0'0'769,"-5"13"-482,-19 25 1193,15-23-658,6-11-577,0-1 0,1 1 0,0 0 0,-3 6 1,-9 28 1728,-20 61 1870,24-63-3289,-6 29 1706,16-63-2165,0 0 0,0 0 1,1 0-1,-1 0 0,0 0 0,1 0 1,-1 0-1,1 0 0,-1 0 0,1 0 0,0 0 1,0 0-1,0 0 0,0 0 0,0-1 1,1 1-1,-1 0 0,0-1 0,1 1 1,-1-1-1,1 1 0,3 1 0,5 1 122,-1-1-1,1 0 1,0-1-1,0 0 1,0 0-1,13 0 1,19 3 307,99 8-525,-71-8 0,-44-3 0,44 3 0,-65-6 0,-5 1 0,0-1 0,0 1 0,1 0 0,-1 0 0,0-1 0,0 1 0,1 0 0,-1 0 0,0-1 0,0 1 0,0 0 0,1-1 0,-1 1 0,0 0 0,0-1 0,0 1 0,0-1 0,0 1 0,0 0 0,0-1 0,0 1 0,0 0 0,0-1 0,0 1 0,0 0 0,0-1 0,0 1 0,0-1 0,0 1 0,0 0 0,0-1 0,0 1 0,-1 0 0,1-1 0,0 1 0,0 0 0,0 0 0,-1-1 0,1 1 0,0 0 0,-1-1 0,-2-2 0,0-1 0,0 1 0,0 0 0,0 0 0,0 0 0,-1 0 0,0 1 0,1-1 0,-1 1 0,0 0 0,0 0 0,-7-2 0,-10-6 0,-10-3 0,31 13 0,0 0 0,0 0 0,0 0 0,-1-1 0,1 1 0,0 0 0,0 0 0,0 0 0,0 0 0,0 0 0,0 0 0,0 0 0,0 0 0,-1 0 0,1-1 0,0 1 0,0 0 0,0 0 0,0 0 0,0 0 0,0 0 0,0 0 0,0-1 0,0 1 0,0 0 0,0 0 0,0 0 0,0 0 0,0 0 0,0-1 0,0 1 0,0 0 0,0 0 0,0 0 0,0 0 0,0 0 0,0 0 0,0-1 0,0 1 0,0 0 0,0 0 0,1 0 0,-1 0 0,0 0 0,0 0 0,0 0 0,0 0 0,0-1 0,0 1 0,0 0 0,0 0 0,1 0 0,-1 0 0,0 0 0,0 0 0,0 0 0,0 0 0,0 0 0,0 0 0,1 0 0,-1 0 0,0 0 0,7-4 0,0 2 0,-1 0 0,1 1 0,-1 0 0,1 0 0,10 0 0,-2 1 0,17-4 129,-17 2 41,0 1 0,28 1 0,-42 0-162,1 0 1,0 1 0,-1-1-1,1 0 1,0 1-1,-1-1 1,1 1-1,0-1 1,-1 1-1,1 0 1,-1 0 0,1 0-1,-1 0 1,1 0-1,-1 0 1,0 0-1,0 0 1,1 1 0,0 1-1,-1-1 3,1 0-1,-2 1 1,1-1-1,0 0 1,0 1-1,-1-1 1,1 1-1,-1-1 1,0 1-1,1-1 1,-1 1 0,-1 2-1,0 3 14,0 0 1,0 0-1,-1 0 0,-1-1 1,1 1-1,-1-1 0,-6 10 0,-6 12-23,6-10-55,-2-1 0,-18 26 0,12-19-1990,16-24 1211,16-14-3568,-4 3-1028,1-3-1443</inkml:trace>
+</inkml:ink>
+</file>
+
+<file path=ppt/ink/ink2.xml><?xml version="1.0" encoding="utf-8"?>
+<inkml:ink xmlns:inkml="http://www.w3.org/2003/InkML">
+  <inkml:definitions>
+    <inkml:context xml:id="ctx0">
+      <inkml:inkSource xml:id="inkSrc0">
+        <inkml:traceFormat>
+          <inkml:channel name="X" type="integer" min="-2.14748E9" max="2.14748E9" units="cm"/>
+          <inkml:channel name="Y" type="integer" min="-2.14748E9" max="2.14748E9" units="cm"/>
+          <inkml:channel name="F" type="integer" max="32767" units="dev"/>
+          <inkml:channel name="OA" type="integer" max="360" units="deg"/>
+          <inkml:channel name="OE" type="integer" max="90" units="deg"/>
+        </inkml:traceFormat>
+        <inkml:channelProperties>
+          <inkml:channelProperty channel="X" name="resolution" value="1000" units="1/cm"/>
+          <inkml:channelProperty channel="Y" name="resolution" value="1000" units="1/cm"/>
+          <inkml:channelProperty channel="F" name="resolution" value="0" units="1/dev"/>
+          <inkml:channelProperty channel="OA" name="resolution" value="1000" units="1/deg"/>
+          <inkml:channelProperty channel="OE" name="resolution" value="1000" units="1/deg"/>
+        </inkml:channelProperties>
+      </inkml:inkSource>
+      <inkml:timestamp xml:id="ts0" timeString="2021-05-19T16:00:34.995"/>
+    </inkml:context>
+    <inkml:brush xml:id="br0">
+      <inkml:brushProperty name="width" value="0.05" units="cm"/>
+      <inkml:brushProperty name="height" value="0.05" units="cm"/>
+      <inkml:brushProperty name="color" value="#FF0066"/>
+    </inkml:brush>
+  </inkml:definitions>
+  <inkml:trace contextRef="#ctx0" brushRef="#br0">81 0 8288 0 0,'-11'3'633'0'0,"4"1"-317"0"0,0 0 1 0 0,0 0-1 0 0,1 0 1 0 0,0 1-1 0 0,0-1 0 0 0,-9 11 1 0 0,0 1 5823 0 0,27-12-3457 0 0,-2-4-2301 0 0,0 1 0 0 0,0-1 0 0 0,12-2-1 0 0,8 1 196 0 0,23 2 403 0 0,86 14-1 0 0,74 7 597 0 0,-102-14-1599 0 0,207-3 190 0 0,-270-6 102 0 0,179 3 1327 0 0,-60 1-1604 0 0,-164-3-5 0 0,208-5 1310 0 0,9-8-302 0 0,-170 11-818 0 0,9 2 370 0 0,70 8 1 0 0,-117-6-339 0 0,88 13-324 0 0,-23-3 159 0 0,-58-8-186 0 0,10 0 819 0 0,-28-5-610 0 0,0-1-119 0 0,-1 1 0 0 0,1-1 1 0 0,0 0-1 0 0,-1 1 0 0 0,1-1 0 0 0,-1 0 1 0 0,1 0-1 0 0,-1 1 0 0 0,0-1 0 0 0,0 0 1 0 0,1 0-1 0 0,-2 0 0 0 0,1 1 1 0 0,0-1-1 0 0,0 0 0 0 0,0 0 0 0 0,-1 0 1 0 0,1 1-1 0 0,-2-3 0 0 0,-1-13-2343 0 0,3 1-2070 0 0</inkml:trace>
+</inkml:ink>
+</file>
+
+<file path=ppt/ink/ink20.xml><?xml version="1.0" encoding="utf-8"?>
+<inkml:ink xmlns:inkml="http://www.w3.org/2003/InkML">
+  <inkml:definitions>
+    <inkml:context xml:id="ctx0">
+      <inkml:inkSource xml:id="inkSrc0">
+        <inkml:traceFormat>
+          <inkml:channel name="X" type="integer" min="-2.14748E9" max="2.14748E9" units="cm"/>
+          <inkml:channel name="Y" type="integer" min="-2.14748E9" max="2.14748E9" units="cm"/>
+          <inkml:channel name="F" type="integer" max="32767" units="dev"/>
+        </inkml:traceFormat>
+        <inkml:channelProperties>
+          <inkml:channelProperty channel="X" name="resolution" value="1000" units="1/cm"/>
+          <inkml:channelProperty channel="Y" name="resolution" value="1000" units="1/cm"/>
+          <inkml:channelProperty channel="F" name="resolution" value="0" units="1/dev"/>
+        </inkml:channelProperties>
+      </inkml:inkSource>
+      <inkml:timestamp xml:id="ts0" timeString="2021-05-19T16:01:00.660"/>
+    </inkml:context>
+    <inkml:brush xml:id="br0">
+      <inkml:brushProperty name="width" value="0.05" units="cm"/>
+      <inkml:brushProperty name="height" value="0.05" units="cm"/>
+      <inkml:brushProperty name="color" value="#FF0066"/>
+    </inkml:brush>
+  </inkml:definitions>
+  <inkml:trace contextRef="#ctx0" brushRef="#br0">1 1 14480,'0'0'3881,"0"2"-3096,2 9-171,0 1 0,-1-1 0,0 24 0,1 9 215,6 73 1006,4 26-564,-10-121-1250,1 14-19,-2-34-2,-1 0-1,0 0 0,1 0 0,0 0 0,-1 0 0,1 0 1,0 0-1,0-1 0,0 1 0,0 0 0,0-1 0,1 1 0,0 1 1,-1-3-24,-1 0 1,0 0 0,1 1 0,-1-1 0,0 0-1,1 0 1,-1 0 0,0 0 0,1 0 0,-1 0 0,0 0-1,1 0 1,-1 0 0,0 0 0,1 0 0,-1 0 0,0 0-1,1 0 1,-1 0 0,0 0 0,0 0 0,1-1-1,-1 1 1,0 0 0,1 0 0,-1 0 0,0 0 0,0-1-1,1 1 1,-1 0 0,0 0 0,0-1 0,1 1 0,-1-1-1,7-8-1423,0-4-1048,1-2-5172</inkml:trace>
+</inkml:ink>
+</file>
+
+<file path=ppt/ink/ink21.xml><?xml version="1.0" encoding="utf-8"?>
+<inkml:ink xmlns:inkml="http://www.w3.org/2003/InkML">
+  <inkml:definitions>
+    <inkml:context xml:id="ctx0">
+      <inkml:inkSource xml:id="inkSrc0">
+        <inkml:traceFormat>
+          <inkml:channel name="X" type="integer" min="-2.14748E9" max="2.14748E9" units="cm"/>
+          <inkml:channel name="Y" type="integer" min="-2.14748E9" max="2.14748E9" units="cm"/>
+          <inkml:channel name="F" type="integer" max="32767" units="dev"/>
+        </inkml:traceFormat>
+        <inkml:channelProperties>
+          <inkml:channelProperty channel="X" name="resolution" value="1000" units="1/cm"/>
+          <inkml:channelProperty channel="Y" name="resolution" value="1000" units="1/cm"/>
+          <inkml:channelProperty channel="F" name="resolution" value="0" units="1/dev"/>
+        </inkml:channelProperties>
+      </inkml:inkSource>
+      <inkml:timestamp xml:id="ts0" timeString="2021-05-19T16:01:01.019"/>
+    </inkml:context>
+    <inkml:brush xml:id="br0">
+      <inkml:brushProperty name="width" value="0.05" units="cm"/>
+      <inkml:brushProperty name="height" value="0.05" units="cm"/>
+      <inkml:brushProperty name="color" value="#FF0066"/>
+    </inkml:brush>
+  </inkml:definitions>
+  <inkml:trace contextRef="#ctx0" brushRef="#br0">0 113 5528,'0'-16'674,"1"10"2340,0 2-1639,0 1 1,1 0 0,-1 0-1,1 0 1,0 0-1,0 0 1,0 1 0,4-4-1,-2 1-682,1 1-1,0 0 1,0 1 0,6-4-1,6-2-835,-1 1 0,21-6-1,-33 13 497,22-5-1552,-10 9-5569</inkml:trace>
+  <inkml:trace contextRef="#ctx0" brushRef="#br0" timeOffset="1">9 308 19351,'-5'20'2096,"5"-20"-2007,0 1 1,1 0-1,-1 0 0,1-1 0,-1 1 0,0 0 0,1 0 0,-1-1 0,1 1 0,0-1 1,-1 1-1,1-1 0,-1 1 0,1-1 0,0 1 0,0-1 0,-1 1 0,1-1 0,0 0 0,0 1 1,-1-1-1,1 0 0,0 0 0,0 1 0,0-1 0,-1 0 0,1 0 0,0 0 0,0 0 1,0 0-1,1-1 0,25-3 1155,81-34-2773,-89 31-230</inkml:trace>
+</inkml:ink>
+</file>
+
+<file path=ppt/ink/ink22.xml><?xml version="1.0" encoding="utf-8"?>
+<inkml:ink xmlns:inkml="http://www.w3.org/2003/InkML">
+  <inkml:definitions>
+    <inkml:context xml:id="ctx0">
+      <inkml:inkSource xml:id="inkSrc0">
+        <inkml:traceFormat>
+          <inkml:channel name="X" type="integer" min="-2.14748E9" max="2.14748E9" units="cm"/>
+          <inkml:channel name="Y" type="integer" min="-2.14748E9" max="2.14748E9" units="cm"/>
+          <inkml:channel name="F" type="integer" max="32767" units="dev"/>
+        </inkml:traceFormat>
+        <inkml:channelProperties>
+          <inkml:channelProperty channel="X" name="resolution" value="1000" units="1/cm"/>
+          <inkml:channelProperty channel="Y" name="resolution" value="1000" units="1/cm"/>
+          <inkml:channelProperty channel="F" name="resolution" value="0" units="1/dev"/>
+        </inkml:channelProperties>
+      </inkml:inkSource>
+      <inkml:timestamp xml:id="ts0" timeString="2021-05-19T16:01:01.380"/>
+    </inkml:context>
+    <inkml:brush xml:id="br0">
+      <inkml:brushProperty name="width" value="0.05" units="cm"/>
+      <inkml:brushProperty name="height" value="0.05" units="cm"/>
+      <inkml:brushProperty name="color" value="#FF0066"/>
+    </inkml:brush>
+  </inkml:definitions>
+  <inkml:trace contextRef="#ctx0" brushRef="#br0">0 254 17503,'0'0'1588,"1"18"-1197,15 26 2416,-11-32-2192,7 24 0,-6-11-615,6 31 0,-10-49 2464,-2-11-2236,1 1 0,0 0 1,0 0-1,1 0 0,-1 0 0,0 0 0,5-5 0,1-6-53,5-11-1585,1 0-1,29-43 0,-31 52-749</inkml:trace>
+  <inkml:trace contextRef="#ctx0" brushRef="#br0" timeOffset="1">397 427 12896,'-2'4'190,"0"1"1,0-1 0,-1 0 0,1 1-1,-1-1 1,0 0 0,-6 5 0,-10 16 2466,3-3 893,16-21-3020,0-8-950,1 0-1,0-1 0,0 1 1,1 0-1,0 0 0,0 1 1,4-9-1,8-24-2421,8-53-479,11-108 0,-30 153 3493,-2 15 4317,4 0 3839,-3 25-7116</inkml:trace>
+</inkml:ink>
+</file>
+
+<file path=ppt/ink/ink23.xml><?xml version="1.0" encoding="utf-8"?>
+<inkml:ink xmlns:inkml="http://www.w3.org/2003/InkML">
+  <inkml:definitions>
+    <inkml:context xml:id="ctx0">
+      <inkml:inkSource xml:id="inkSrc0">
+        <inkml:traceFormat>
+          <inkml:channel name="X" type="integer" min="-2.14748E9" max="2.14748E9" units="cm"/>
+          <inkml:channel name="Y" type="integer" min="-2.14748E9" max="2.14748E9" units="cm"/>
+          <inkml:channel name="F" type="integer" max="32767" units="dev"/>
+        </inkml:traceFormat>
+        <inkml:channelProperties>
+          <inkml:channelProperty channel="X" name="resolution" value="1000" units="1/cm"/>
+          <inkml:channelProperty channel="Y" name="resolution" value="1000" units="1/cm"/>
+          <inkml:channelProperty channel="F" name="resolution" value="0" units="1/dev"/>
+        </inkml:channelProperties>
+      </inkml:inkSource>
+      <inkml:timestamp xml:id="ts0" timeString="2021-05-19T16:01:01.955"/>
+    </inkml:context>
+    <inkml:brush xml:id="br0">
+      <inkml:brushProperty name="width" value="0.05" units="cm"/>
+      <inkml:brushProperty name="height" value="0.05" units="cm"/>
+      <inkml:brushProperty name="color" value="#FF0066"/>
+    </inkml:brush>
+  </inkml:definitions>
+  <inkml:trace contextRef="#ctx0" brushRef="#br0">321 244 11976,'0'0'1082,"-11"-13"-688,8 11 52,0 0 0,0 1 0,0-1 1,0 0-1,-1 1 0,1 0 0,0 0 1,-1 0-1,1 0 0,-1 1 1,1-1-1,-1 1 0,1 0 0,-1 0 1,1 0-1,-6 1 0,-3 1 34,-1 0 0,1 1 0,-16 5 0,16-3-320,0 0-1,0 0 1,1 1-1,-1 1 1,1 0-1,0 0 1,1 1-1,0 1 1,0 0-1,1 0 1,0 0 0,1 2-1,0-1 1,-8 13-1,13-17-118,0 1-1,0-1 1,0 1-1,1 0 0,0-1 1,0 1-1,1 0 1,0 0-1,0 1 1,0-1-1,1 0 1,0 0-1,1 0 0,0 0 1,0 0-1,0 0 1,4 10-1,-5-16-30,1 0 0,-1 0 0,1 0 0,-1 0 0,1 0 0,-1 0 0,1 0-1,0 0 1,0 0 0,-1-1 0,1 1 0,0 0 0,0-1 0,0 1 0,0 0 0,0-1 0,0 1 0,0-1-1,0 0 1,0 1 0,0-1 0,0 0 0,0 1 0,0-1 0,0 0 0,0 0 0,1 0 0,-1 0 0,0 0 0,0 0-1,0 0 1,0-1 0,0 1 0,0 0 0,0-1 0,0 1 0,0 0 0,0-1 0,0 1 0,0-1 0,1 0-1,5-3 40,0-1 0,0 1 0,-1-1 0,7-7 0,-11 11-38,89-93 378,-61 61-338,-18 20-15,-1-1 1,-1 0-1,0-1 0,-1 0 1,0 0-1,-2-1 0,12-30 1,9-64 231,-8 30 1498,-20 79-1729,0 0 0,0 1 0,0-1 0,0 0 0,1 1 0,-1-1-1,0 1 1,0-1 0,1 0 0,-1 1 0,0-1 0,1 1 0,-1-1 0,0 1-1,1-1 1,-1 1 0,1-1 0,3 8 490,-2 20-246,1 152-126,0-104-1038,-2-68 732,0 0 0,1 1 0,-1-1 0,1 0 0,1 0 0,-1 0 0,1-1-1,5 9 1,-7-13-138,1 1-1,0-1 0,0 0 0,1 1 0,-1-1 1,0 0-1,1 0 0,-1 0 0,1-1 0,0 1 0,0-1 1,-1 1-1,1-1 0,0 0 0,0 0 0,0 0 1,0 0-1,5 0 0,6-1-2353</inkml:trace>
+</inkml:ink>
+</file>
+
+<file path=ppt/ink/ink24.xml><?xml version="1.0" encoding="utf-8"?>
+<inkml:ink xmlns:inkml="http://www.w3.org/2003/InkML">
+  <inkml:definitions>
+    <inkml:context xml:id="ctx0">
+      <inkml:inkSource xml:id="inkSrc0">
+        <inkml:traceFormat>
+          <inkml:channel name="X" type="integer" min="-2.14748E9" max="2.14748E9" units="cm"/>
+          <inkml:channel name="Y" type="integer" min="-2.14748E9" max="2.14748E9" units="cm"/>
+          <inkml:channel name="F" type="integer" max="32767" units="dev"/>
+        </inkml:traceFormat>
+        <inkml:channelProperties>
+          <inkml:channelProperty channel="X" name="resolution" value="1000" units="1/cm"/>
+          <inkml:channelProperty channel="Y" name="resolution" value="1000" units="1/cm"/>
+          <inkml:channelProperty channel="F" name="resolution" value="0" units="1/dev"/>
+        </inkml:channelProperties>
+      </inkml:inkSource>
+      <inkml:timestamp xml:id="ts0" timeString="2021-05-19T16:01:02.346"/>
+    </inkml:context>
+    <inkml:brush xml:id="br0">
+      <inkml:brushProperty name="width" value="0.05" units="cm"/>
+      <inkml:brushProperty name="height" value="0.05" units="cm"/>
+      <inkml:brushProperty name="color" value="#FF0066"/>
+    </inkml:brush>
+  </inkml:definitions>
+  <inkml:trace contextRef="#ctx0" brushRef="#br0">113 0 10592,'-7'2'424,"1"1"1,-1 0-1,-9 5 1,10-4 833,-1 1 1,1 0-1,0 0 1,1 0 0,-10 11-1,11-11-424,0 0 0,1 0 0,0 1 0,0-1 0,0 1-1,0-1 1,-2 10 0,4-10-815,0 0 0,0 0 0,1 0 0,-1-1 0,1 1 0,1 5 0,-1-7 11,1 0 0,0 0 0,0 0 0,0 0 0,0 0 0,1 0 0,-1-1 0,1 1 1,0 0-1,-1-1 0,1 0 0,0 1 0,0-1 0,1 0 0,-1 0 0,0 0 0,1 0 0,-1 0 1,1-1-1,0 1 0,-1-1 0,1 0 0,4 2 0,-2-3-6,0 0-1,0 0 1,0 0 0,0-1-1,-1 0 1,1 0-1,0 0 1,0 0 0,-1-1-1,1 1 1,-1-1-1,1 0 1,-1-1 0,6-3-1,-3 0 5,0 0 0,0 0 0,0-1 0,-1 0 0,0 0 0,8-14-1,-13 20-14,4-7 62,0 1 0,1-1 1,9-9-1,-14 16-64,-1 1 1,1-1-1,0 1 1,0-1-1,-1 1 1,1 0-1,0-1 1,0 1-1,-1 0 0,1 0 1,0 0-1,0-1 1,0 1-1,0 0 1,-1 0-1,1 0 1,0 0-1,0 0 1,0 1-1,0-1 1,-1 0-1,1 0 1,0 1-1,0-1 1,-1 0-1,1 1 0,0-1 1,0 0-1,0 1 1,23 20-4,-8-7-612,-15-13 353,1 0 1,-1 0-1,0 0 1,1-1-1,-1 1 1,1 0-1,-1-1 1,1 1-1,-1-1 1,1 0-1,-1 1 1,1-1 0,-1 0-1,1 0 1,0 0-1,-1 0 1,1 0-1,-1 0 1,1-1-1,-1 1 1,1 0-1,2-2 1,4-2-1656</inkml:trace>
+</inkml:ink>
+</file>
+
+<file path=ppt/ink/ink25.xml><?xml version="1.0" encoding="utf-8"?>
+<inkml:ink xmlns:inkml="http://www.w3.org/2003/InkML">
+  <inkml:definitions>
+    <inkml:context xml:id="ctx0">
+      <inkml:inkSource xml:id="inkSrc0">
+        <inkml:traceFormat>
+          <inkml:channel name="X" type="integer" min="-2.14748E9" max="2.14748E9" units="cm"/>
+          <inkml:channel name="Y" type="integer" min="-2.14748E9" max="2.14748E9" units="cm"/>
+          <inkml:channel name="F" type="integer" max="32767" units="dev"/>
+          <inkml:channel name="OA" type="integer" max="360" units="deg"/>
+          <inkml:channel name="OE" type="integer" max="90" units="deg"/>
+        </inkml:traceFormat>
+        <inkml:channelProperties>
+          <inkml:channelProperty channel="X" name="resolution" value="1000" units="1/cm"/>
+          <inkml:channelProperty channel="Y" name="resolution" value="1000" units="1/cm"/>
+          <inkml:channelProperty channel="F" name="resolution" value="0" units="1/dev"/>
+          <inkml:channelProperty channel="OA" name="resolution" value="1000" units="1/deg"/>
+          <inkml:channelProperty channel="OE" name="resolution" value="1000" units="1/deg"/>
+        </inkml:channelProperties>
+      </inkml:inkSource>
+      <inkml:timestamp xml:id="ts0" timeString="2021-05-19T16:01:02.721"/>
+    </inkml:context>
+    <inkml:brush xml:id="br0">
+      <inkml:brushProperty name="width" value="0.05" units="cm"/>
+      <inkml:brushProperty name="height" value="0.05" units="cm"/>
+      <inkml:brushProperty name="color" value="#FF0066"/>
+    </inkml:brush>
+  </inkml:definitions>
+  <inkml:trace contextRef="#ctx0" brushRef="#br0">8 0 4144 0 0,'-3'8'428'0'0,"0"4"-1414"0"0,2-1 3609 0 0,5 24 13157 0 0,-2-18-11960 0 0,-1-11-3158 0 0,-2-2-303 0 0,1-1-79 0 0,-1 3 89 0 0,1-2-58 0 0,0 3 62 0 0,1 5 46 0 0,5 6-86 0 0,-2-8-274 0 0,0-1-1 0 0,0 0 1 0 0,1 0-1 0 0,0 0 0 0 0,0 0 1 0 0,1-1-1 0 0,0 0 1 0 0,13 12-1 0 0,-15-16-156 0 0,0-1 0 0 0,0 0-1 0 0,0 0 1 0 0,1 0 0 0 0,-1-1-1 0 0,1 1 1 0 0,0-1-1 0 0,0 0 1 0 0,-1-1 0 0 0,2 1-1 0 0,-1-1 1 0 0,0 0 0 0 0,0 0-1 0 0,0 0 1 0 0,0-1 0 0 0,1 0-1 0 0,-1 0 1 0 0,10-1-1 0 0,-7-1-454 0 0,1 0 0 0 0,-1-1 0 0 0,1 0 0 0 0,-1 0 0 0 0,0 0-1 0 0,0-1 1 0 0,-1 0 0 0 0,1-1 0 0 0,13-10 0 0 0,-15 10 188 0 0,0 0 1 0 0,-1 0 0 0 0,1-1-1 0 0,-1 1 1 0 0,0-1 0 0 0,-1-1-1 0 0,1 1 1 0 0,-1 0 0 0 0,-1-1-1 0 0,1 0 1 0 0,3-11 0 0 0,-6 17 513 0 0,-1 0 0 0 0,0 0 0 0 0,1 0 1 0 0,-1 0-1 0 0,0 0 0 0 0,0 0 0 0 0,1 0 1 0 0,-1 0-1 0 0,0-1 0 0 0,0 1 0 0 0,0 0 0 0 0,0 0 1 0 0,-1 0-1 0 0,1-2 0 0 0,0 3-20 0 0,-1 0 1 0 0,1 0-1 0 0,0 0 0 0 0,0 0 0 0 0,-1 0 1 0 0,1 0-1 0 0,0 0 0 0 0,-1 0 1 0 0,1 0-1 0 0,0 0 0 0 0,-1 0 0 0 0,1 0 1 0 0,0 0-1 0 0,0 0 0 0 0,-1 0 1 0 0,1 0-1 0 0,0 0 0 0 0,-1 0 0 0 0,1 0 1 0 0,0 1-1 0 0,0-1 0 0 0,-1 0 0 0 0,1 0 1 0 0,0 0-1 0 0,0 0 0 0 0,-1 1 1 0 0,1-1-1 0 0,0 0 0 0 0,0 0 0 0 0,0 0 1 0 0,-1 1-1 0 0,-13 14 3672 0 0,6-5-4056 0 0,-2 7 838 0 0,-9 20 0 0 0,12-21-456 0 0,-1-1 1 0 0,-10 15 0 0 0,7-15-71 0 0,5-8-39 0 0,0 1-1 0 0,1-1 1 0 0,1 1 0 0 0,-1 0-1 0 0,1 1 1 0 0,-5 13-1 0 0,2 1-863 0 0,0-2 1 0 0,-16 33-1 0 0,12-36-105 0 0</inkml:trace>
+</inkml:ink>
+</file>
+
+<file path=ppt/ink/ink26.xml><?xml version="1.0" encoding="utf-8"?>
+<inkml:ink xmlns:inkml="http://www.w3.org/2003/InkML">
+  <inkml:definitions>
+    <inkml:context xml:id="ctx0">
+      <inkml:inkSource xml:id="inkSrc0">
+        <inkml:traceFormat>
+          <inkml:channel name="X" type="integer" min="-2.14748E9" max="2.14748E9" units="cm"/>
+          <inkml:channel name="Y" type="integer" min="-2.14748E9" max="2.14748E9" units="cm"/>
+          <inkml:channel name="F" type="integer" max="32767" units="dev"/>
+          <inkml:channel name="OA" type="integer" max="360" units="deg"/>
+          <inkml:channel name="OE" type="integer" max="90" units="deg"/>
+        </inkml:traceFormat>
+        <inkml:channelProperties>
+          <inkml:channelProperty channel="X" name="resolution" value="1000" units="1/cm"/>
+          <inkml:channelProperty channel="Y" name="resolution" value="1000" units="1/cm"/>
+          <inkml:channelProperty channel="F" name="resolution" value="0" units="1/dev"/>
+          <inkml:channelProperty channel="OA" name="resolution" value="1000" units="1/deg"/>
+          <inkml:channelProperty channel="OE" name="resolution" value="1000" units="1/deg"/>
+        </inkml:channelProperties>
+      </inkml:inkSource>
+      <inkml:timestamp xml:id="ts0" timeString="2021-05-19T16:01:04.276"/>
+    </inkml:context>
+    <inkml:brush xml:id="br0">
+      <inkml:brushProperty name="width" value="0.05" units="cm"/>
+      <inkml:brushProperty name="height" value="0.05" units="cm"/>
+      <inkml:brushProperty name="color" value="#FF0066"/>
+    </inkml:brush>
+  </inkml:definitions>
+  <inkml:trace contextRef="#ctx0" brushRef="#br0">57 6 13072 0 0,'0'0'988'0'0,"0"-1"-667"0"0,0-3 1556 0 0,-1 11-872 0 0,-22 255 922 0 0,8-83-1956 0 0,-1 94 321 0 0,15-156 2440 0 0,1-116-2691 0 0,0-1 0 0 0,1 0 0 0 0,-1 0 0 0 0,0 1 0 0 0,1-1 0 0 0,-1 0 0 0 0,1 0 0 0 0,-1 0 1 0 0,1 0-1 0 0,-1 1 0 0 0,1-1 0 0 0,-1 0 0 0 0,0 0 0 0 0,1 0 0 0 0,-1 0 0 0 0,1 0 0 0 0,-1 0 1 0 0,1 0-1 0 0,-1 0 0 0 0,1 0 0 0 0,-1-1 0 0 0,1 1 0 0 0,11-2 315 0 0,44-19 175 0 0,84-21 0 0 0,-108 33-480 0 0,-7 3-41 0 0,26-2-1 0 0,-32 6 7 0 0,1-1 0 0 0,37-11 0 0 0,-56 13 12 0 0,1 1 0 0 0,0-1 0 0 0,0 0 0 0 0,0 0 1 0 0,0 0-1 0 0,-1 0 0 0 0,1 0 0 0 0,0 0 0 0 0,-1 0 0 0 0,1-1 0 0 0,-1 1 0 0 0,1-1 1 0 0,-1 1-1 0 0,2-3 0 0 0,-3 3-8 0 0,1 0 0 0 0,-1 0 0 0 0,0 0 1 0 0,0 0-1 0 0,0 0 0 0 0,0 0 0 0 0,0 0 0 0 0,0 0 1 0 0,0 0-1 0 0,0 0 0 0 0,0 0 0 0 0,0 0 0 0 0,-1 0 1 0 0,1 0-1 0 0,0 0 0 0 0,-1 0 0 0 0,1 0 0 0 0,-1 0 1 0 0,1 0-1 0 0,-1 0 0 0 0,1 0 0 0 0,-1 1 0 0 0,0-1 1 0 0,1 0-1 0 0,-1 0 0 0 0,0 1 0 0 0,0-1 0 0 0,1 0 1 0 0,-3 0-1 0 0,-25-25 200 0 0,-10-9-376 0 0,34 33 288 0 0,1-1 0 0 0,0 1 0 0 0,-1-1 1 0 0,1 0-1 0 0,0-1 0 0 0,0 1 0 0 0,-4-6 0 0 0,7 8 35 0 0,0-1-143 0 0,0 0 1 0 0,1 1 0 0 0,-1-1-1 0 0,1 0 1 0 0,-1 1-1 0 0,1-1 1 0 0,0 0 0 0 0,-1 1-1 0 0,1-1 1 0 0,0 1-1 0 0,0-1 1 0 0,0 1 0 0 0,0 0-1 0 0,1-1 1 0 0,-1 1-1 0 0,0 0 1 0 0,0 0 0 0 0,1 0-1 0 0,-1-1 1 0 0,1 2-1 0 0,-1-1 1 0 0,1 0 0 0 0,-1 0-1 0 0,4-1 1 0 0,4-2-7 0 0,1 1 1 0 0,0 0-1 0 0,10-2 1 0 0,-11 3 40 0 0,7-1-26 0 0,-1 0 0 0 0,0 1 1 0 0,0 0-1 0 0,1 2 0 0 0,-1-1 1 0 0,1 2-1 0 0,-1 0 0 0 0,1 1 1 0 0,19 5-1 0 0,-30-5-28 0 0,-1-1-1 0 0,0 1 1 0 0,0 0-1 0 0,0 0 1 0 0,0 1 0 0 0,-1-1-1 0 0,1 1 1 0 0,-1 0-1 0 0,1 0 1 0 0,-1 0-1 0 0,0 0 1 0 0,0 1-1 0 0,0-1 1 0 0,0 1 0 0 0,-1 0-1 0 0,0 0 1 0 0,0 0-1 0 0,0 0 1 0 0,0 0-1 0 0,0 0 1 0 0,-1 0 0 0 0,0 1-1 0 0,0-1 1 0 0,0 0-1 0 0,0 6 1 0 0,0-3 3 0 0,-1 0 1 0 0,0 0-1 0 0,0 0 0 0 0,0 0 1 0 0,-1 0-1 0 0,0 0 1 0 0,-1 0-1 0 0,0 0 1 0 0,0 0-1 0 0,0 0 0 0 0,-1-1 1 0 0,0 1-1 0 0,0-1 1 0 0,-1 0-1 0 0,-5 8 0 0 0,-8 7-533 0 0,-2-2-1 0 0,-23 20 1 0 0,28-26-1097 0 0,3-2-4613 0 0,2 1-1904 0 0</inkml:trace>
+</inkml:ink>
+</file>
+
+<file path=ppt/ink/ink27.xml><?xml version="1.0" encoding="utf-8"?>
+<inkml:ink xmlns:inkml="http://www.w3.org/2003/InkML">
+  <inkml:definitions>
+    <inkml:context xml:id="ctx0">
+      <inkml:inkSource xml:id="inkSrc0">
+        <inkml:traceFormat>
+          <inkml:channel name="X" type="integer" min="-2.14748E9" max="2.14748E9" units="cm"/>
+          <inkml:channel name="Y" type="integer" min="-2.14748E9" max="2.14748E9" units="cm"/>
+          <inkml:channel name="F" type="integer" max="32767" units="dev"/>
+          <inkml:channel name="OA" type="integer" max="360" units="deg"/>
+          <inkml:channel name="OE" type="integer" max="90" units="deg"/>
+        </inkml:traceFormat>
+        <inkml:channelProperties>
+          <inkml:channelProperty channel="X" name="resolution" value="1000" units="1/cm"/>
+          <inkml:channelProperty channel="Y" name="resolution" value="1000" units="1/cm"/>
+          <inkml:channelProperty channel="F" name="resolution" value="0" units="1/dev"/>
+          <inkml:channelProperty channel="OA" name="resolution" value="1000" units="1/deg"/>
+          <inkml:channelProperty channel="OE" name="resolution" value="1000" units="1/deg"/>
+        </inkml:channelProperties>
+      </inkml:inkSource>
+      <inkml:timestamp xml:id="ts0" timeString="2021-05-19T16:01:04.882"/>
+    </inkml:context>
+    <inkml:brush xml:id="br0">
+      <inkml:brushProperty name="width" value="0.05" units="cm"/>
+      <inkml:brushProperty name="height" value="0.05" units="cm"/>
+      <inkml:brushProperty name="color" value="#FF0066"/>
+    </inkml:brush>
+  </inkml:definitions>
+  <inkml:trace contextRef="#ctx0" brushRef="#br0">18 7 9672 0 0,'-1'-1'205'0'0,"0"0"0"0"0,1 1 0 0 0,-1-1 1 0 0,0 1-1 0 0,0-1 0 0 0,0 1 0 0 0,1-1 0 0 0,-1 1 1 0 0,0-1-1 0 0,0 1 0 0 0,0 0 0 0 0,-1-1 0 0 0,2 1-66 0 0,-1 0 0 0 0,1 1 0 0 0,0-1 0 0 0,-1 0-1 0 0,1 0 1 0 0,0 0 0 0 0,0 0 0 0 0,-1 1-1 0 0,1-1 1 0 0,0 0 0 0 0,0 0 0 0 0,-1 1 0 0 0,1-1-1 0 0,0 0 1 0 0,0 0 0 0 0,0 1 0 0 0,-1-1-1 0 0,1 0 1 0 0,0 0 0 0 0,0 1 0 0 0,0-1 0 0 0,0 0-1 0 0,0 1 1 0 0,0-1 0 0 0,-1 0 0 0 0,1 1-1 0 0,0-1 1 0 0,0 0 0 0 0,0 1 0 0 0,0-1 0 0 0,0 0-1 0 0,0 1 1 0 0,1-1 0 0 0,-1 0 0 0 0,0 1-1 0 0,7 226 1566 0 0,3-58-760 0 0,-9-77-548 0 0,-2 82-8 0 0,3-128-280 0 0,-1-35-301 0 0,0 1 0 0 0,-2 17 1 0 0,3-17-535 0 0,7-3-44 0 0</inkml:trace>
+</inkml:ink>
+</file>
+
+<file path=ppt/ink/ink28.xml><?xml version="1.0" encoding="utf-8"?>
+<inkml:ink xmlns:inkml="http://www.w3.org/2003/InkML">
+  <inkml:definitions>
+    <inkml:context xml:id="ctx0">
+      <inkml:inkSource xml:id="inkSrc0">
+        <inkml:traceFormat>
+          <inkml:channel name="X" type="integer" min="-2.14748E9" max="2.14748E9" units="cm"/>
+          <inkml:channel name="Y" type="integer" min="-2.14748E9" max="2.14748E9" units="cm"/>
+          <inkml:channel name="F" type="integer" max="32767" units="dev"/>
+          <inkml:channel name="OA" type="integer" max="360" units="deg"/>
+          <inkml:channel name="OE" type="integer" max="90" units="deg"/>
+        </inkml:traceFormat>
+        <inkml:channelProperties>
+          <inkml:channelProperty channel="X" name="resolution" value="1000" units="1/cm"/>
+          <inkml:channelProperty channel="Y" name="resolution" value="1000" units="1/cm"/>
+          <inkml:channelProperty channel="F" name="resolution" value="0" units="1/dev"/>
+          <inkml:channelProperty channel="OA" name="resolution" value="1000" units="1/deg"/>
+          <inkml:channelProperty channel="OE" name="resolution" value="1000" units="1/deg"/>
+        </inkml:channelProperties>
+      </inkml:inkSource>
+      <inkml:timestamp xml:id="ts0" timeString="2021-05-19T16:01:05.270"/>
+    </inkml:context>
+    <inkml:brush xml:id="br0">
+      <inkml:brushProperty name="width" value="0.05" units="cm"/>
+      <inkml:brushProperty name="height" value="0.05" units="cm"/>
+      <inkml:brushProperty name="color" value="#FF0066"/>
+    </inkml:brush>
+  </inkml:definitions>
+  <inkml:trace contextRef="#ctx0" brushRef="#br0">1 12 15664 0 0,'0'0'1417'0'0,"1"0"-1167"0"0,15 4 65 0 0,0-2-1 0 0,0 0 0 0 0,0-1 0 0 0,23-1 0 0 0,68-10 268 0 0,-45 4-603 0 0,-39 3-135 0 0,0 2 0 0 0,0 1-1 0 0,40 4 1 0 0,-40 1-539 0 0</inkml:trace>
+</inkml:ink>
+</file>
+
+<file path=ppt/ink/ink29.xml><?xml version="1.0" encoding="utf-8"?>
+<inkml:ink xmlns:inkml="http://www.w3.org/2003/InkML">
+  <inkml:definitions>
+    <inkml:context xml:id="ctx0">
+      <inkml:inkSource xml:id="inkSrc0">
+        <inkml:traceFormat>
+          <inkml:channel name="X" type="integer" min="-2.14748E9" max="2.14748E9" units="cm"/>
+          <inkml:channel name="Y" type="integer" min="-2.14748E9" max="2.14748E9" units="cm"/>
+          <inkml:channel name="F" type="integer" max="32767" units="dev"/>
+          <inkml:channel name="OA" type="integer" max="360" units="deg"/>
+          <inkml:channel name="OE" type="integer" max="90" units="deg"/>
+        </inkml:traceFormat>
+        <inkml:channelProperties>
+          <inkml:channelProperty channel="X" name="resolution" value="1000" units="1/cm"/>
+          <inkml:channelProperty channel="Y" name="resolution" value="1000" units="1/cm"/>
+          <inkml:channelProperty channel="F" name="resolution" value="0" units="1/dev"/>
+          <inkml:channelProperty channel="OA" name="resolution" value="1000" units="1/deg"/>
+          <inkml:channelProperty channel="OE" name="resolution" value="1000" units="1/deg"/>
+        </inkml:channelProperties>
+      </inkml:inkSource>
+      <inkml:timestamp xml:id="ts0" timeString="2021-05-19T16:01:05.650"/>
+    </inkml:context>
+    <inkml:brush xml:id="br0">
+      <inkml:brushProperty name="width" value="0.05" units="cm"/>
+      <inkml:brushProperty name="height" value="0.05" units="cm"/>
+      <inkml:brushProperty name="color" value="#FF0066"/>
+    </inkml:brush>
+  </inkml:definitions>
+  <inkml:trace contextRef="#ctx0" brushRef="#br0">1 20 21191 0 0,'0'0'35'0'0,"0"0"-1"0"0,0 0 0 0 0,0 0 0 0 0,0 0 0 0 0,0 0 1 0 0,0 0-1 0 0,0 0 0 0 0,0 0 0 0 0,0 0 0 0 0,0 0 1 0 0,0 0-1 0 0,0 0 0 0 0,1 0 0 0 0,-1 0 0 0 0,0 0 1 0 0,0 0-1 0 0,0 0 0 0 0,0 1 0 0 0,0-1 1 0 0,0 0-1 0 0,0 0 0 0 0,0 0 0 0 0,0 0 0 0 0,0 0 1 0 0,0 0-1 0 0,0 0 0 0 0,0 0 0 0 0,0 0 0 0 0,0 0 1 0 0,0 0-1 0 0,0 0 0 0 0,0 0 0 0 0,0 1 0 0 0,0-1 1 0 0,0 0-1 0 0,0 0 0 0 0,0 0 0 0 0,0 0 0 0 0,0 0 1 0 0,0 0-1 0 0,0 0 0 0 0,0 0 0 0 0,-1 0 1 0 0,1 0-1 0 0,0 0 0 0 0,0 0 0 0 0,0 0 0 0 0,0 0 1 0 0,0 0-1 0 0,0 0 0 0 0,0 0 0 0 0,0 1 0 0 0,0-1 1 0 0,0 0-1 0 0,0 0 0 0 0,0 0 0 0 0,0 0 0 0 0,0 0 1 0 0,0 0-1 0 0,-1 0 0 0 0,1 0 0 0 0,0 0 0 0 0,0 0 1 0 0,10 2 307 0 0,15 0-546 0 0,76-14 209 0 0,28-1-92 0 0,-41 12-1199 0 0,-29 2-5161 0 0,-20-1-321 0 0</inkml:trace>
+</inkml:ink>
+</file>
+
+<file path=ppt/ink/ink3.xml><?xml version="1.0" encoding="utf-8"?>
+<inkml:ink xmlns:inkml="http://www.w3.org/2003/InkML">
+  <inkml:definitions>
+    <inkml:context xml:id="ctx0">
+      <inkml:inkSource xml:id="inkSrc0">
+        <inkml:traceFormat>
+          <inkml:channel name="X" type="integer" min="-2.14748E9" max="2.14748E9" units="cm"/>
+          <inkml:channel name="Y" type="integer" min="-2.14748E9" max="2.14748E9" units="cm"/>
+          <inkml:channel name="F" type="integer" max="32767" units="dev"/>
+          <inkml:channel name="OA" type="integer" max="360" units="deg"/>
+          <inkml:channel name="OE" type="integer" max="90" units="deg"/>
+        </inkml:traceFormat>
+        <inkml:channelProperties>
+          <inkml:channelProperty channel="X" name="resolution" value="1000" units="1/cm"/>
+          <inkml:channelProperty channel="Y" name="resolution" value="1000" units="1/cm"/>
+          <inkml:channelProperty channel="F" name="resolution" value="0" units="1/dev"/>
+          <inkml:channelProperty channel="OA" name="resolution" value="1000" units="1/deg"/>
+          <inkml:channelProperty channel="OE" name="resolution" value="1000" units="1/deg"/>
+        </inkml:channelProperties>
+      </inkml:inkSource>
+      <inkml:timestamp xml:id="ts0" timeString="2021-05-19T16:00:37.984"/>
+    </inkml:context>
+    <inkml:brush xml:id="br0">
+      <inkml:brushProperty name="width" value="0.05" units="cm"/>
+      <inkml:brushProperty name="height" value="0.05" units="cm"/>
+      <inkml:brushProperty name="color" value="#FF0066"/>
+    </inkml:brush>
+  </inkml:definitions>
+  <inkml:trace contextRef="#ctx0" brushRef="#br0">87 0 5640 0 0,'0'0'257'0'0,"-13"6"102"0"0,5-2-577 0 0,3-2 968 0 0,1 1 1 0 0,-1-1-1 0 0,0 0 0 0 0,0 0 1 0 0,0 0-1 0 0,0-1 1 0 0,0 0-1 0 0,-7 1 1 0 0,11-2-450 0 0,0 0 0 0 0,0 0 1 0 0,0 0-1 0 0,1 0 1 0 0,-1 0-1 0 0,0 0 0 0 0,0 0 1 0 0,0 1-1 0 0,0-1 1 0 0,0 0-1 0 0,0 0 0 0 0,1 1 1 0 0,-1-1-1 0 0,0 0 1 0 0,-1 1-1 0 0,2 0-189 0 0,0-1 0 0 0,0 0 0 0 0,0 0 0 0 0,0 1 0 0 0,0-1 0 0 0,0 0 0 0 0,0 0 0 0 0,0 0 0 0 0,0 1 0 0 0,1-1 0 0 0,-1 0 0 0 0,0 0 0 0 0,0 1-1 0 0,0-1 1 0 0,0 0 0 0 0,0 0 0 0 0,0 1 0 0 0,0-1 0 0 0,1 0 0 0 0,-1 0 0 0 0,0 0 0 0 0,0 1 0 0 0,0-1 0 0 0,0 0 0 0 0,1 0 0 0 0,-1 0 0 0 0,0 0 0 0 0,0 0 0 0 0,1 0 0 0 0,-1 1 0 0 0,0-1 0 0 0,3 2 173 0 0,0-1 1 0 0,0 1 0 0 0,0-1 0 0 0,0 0-1 0 0,0 0 1 0 0,6 2 0 0 0,31 0 305 0 0,0-2 1 0 0,1-2 0 0 0,61-8-1 0 0,5 0 343 0 0,-35 5-785 0 0,175-6 477 0 0,-169 11-455 0 0,91 12 1 0 0,106 11 1210 0 0,-82-8-556 0 0,-92-8-549 0 0,54 6 318 0 0,-119-9-397 0 0,0 2-1 0 0,43 13 0 0 0,85 26 235 0 0,-160-45-432 0 0,0-1 0 0 0,0 1 0 0 0,0-1 0 0 0,0 1 0 0 0,0-1 0 0 0,6-1 0 0 0,-9 1 0 0 0,0-1 0 0 0,0 1 0 0 0,0 0 0 0 0,0-1 0 0 0,0 1 0 0 0,1-1 0 0 0,-1 1 0 0 0,0-1 0 0 0,0 0 0 0 0,-1 1 0 0 0,1-1 0 0 0,0 0 0 0 0,0 0 0 0 0,0 0 0 0 0,0 1 0 0 0,-1-1 0 0 0,1 0 0 0 0,0 0 0 0 0,-1 0 0 0 0,1 0 0 0 0,-1 0 0 0 0,1-1 0 0 0,-1 1 0 0 0,1 0 0 0 0,-1 0 0 0 0,0 0 0 0 0,1 0 0 0 0,-1 0 0 0 0,0 0 0 0 0,0-1 0 0 0,0 1 0 0 0,0-2 0 0 0,0-6-431 0 0,0-22-312 0 0,2 11-8959 0 0</inkml:trace>
+</inkml:ink>
+</file>
+
+<file path=ppt/ink/ink30.xml><?xml version="1.0" encoding="utf-8"?>
+<inkml:ink xmlns:inkml="http://www.w3.org/2003/InkML">
+  <inkml:definitions>
+    <inkml:context xml:id="ctx0">
+      <inkml:inkSource xml:id="inkSrc0">
+        <inkml:traceFormat>
+          <inkml:channel name="X" type="integer" min="-2.14748E9" max="2.14748E9" units="cm"/>
+          <inkml:channel name="Y" type="integer" min="-2.14748E9" max="2.14748E9" units="cm"/>
+          <inkml:channel name="F" type="integer" max="32767" units="dev"/>
+          <inkml:channel name="OA" type="integer" max="360" units="deg"/>
+          <inkml:channel name="OE" type="integer" max="90" units="deg"/>
+        </inkml:traceFormat>
+        <inkml:channelProperties>
+          <inkml:channelProperty channel="X" name="resolution" value="1000" units="1/cm"/>
+          <inkml:channelProperty channel="Y" name="resolution" value="1000" units="1/cm"/>
+          <inkml:channelProperty channel="F" name="resolution" value="0" units="1/dev"/>
+          <inkml:channelProperty channel="OA" name="resolution" value="1000" units="1/deg"/>
+          <inkml:channelProperty channel="OE" name="resolution" value="1000" units="1/deg"/>
+        </inkml:channelProperties>
+      </inkml:inkSource>
+      <inkml:timestamp xml:id="ts0" timeString="2021-05-19T16:01:06.006"/>
+    </inkml:context>
+    <inkml:brush xml:id="br0">
+      <inkml:brushProperty name="width" value="0.05" units="cm"/>
+      <inkml:brushProperty name="height" value="0.05" units="cm"/>
+      <inkml:brushProperty name="color" value="#FF0066"/>
+    </inkml:brush>
+  </inkml:definitions>
+  <inkml:trace contextRef="#ctx0" brushRef="#br0">9 9 8288 0 0,'-8'-7'14654'0'0,"8"7"-14069"0"0,114-1-381 0 0,148 3 740 0 0,-200 3 659 0 0,81 1 2477 0 0,-141-6-3927 0 0</inkml:trace>
+</inkml:ink>
+</file>
+
+<file path=ppt/ink/ink31.xml><?xml version="1.0" encoding="utf-8"?>
+<inkml:ink xmlns:inkml="http://www.w3.org/2003/InkML">
+  <inkml:definitions>
+    <inkml:context xml:id="ctx0">
+      <inkml:inkSource xml:id="inkSrc0">
+        <inkml:traceFormat>
+          <inkml:channel name="X" type="integer" min="-2.14748E9" max="2.14748E9" units="cm"/>
+          <inkml:channel name="Y" type="integer" min="-2.14748E9" max="2.14748E9" units="cm"/>
+          <inkml:channel name="F" type="integer" max="32767" units="dev"/>
+          <inkml:channel name="OA" type="integer" max="360" units="deg"/>
+          <inkml:channel name="OE" type="integer" max="90" units="deg"/>
+        </inkml:traceFormat>
+        <inkml:channelProperties>
+          <inkml:channelProperty channel="X" name="resolution" value="1000" units="1/cm"/>
+          <inkml:channelProperty channel="Y" name="resolution" value="1000" units="1/cm"/>
+          <inkml:channelProperty channel="F" name="resolution" value="0" units="1/dev"/>
+          <inkml:channelProperty channel="OA" name="resolution" value="1000" units="1/deg"/>
+          <inkml:channelProperty channel="OE" name="resolution" value="1000" units="1/deg"/>
+        </inkml:channelProperties>
+      </inkml:inkSource>
+      <inkml:timestamp xml:id="ts0" timeString="2021-05-19T16:01:06.408"/>
+    </inkml:context>
+    <inkml:brush xml:id="br0">
+      <inkml:brushProperty name="width" value="0.05" units="cm"/>
+      <inkml:brushProperty name="height" value="0.05" units="cm"/>
+      <inkml:brushProperty name="color" value="#FF0066"/>
+    </inkml:brush>
+  </inkml:definitions>
+  <inkml:trace contextRef="#ctx0" brushRef="#br0">25 0 6912 0 0,'0'0'528'0'0,"-20"5"7812"0"0,20-5-8040 0 0,0 1 0 0 0,-1-1 0 0 0,1 1 0 0 0,-1-1 0 0 0,1 1 1 0 0,0 0-1 0 0,-1-1 0 0 0,1 1 0 0 0,0-1 0 0 0,0 1 0 0 0,0-1 1 0 0,-1 1-1 0 0,1 0 0 0 0,0-1 0 0 0,0 1 0 0 0,0-1 0 0 0,0 1 1 0 0,0 1-1 0 0,5 10 1831 0 0,-4-9-1941 0 0,1-1 0 0 0,0 0-1 0 0,-1 0 1 0 0,1 0 0 0 0,0-1 0 0 0,0 1-1 0 0,0 0 1 0 0,3 1 0 0 0,6 2-152 0 0,0 0 1 0 0,0 0-1 0 0,1-2 0 0 0,-1 1 1 0 0,1-1-1 0 0,18 2 0 0 0,76 1-81 0 0,-60-5 63 0 0,-25 0-8 0 0,-8-2 212 0 0,25 5 0 0 0,-34-4-196 0 0,-1 1-1 0 0,0-1 0 0 0,0 1 0 0 0,0 0 0 0 0,0 0 0 0 0,0 0 0 0 0,0 1 0 0 0,0-1 1 0 0,-1 1-1 0 0,1 0 0 0 0,0-1 0 0 0,-1 1 0 0 0,3 3 0 0 0,-3-4-8 0 0,-1 1-1 0 0,0 0 0 0 0,0 0 1 0 0,0 0-1 0 0,0 0 0 0 0,-1 0 1 0 0,1 0-1 0 0,0 0 0 0 0,-1 0 1 0 0,1 0-1 0 0,-1 0 0 0 0,0 0 1 0 0,0 1-1 0 0,0-1 0 0 0,0 0 1 0 0,0 0-1 0 0,0 0 0 0 0,-1 0 1 0 0,1 0-1 0 0,-1 0 0 0 0,1 0 1 0 0,-1 0-1 0 0,0 0 0 0 0,0 0 1 0 0,-1 2-1 0 0,-1 3 80 0 0,-1 0 0 0 0,0 0 0 0 0,-1 0-1 0 0,1-1 1 0 0,-10 11 0 0 0,-8 2 42 0 0,0 0 0 0 0,-1-2 0 0 0,-27 16 0 0 0,7-4-52 0 0,-5 7-30 0 0,28-20-831 0 0,-2-1 0 0 0,-40 22 0 0 0,53-34-1874 0 0</inkml:trace>
+</inkml:ink>
+</file>
+
+<file path=ppt/ink/ink32.xml><?xml version="1.0" encoding="utf-8"?>
+<inkml:ink xmlns:inkml="http://www.w3.org/2003/InkML">
+  <inkml:definitions>
+    <inkml:context xml:id="ctx0">
+      <inkml:inkSource xml:id="inkSrc0">
+        <inkml:traceFormat>
+          <inkml:channel name="X" type="integer" min="-2.14748E9" max="2.14748E9" units="cm"/>
+          <inkml:channel name="Y" type="integer" min="-2.14748E9" max="2.14748E9" units="cm"/>
+          <inkml:channel name="F" type="integer" max="32767" units="dev"/>
+          <inkml:channel name="OA" type="integer" max="360" units="deg"/>
+          <inkml:channel name="OE" type="integer" max="90" units="deg"/>
+        </inkml:traceFormat>
+        <inkml:channelProperties>
+          <inkml:channelProperty channel="X" name="resolution" value="1000" units="1/cm"/>
+          <inkml:channelProperty channel="Y" name="resolution" value="1000" units="1/cm"/>
+          <inkml:channelProperty channel="F" name="resolution" value="0" units="1/dev"/>
+          <inkml:channelProperty channel="OA" name="resolution" value="1000" units="1/deg"/>
+          <inkml:channelProperty channel="OE" name="resolution" value="1000" units="1/deg"/>
+        </inkml:channelProperties>
+      </inkml:inkSource>
+      <inkml:timestamp xml:id="ts0" timeString="2021-05-19T16:01:06.816"/>
+    </inkml:context>
+    <inkml:brush xml:id="br0">
+      <inkml:brushProperty name="width" value="0.05" units="cm"/>
+      <inkml:brushProperty name="height" value="0.05" units="cm"/>
+      <inkml:brushProperty name="color" value="#FF0066"/>
+    </inkml:brush>
+  </inkml:definitions>
+  <inkml:trace contextRef="#ctx0" brushRef="#br0">3 105 6912 0 0,'-3'-2'10747'0'0,"6"17"-9683"0"0,30 85-372 0 0,-32-95 1691 0 0,5-17-1213 0 0,-1 3-953 0 0,43-91 468 0 0,-19 53-2571 0 0,-20 35-1784 0 0,18-18 0 0 0,-13 17-2654 0 0</inkml:trace>
+</inkml:ink>
+</file>
+
+<file path=ppt/ink/ink33.xml><?xml version="1.0" encoding="utf-8"?>
+<inkml:ink xmlns:inkml="http://www.w3.org/2003/InkML">
+  <inkml:definitions>
+    <inkml:context xml:id="ctx0">
+      <inkml:inkSource xml:id="inkSrc0">
+        <inkml:traceFormat>
+          <inkml:channel name="X" type="integer" min="-2.14748E9" max="2.14748E9" units="cm"/>
+          <inkml:channel name="Y" type="integer" min="-2.14748E9" max="2.14748E9" units="cm"/>
+          <inkml:channel name="F" type="integer" max="32767" units="dev"/>
+          <inkml:channel name="OA" type="integer" max="360" units="deg"/>
+          <inkml:channel name="OE" type="integer" max="90" units="deg"/>
+        </inkml:traceFormat>
+        <inkml:channelProperties>
+          <inkml:channelProperty channel="X" name="resolution" value="1000" units="1/cm"/>
+          <inkml:channelProperty channel="Y" name="resolution" value="1000" units="1/cm"/>
+          <inkml:channelProperty channel="F" name="resolution" value="0" units="1/dev"/>
+          <inkml:channelProperty channel="OA" name="resolution" value="1000" units="1/deg"/>
+          <inkml:channelProperty channel="OE" name="resolution" value="1000" units="1/deg"/>
+        </inkml:channelProperties>
+      </inkml:inkSource>
+      <inkml:timestamp xml:id="ts0" timeString="2021-05-19T16:01:07.196"/>
+    </inkml:context>
+    <inkml:brush xml:id="br0">
+      <inkml:brushProperty name="width" value="0.05" units="cm"/>
+      <inkml:brushProperty name="height" value="0.05" units="cm"/>
+      <inkml:brushProperty name="color" value="#FF0066"/>
+    </inkml:brush>
+  </inkml:definitions>
+  <inkml:trace contextRef="#ctx0" brushRef="#br0">59 193 11976 0 0,'0'12'528'0'0,"-3"-3"112"0"0,3 0-512 0 0,-3 2-128 0 0,3-1 0 0 0,0-1 0 0 0,-3 2 1256 0 0,3-2 224 0 0,0 2 47 0 0,0-4 9 0 0,-2 0-1232 0 0,-1 1-240 0 0,3-3-64 0 0</inkml:trace>
+  <inkml:trace contextRef="#ctx0" brushRef="#br0" timeOffset="1">40 31 19351 0 0,'-12'-6'936'0'0,"6"4"-400"0"0,1-1 8 0 0,-4 1-440 0 0,3 0-104 0 0,4-3 2160 0 0,4 2-2912 0 0,10 1-264 0 0,7-4-48 0 0</inkml:trace>
+</inkml:ink>
+</file>
+
+<file path=ppt/ink/ink34.xml><?xml version="1.0" encoding="utf-8"?>
+<inkml:ink xmlns:inkml="http://www.w3.org/2003/InkML">
+  <inkml:definitions>
+    <inkml:context xml:id="ctx0">
+      <inkml:inkSource xml:id="inkSrc0">
+        <inkml:traceFormat>
+          <inkml:channel name="X" type="integer" min="-2.14748E9" max="2.14748E9" units="cm"/>
+          <inkml:channel name="Y" type="integer" min="-2.14748E9" max="2.14748E9" units="cm"/>
+          <inkml:channel name="F" type="integer" max="32767" units="dev"/>
+          <inkml:channel name="OA" type="integer" max="360" units="deg"/>
+          <inkml:channel name="OE" type="integer" max="90" units="deg"/>
+        </inkml:traceFormat>
+        <inkml:channelProperties>
+          <inkml:channelProperty channel="X" name="resolution" value="1000" units="1/cm"/>
+          <inkml:channelProperty channel="Y" name="resolution" value="1000" units="1/cm"/>
+          <inkml:channelProperty channel="F" name="resolution" value="0" units="1/dev"/>
+          <inkml:channelProperty channel="OA" name="resolution" value="1000" units="1/deg"/>
+          <inkml:channelProperty channel="OE" name="resolution" value="1000" units="1/deg"/>
+        </inkml:channelProperties>
+      </inkml:inkSource>
+      <inkml:timestamp xml:id="ts0" timeString="2021-05-19T16:01:07.557"/>
+    </inkml:context>
+    <inkml:brush xml:id="br0">
+      <inkml:brushProperty name="width" value="0.05" units="cm"/>
+      <inkml:brushProperty name="height" value="0.05" units="cm"/>
+      <inkml:brushProperty name="color" value="#FF0066"/>
+    </inkml:brush>
+  </inkml:definitions>
+  <inkml:trace contextRef="#ctx0" brushRef="#br0">106 1 20671 0 0,'0'0'472'0'0,"-16"0"1328"0"0,13 2-1745 0 0,0-1 0 0 0,0 0 0 0 0,0 1 0 0 0,0 0 0 0 0,1 0 0 0 0,-1 0 0 0 0,0 0 0 0 0,1 0-1 0 0,0 0 1 0 0,0 0 0 0 0,-1 1 0 0 0,2-1 0 0 0,-1 1 0 0 0,0 0 0 0 0,0 0 0 0 0,-1 4 0 0 0,-1 1 150 0 0,0 1 1 0 0,1-1 0 0 0,0 1 0 0 0,-3 14 0 0 0,6-19-185 0 0,-1 0 0 0 0,1 0 0 0 0,-1 0 1 0 0,1 0-1 0 0,0 0 0 0 0,1 0 0 0 0,-1 0 0 0 0,1 0 1 0 0,0 0-1 0 0,0 0 0 0 0,0-1 0 0 0,0 1 0 0 0,0 0 1 0 0,1-1-1 0 0,0 1 0 0 0,0-1 0 0 0,0 1 0 0 0,0-1 1 0 0,0 0-1 0 0,1 0 0 0 0,3 4 0 0 0,5 3-27 0 0,1-1 0 0 0,-1 0 1 0 0,2-1-1 0 0,19 10 0 0 0,-16-9 98 0 0,25 18 0 0 0,-39-25-75 0 0,0 0-1 0 0,0 0 0 0 0,-1 0 1 0 0,1 0-1 0 0,0 0 1 0 0,-1 0-1 0 0,1 1 0 0 0,-1-1 1 0 0,0 1-1 0 0,0-1 0 0 0,0 1 1 0 0,0-1-1 0 0,0 1 1 0 0,-1-1-1 0 0,1 1 0 0 0,-1 0 1 0 0,1-1-1 0 0,-1 1 0 0 0,0 0 1 0 0,0 0-1 0 0,-1-1 1 0 0,1 1-1 0 0,0 0 0 0 0,-1-1 1 0 0,0 1-1 0 0,-1 4 1 0 0,-3 6 195 0 0,0 0 0 0 0,-1 0 0 0 0,-15 23 0 0 0,14-24-224 0 0,-4 6-23 0 0,-1-1-1 0 0,0 0 1 0 0,-1 0 0 0 0,-1-2 0 0 0,-24 22 0 0 0,23-24-2090 0 0,-24 15 0 0 0,30-21-3543 0 0</inkml:trace>
+</inkml:ink>
+</file>
+
+<file path=ppt/ink/ink35.xml><?xml version="1.0" encoding="utf-8"?>
+<inkml:ink xmlns:inkml="http://www.w3.org/2003/InkML">
+  <inkml:definitions>
+    <inkml:context xml:id="ctx0">
+      <inkml:inkSource xml:id="inkSrc0">
+        <inkml:traceFormat>
+          <inkml:channel name="X" type="integer" min="-2.14748E9" max="2.14748E9" units="cm"/>
+          <inkml:channel name="Y" type="integer" min="-2.14748E9" max="2.14748E9" units="cm"/>
+          <inkml:channel name="F" type="integer" max="32767" units="dev"/>
+          <inkml:channel name="OA" type="integer" max="360" units="deg"/>
+          <inkml:channel name="OE" type="integer" max="90" units="deg"/>
+        </inkml:traceFormat>
+        <inkml:channelProperties>
+          <inkml:channelProperty channel="X" name="resolution" value="1000" units="1/cm"/>
+          <inkml:channelProperty channel="Y" name="resolution" value="1000" units="1/cm"/>
+          <inkml:channelProperty channel="F" name="resolution" value="0" units="1/dev"/>
+          <inkml:channelProperty channel="OA" name="resolution" value="1000" units="1/deg"/>
+          <inkml:channelProperty channel="OE" name="resolution" value="1000" units="1/deg"/>
+        </inkml:channelProperties>
+      </inkml:inkSource>
+      <inkml:timestamp xml:id="ts0" timeString="2021-05-19T16:01:07.947"/>
+    </inkml:context>
+    <inkml:brush xml:id="br0">
+      <inkml:brushProperty name="width" value="0.05" units="cm"/>
+      <inkml:brushProperty name="height" value="0.05" units="cm"/>
+      <inkml:brushProperty name="color" value="#FF0066"/>
+    </inkml:brush>
+  </inkml:definitions>
+  <inkml:trace contextRef="#ctx0" brushRef="#br0">84 1 11056 0 0,'-7'7'671'0'0,"-1"0"-1"0"0,2 1 1 0 0,-1 0 0 0 0,2 1 0 0 0,-1 0 0 0 0,1-1 0 0 0,0 2 0 0 0,0-1 0 0 0,-3 13 0 0 0,3-8-316 0 0,1-1 0 0 0,0 1 0 0 0,1 0 0 0 0,-1 23 0 0 0,3-33-287 0 0,1 0 0 0 0,0 0 0 0 0,0 0 0 0 0,0 0 0 0 0,0 0 1 0 0,1 0-1 0 0,0-1 0 0 0,0 1 0 0 0,0 0 0 0 0,0 0 0 0 0,0 0 0 0 0,1-1 0 0 0,0 1 0 0 0,-1-1 0 0 0,1 1 0 0 0,1-1 1 0 0,-1 0-1 0 0,0 1 0 0 0,1-1 0 0 0,0 0 0 0 0,3 2 0 0 0,-3-3-49 0 0,-1-1 0 0 0,1 1 0 0 0,0-1-1 0 0,0 0 1 0 0,0 0 0 0 0,-1 0 0 0 0,1-1 0 0 0,0 1 0 0 0,0-1-1 0 0,0 0 1 0 0,0 1 0 0 0,0-1 0 0 0,0-1 0 0 0,0 1 0 0 0,0 0 0 0 0,0-1-1 0 0,0 1 1 0 0,0-1 0 0 0,0 0 0 0 0,0 0 0 0 0,4-2 0 0 0,0-1 58 0 0,0 1 1 0 0,0-1-1 0 0,0 0 1 0 0,-1-1-1 0 0,1 0 1 0 0,-1 0-1 0 0,6-7 1 0 0,11-15 493 0 0,-1-2 0 0 0,26-44 0 0 0,-14 20 1628 0 0,-34 53-2151 0 0,0 0 0 0 0,0-1 1 0 0,0 1-1 0 0,1 0 0 0 0,-1 0 1 0 0,0 0-1 0 0,0-1 0 0 0,0 1 1 0 0,0 0-1 0 0,0 0 0 0 0,0 0 1 0 0,1 0-1 0 0,-1 0 0 0 0,0-1 1 0 0,0 1-1 0 0,0 0 0 0 0,0 0 1 0 0,1 0-1 0 0,-1 0 1 0 0,0 0-1 0 0,0 0 0 0 0,0 0 1 0 0,1 0-1 0 0,-1 0 0 0 0,0 0 1 0 0,0 0-1 0 0,0 0 0 0 0,1-1 1 0 0,-1 1-1 0 0,0 1 0 0 0,0-1 1 0 0,0 0-1 0 0,1 0 0 0 0,-1 0 1 0 0,0 0-1 0 0,5 7 369 0 0,0 14-300 0 0,-4 35 115 0 0,-2-45-342 0 0,1 1 0 0 0,1 0-1 0 0,-1 0 1 0 0,2-1 0 0 0,0 1-1 0 0,5 19 1 0 0,-6-28-204 0 0,0-1 0 0 0,0 0 1 0 0,0 1-1 0 0,0-1 0 0 0,0 0 0 0 0,1 0 0 0 0,-1 0 0 0 0,1 0 0 0 0,-1 0 1 0 0,1 0-1 0 0,0 0 0 0 0,0-1 0 0 0,0 1 0 0 0,3 2 0 0 0,3-2-2050 0 0</inkml:trace>
+</inkml:ink>
+</file>
+
+<file path=ppt/ink/ink36.xml><?xml version="1.0" encoding="utf-8"?>
+<inkml:ink xmlns:inkml="http://www.w3.org/2003/InkML">
+  <inkml:definitions>
+    <inkml:context xml:id="ctx0">
+      <inkml:inkSource xml:id="inkSrc0">
+        <inkml:traceFormat>
+          <inkml:channel name="X" type="integer" min="-2.14748E9" max="2.14748E9" units="cm"/>
+          <inkml:channel name="Y" type="integer" min="-2.14748E9" max="2.14748E9" units="cm"/>
+          <inkml:channel name="F" type="integer" max="32767" units="dev"/>
+          <inkml:channel name="OA" type="integer" max="360" units="deg"/>
+          <inkml:channel name="OE" type="integer" max="90" units="deg"/>
+        </inkml:traceFormat>
+        <inkml:channelProperties>
+          <inkml:channelProperty channel="X" name="resolution" value="1000" units="1/cm"/>
+          <inkml:channelProperty channel="Y" name="resolution" value="1000" units="1/cm"/>
+          <inkml:channelProperty channel="F" name="resolution" value="0" units="1/dev"/>
+          <inkml:channelProperty channel="OA" name="resolution" value="1000" units="1/deg"/>
+          <inkml:channelProperty channel="OE" name="resolution" value="1000" units="1/deg"/>
+        </inkml:channelProperties>
+      </inkml:inkSource>
+      <inkml:timestamp xml:id="ts0" timeString="2021-05-19T16:01:08.326"/>
+    </inkml:context>
+    <inkml:brush xml:id="br0">
+      <inkml:brushProperty name="width" value="0.05" units="cm"/>
+      <inkml:brushProperty name="height" value="0.05" units="cm"/>
+      <inkml:brushProperty name="color" value="#FF0066"/>
+    </inkml:brush>
+  </inkml:definitions>
+  <inkml:trace contextRef="#ctx0" brushRef="#br0">1 280 4144 0 0,'0'0'191'0'0,"0"-13"3556"0"0,4-11 6323 0 0,-1 0-5711 0 0,8-43-1877 0 0,-2 14-1115 0 0,6-23-17 0 0,-9 53-1085 0 0,2 43-305 0 0,3 19-86 0 0,3 12 76 0 0,-10-42 54 0 0,-2-2-5 0 0,1 0-1 0 0,0 0 1 0 0,0 0-1 0 0,0-1 1 0 0,8 11-1 0 0,-10-16 4 0 0,0 0-1 0 0,0 0 1 0 0,0 0-1 0 0,0 0 1 0 0,0 0-1 0 0,0 0 1 0 0,0 0 0 0 0,1-1-1 0 0,-1 1 1 0 0,0 0-1 0 0,0-1 1 0 0,1 1 0 0 0,-1-1-1 0 0,1 1 1 0 0,-1-1-1 0 0,0 0 1 0 0,1 1-1 0 0,-1-1 1 0 0,1 0 0 0 0,-1 0-1 0 0,0 0 1 0 0,1 0-1 0 0,-1 0 1 0 0,1-1 0 0 0,-1 1-1 0 0,1 0 1 0 0,-1-1-1 0 0,0 1 1 0 0,1-1-1 0 0,-1 1 1 0 0,0-1 0 0 0,1 1-1 0 0,-1-1 1 0 0,0 0-1 0 0,0 0 1 0 0,1-1-1 0 0,5-3 20 0 0,-1 0 0 0 0,0 0 0 0 0,0-1-1 0 0,-1 0 1 0 0,0 0 0 0 0,8-12-1 0 0,23-45-659 0 0,-33 58 484 0 0,5-13-1402 0 0,-1 1-4768 0 0,-2 2-1972 0 0</inkml:trace>
+</inkml:ink>
+</file>
+
+<file path=ppt/ink/ink37.xml><?xml version="1.0" encoding="utf-8"?>
+<inkml:ink xmlns:inkml="http://www.w3.org/2003/InkML">
+  <inkml:definitions>
+    <inkml:context xml:id="ctx0">
+      <inkml:inkSource xml:id="inkSrc0">
+        <inkml:traceFormat>
+          <inkml:channel name="X" type="integer" min="-2.14748E9" max="2.14748E9" units="cm"/>
+          <inkml:channel name="Y" type="integer" min="-2.14748E9" max="2.14748E9" units="cm"/>
+          <inkml:channel name="F" type="integer" max="32767" units="dev"/>
+          <inkml:channel name="OA" type="integer" max="360" units="deg"/>
+          <inkml:channel name="OE" type="integer" max="90" units="deg"/>
+        </inkml:traceFormat>
+        <inkml:channelProperties>
+          <inkml:channelProperty channel="X" name="resolution" value="1000" units="1/cm"/>
+          <inkml:channelProperty channel="Y" name="resolution" value="1000" units="1/cm"/>
+          <inkml:channelProperty channel="F" name="resolution" value="0" units="1/dev"/>
+          <inkml:channelProperty channel="OA" name="resolution" value="1000" units="1/deg"/>
+          <inkml:channelProperty channel="OE" name="resolution" value="1000" units="1/deg"/>
+        </inkml:channelProperties>
+      </inkml:inkSource>
+      <inkml:timestamp xml:id="ts0" timeString="2021-05-19T16:01:19.971"/>
+    </inkml:context>
+    <inkml:brush xml:id="br0">
+      <inkml:brushProperty name="width" value="0.05" units="cm"/>
+      <inkml:brushProperty name="height" value="0.05" units="cm"/>
+      <inkml:brushProperty name="color" value="#FF0066"/>
+    </inkml:brush>
+  </inkml:definitions>
+  <inkml:trace contextRef="#ctx0" brushRef="#br0">0 49 8288 0 0,'0'0'7920'0'0,"7"-3"-6835"0"0,13-2-412 0 0,0 0 0 0 0,1 1-1 0 0,0 1 1 0 0,38 0 0 0 0,-37 2-379 0 0,135 2 1223 0 0,-55 2-551 0 0,64 3-884 0 0,60-1 1784 0 0,24-4-992 0 0,-89 2 84 0 0,-146-3-920 0 0,249 5 965 0 0,-92-10-400 0 0,-78 0-318 0 0,273-12 1507 0 0,-254 16-1193 0 0,-60 1-430 0 0,-11 2-135 0 0,-25-1 13 0 0,0-1 1 0 0,1 0-1 0 0,29-5 0 0 0,64-10 367 0 0,-89 13-196 0 0,26 1-133 0 0,-8 2-3857 0 0,-34 0 326 0 0</inkml:trace>
+</inkml:ink>
+</file>
+
+<file path=ppt/ink/ink4.xml><?xml version="1.0" encoding="utf-8"?>
+<inkml:ink xmlns:inkml="http://www.w3.org/2003/InkML">
+  <inkml:definitions>
+    <inkml:context xml:id="ctx0">
+      <inkml:inkSource xml:id="inkSrc0">
+        <inkml:traceFormat>
+          <inkml:channel name="X" type="integer" min="-2.14748E9" max="2.14748E9" units="cm"/>
+          <inkml:channel name="Y" type="integer" min="-2.14748E9" max="2.14748E9" units="cm"/>
+          <inkml:channel name="F" type="integer" max="32767" units="dev"/>
+          <inkml:channel name="OA" type="integer" max="360" units="deg"/>
+          <inkml:channel name="OE" type="integer" max="90" units="deg"/>
+        </inkml:traceFormat>
+        <inkml:channelProperties>
+          <inkml:channelProperty channel="X" name="resolution" value="1000" units="1/cm"/>
+          <inkml:channelProperty channel="Y" name="resolution" value="1000" units="1/cm"/>
+          <inkml:channelProperty channel="F" name="resolution" value="0" units="1/dev"/>
+          <inkml:channelProperty channel="OA" name="resolution" value="1000" units="1/deg"/>
+          <inkml:channelProperty channel="OE" name="resolution" value="1000" units="1/deg"/>
+        </inkml:channelProperties>
+      </inkml:inkSource>
+      <inkml:timestamp xml:id="ts0" timeString="2021-05-19T16:00:43.470"/>
+    </inkml:context>
+    <inkml:brush xml:id="br0">
+      <inkml:brushProperty name="width" value="0.05" units="cm"/>
+      <inkml:brushProperty name="height" value="0.05" units="cm"/>
+      <inkml:brushProperty name="color" value="#FF0066"/>
+    </inkml:brush>
+  </inkml:definitions>
+  <inkml:trace contextRef="#ctx0" brushRef="#br0">7 56 3224 0 0,'2'-17'553'0'0,"-2"-21"8496"0"0,-1 83-2557 0 0,-6 93-5256 0 0,8-63-628 0 0,1-27-360 0 0,-5 261-211 0 0,3-301-12 0 0,0-1 0 0 0,1 0 0 0 0,0 0 0 0 0,0 1 0 0 0,1-1 0 0 0,4 11 0 0 0,-6-16 48 0 0,5-5-1739 0 0,-1-2-308 0 0</inkml:trace>
+</inkml:ink>
+</file>
+
+<file path=ppt/ink/ink5.xml><?xml version="1.0" encoding="utf-8"?>
+<inkml:ink xmlns:inkml="http://www.w3.org/2003/InkML">
+  <inkml:definitions>
+    <inkml:context xml:id="ctx0">
+      <inkml:inkSource xml:id="inkSrc0">
+        <inkml:traceFormat>
+          <inkml:channel name="X" type="integer" min="-2.14748E9" max="2.14748E9" units="cm"/>
+          <inkml:channel name="Y" type="integer" min="-2.14748E9" max="2.14748E9" units="cm"/>
+          <inkml:channel name="F" type="integer" max="32767" units="dev"/>
+          <inkml:channel name="OA" type="integer" max="360" units="deg"/>
+          <inkml:channel name="OE" type="integer" max="90" units="deg"/>
+        </inkml:traceFormat>
+        <inkml:channelProperties>
+          <inkml:channelProperty channel="X" name="resolution" value="1000" units="1/cm"/>
+          <inkml:channelProperty channel="Y" name="resolution" value="1000" units="1/cm"/>
+          <inkml:channelProperty channel="F" name="resolution" value="0" units="1/dev"/>
+          <inkml:channelProperty channel="OA" name="resolution" value="1000" units="1/deg"/>
+          <inkml:channelProperty channel="OE" name="resolution" value="1000" units="1/deg"/>
+        </inkml:channelProperties>
+      </inkml:inkSource>
+      <inkml:timestamp xml:id="ts0" timeString="2021-05-19T16:00:43.861"/>
+    </inkml:context>
+    <inkml:brush xml:id="br0">
+      <inkml:brushProperty name="width" value="0.05" units="cm"/>
+      <inkml:brushProperty name="height" value="0.05" units="cm"/>
+      <inkml:brushProperty name="color" value="#FF0066"/>
+    </inkml:brush>
+  </inkml:definitions>
+  <inkml:trace contextRef="#ctx0" brushRef="#br0">0 102 4144 0 0,'0'0'14837'0'0,"7"-3"-13668"0"0,10-3-132 0 0,35-8 0 0 0,-33 9-677 0 0,27-9-1 0 0,2-5-67 0 0,64-17 0 0 0,-105 35-763 0 0,0-1 0 0 0,0 1 0 0 0,0 1-1 0 0,0-1 1 0 0,9 1 0 0 0,-14 0 338 0 0,0 0 0 0 0,-1 0 0 0 0,1 1 0 0 0,-1-1 0 0 0,1 0 0 0 0,-1 1 0 0 0,1-1 1 0 0,-1 0-1 0 0,1 1 0 0 0,-1 0 0 0 0,1-1 0 0 0,-1 1 0 0 0,0 0 0 0 0,1 0 0 0 0,-1 0 0 0 0,0 0 0 0 0,0 0 0 0 0,0 0 0 0 0,0 0 0 0 0,0 0 0 0 0,0 1 0 0 0,0-1 0 0 0,0 0 1 0 0,0 1-1 0 0,0-1 0 0 0,-1 0 0 0 0,1 1 0 0 0,0 2 0 0 0,0 9-1928 0 0</inkml:trace>
+</inkml:ink>
+</file>
+
+<file path=ppt/ink/ink6.xml><?xml version="1.0" encoding="utf-8"?>
+<inkml:ink xmlns:inkml="http://www.w3.org/2003/InkML">
+  <inkml:definitions>
+    <inkml:context xml:id="ctx0">
+      <inkml:inkSource xml:id="inkSrc0">
+        <inkml:traceFormat>
+          <inkml:channel name="X" type="integer" min="-2.14748E9" max="2.14748E9" units="cm"/>
+          <inkml:channel name="Y" type="integer" min="-2.14748E9" max="2.14748E9" units="cm"/>
+          <inkml:channel name="F" type="integer" max="32767" units="dev"/>
+          <inkml:channel name="OA" type="integer" max="360" units="deg"/>
+          <inkml:channel name="OE" type="integer" max="90" units="deg"/>
+        </inkml:traceFormat>
+        <inkml:channelProperties>
+          <inkml:channelProperty channel="X" name="resolution" value="1000" units="1/cm"/>
+          <inkml:channelProperty channel="Y" name="resolution" value="1000" units="1/cm"/>
+          <inkml:channelProperty channel="F" name="resolution" value="0" units="1/dev"/>
+          <inkml:channelProperty channel="OA" name="resolution" value="1000" units="1/deg"/>
+          <inkml:channelProperty channel="OE" name="resolution" value="1000" units="1/deg"/>
+        </inkml:channelProperties>
+      </inkml:inkSource>
+      <inkml:timestamp xml:id="ts0" timeString="2021-05-19T16:00:44.204"/>
+    </inkml:context>
+    <inkml:brush xml:id="br0">
+      <inkml:brushProperty name="width" value="0.05" units="cm"/>
+      <inkml:brushProperty name="height" value="0.05" units="cm"/>
+      <inkml:brushProperty name="color" value="#FF0066"/>
+    </inkml:brush>
+  </inkml:definitions>
+  <inkml:trace contextRef="#ctx0" brushRef="#br0">1 51 5984 0 0,'0'0'464'0'0,"9"9"4300"0"0,-8-8-4349 0 0,1-1 1 0 0,0 1-1 0 0,0-1 1 0 0,0 1-1 0 0,0-1 1 0 0,0 0 0 0 0,0 0-1 0 0,0 1 1 0 0,0-1-1 0 0,0-1 1 0 0,0 1-1 0 0,0 0 1 0 0,0 0-1 0 0,0-1 1 0 0,3 0 0 0 0,32-14 371 0 0,-29 11-153 0 0,5-2-140 0 0,7-3 357 0 0,37-12-1 0 0,-51 20-883 0 0,0-1 0 0 0,0 1 0 0 0,0 0 0 0 0,0 1 0 0 0,0-1 0 0 0,1 1 0 0 0,-1 0 0 0 0,0 1 0 0 0,0-1 0 0 0,0 1 0 0 0,8 2 0 0 0,-4 3-1386 0 0,0 0-452 0 0</inkml:trace>
+  <inkml:trace contextRef="#ctx0" brushRef="#br0" timeOffset="1">54 283 10136 0 0,'0'0'7066'0'0,"6"3"-4087"0"0,2-1-2462 0 0,0-1-1 0 0,1 0 1 0 0,-1 0 0 0 0,0-1 0 0 0,0 0-1 0 0,11-2 1 0 0,9 1 11 0 0,-21 1-629 0 0,105-2 467 0 0,-74-1-2873 0 0,-2-3-3347 0 0,-16 2-1144 0 0</inkml:trace>
+</inkml:ink>
+</file>
+
+<file path=ppt/ink/ink7.xml><?xml version="1.0" encoding="utf-8"?>
+<inkml:ink xmlns:inkml="http://www.w3.org/2003/InkML">
+  <inkml:definitions>
+    <inkml:context xml:id="ctx0">
+      <inkml:inkSource xml:id="inkSrc0">
+        <inkml:traceFormat>
+          <inkml:channel name="X" type="integer" min="-2.14748E9" max="2.14748E9" units="cm"/>
+          <inkml:channel name="Y" type="integer" min="-2.14748E9" max="2.14748E9" units="cm"/>
+          <inkml:channel name="F" type="integer" max="32767" units="dev"/>
+          <inkml:channel name="OA" type="integer" max="360" units="deg"/>
+          <inkml:channel name="OE" type="integer" max="90" units="deg"/>
+        </inkml:traceFormat>
+        <inkml:channelProperties>
+          <inkml:channelProperty channel="X" name="resolution" value="1000" units="1/cm"/>
+          <inkml:channelProperty channel="Y" name="resolution" value="1000" units="1/cm"/>
+          <inkml:channelProperty channel="F" name="resolution" value="0" units="1/dev"/>
+          <inkml:channelProperty channel="OA" name="resolution" value="1000" units="1/deg"/>
+          <inkml:channelProperty channel="OE" name="resolution" value="1000" units="1/deg"/>
+        </inkml:channelProperties>
+      </inkml:inkSource>
+      <inkml:timestamp xml:id="ts0" timeString="2021-05-19T16:00:44.593"/>
+    </inkml:context>
+    <inkml:brush xml:id="br0">
+      <inkml:brushProperty name="width" value="0.05" units="cm"/>
+      <inkml:brushProperty name="height" value="0.05" units="cm"/>
+      <inkml:brushProperty name="color" value="#FF0066"/>
+    </inkml:brush>
+  </inkml:definitions>
+  <inkml:trace contextRef="#ctx0" brushRef="#br0">1 1 19351 0 0,'0'0'1943'0'0,"5"7"-1696"0"0,12 10 700 0 0,0 0 0 0 0,-2 1 1 0 0,22 33-1 0 0,10 12-182 0 0,31 22-589 0 0,-73-80-142 0 0,0-1 0 0 0,1 1 1 0 0,-1-1-1 0 0,1-1 0 0 0,-1 1 0 0 0,1-1 0 0 0,9 4 0 0 0,16 5-1061 0 0,0-3-4268 0 0,-22-6 2614 0 0,5 0-4876 0 0</inkml:trace>
+  <inkml:trace contextRef="#ctx0" brushRef="#br0" timeOffset="1">378 13 6448 0 0,'-5'1'232'0'0,"0"1"0"0"0,0-1 0 0 0,0 1 1 0 0,0 0-1 0 0,0 0 0 0 0,0 0 0 0 0,1 1 0 0 0,-1-1 1 0 0,-5 5-1 0 0,4-2 1276 0 0,0 1 1 0 0,1 0-1 0 0,-1 0 1 0 0,1 0-1 0 0,-6 9 1 0 0,-31 52 3684 0 0,-16 35-4945 0 0,29-49-23 0 0,13-25-77 0 0,1-3-1506 0 0,6-8-3878 0 0,1-4-2069 0 0</inkml:trace>
+</inkml:ink>
+</file>
+
+<file path=ppt/ink/ink8.xml><?xml version="1.0" encoding="utf-8"?>
+<inkml:ink xmlns:inkml="http://www.w3.org/2003/InkML">
+  <inkml:definitions>
+    <inkml:context xml:id="ctx0">
+      <inkml:inkSource xml:id="inkSrc0">
+        <inkml:traceFormat>
+          <inkml:channel name="X" type="integer" min="-2.14748E9" max="2.14748E9" units="cm"/>
+          <inkml:channel name="Y" type="integer" min="-2.14748E9" max="2.14748E9" units="cm"/>
+          <inkml:channel name="F" type="integer" max="32767" units="dev"/>
+          <inkml:channel name="OA" type="integer" max="360" units="deg"/>
+          <inkml:channel name="OE" type="integer" max="90" units="deg"/>
+        </inkml:traceFormat>
+        <inkml:channelProperties>
+          <inkml:channelProperty channel="X" name="resolution" value="1000" units="1/cm"/>
+          <inkml:channelProperty channel="Y" name="resolution" value="1000" units="1/cm"/>
+          <inkml:channelProperty channel="F" name="resolution" value="0" units="1/dev"/>
+          <inkml:channelProperty channel="OA" name="resolution" value="1000" units="1/deg"/>
+          <inkml:channelProperty channel="OE" name="resolution" value="1000" units="1/deg"/>
+        </inkml:channelProperties>
+      </inkml:inkSource>
+      <inkml:timestamp xml:id="ts0" timeString="2021-05-19T16:00:45.376"/>
+    </inkml:context>
+    <inkml:brush xml:id="br0">
+      <inkml:brushProperty name="width" value="0.05" units="cm"/>
+      <inkml:brushProperty name="height" value="0.05" units="cm"/>
+      <inkml:brushProperty name="color" value="#FF0066"/>
+    </inkml:brush>
+  </inkml:definitions>
+  <inkml:trace contextRef="#ctx0" brushRef="#br0">189 36 2760 0 0,'0'0'4537'0'0,"-3"-18"467"0"0,3 17-4869 0 0,-1 0 1 0 0,1 0-1 0 0,0 0 1 0 0,-1 0-1 0 0,1 0 1 0 0,-1 1-1 0 0,1-1 0 0 0,-1 0 1 0 0,0 0-1 0 0,1 0 1 0 0,-1 0-1 0 0,0 1 1 0 0,1-1-1 0 0,-1 0 1 0 0,0 1-1 0 0,0-1 0 0 0,0 1 1 0 0,0-1-1 0 0,0 1 1 0 0,1-1-1 0 0,-1 1 1 0 0,0-1-1 0 0,0 1 1 0 0,0 0-1 0 0,0 0 0 0 0,0-1 1 0 0,0 1-1 0 0,0 0 1 0 0,0 0-1 0 0,-1 0 1 0 0,1 0-1 0 0,0 0 0 0 0,0 0 1 0 0,0 1-1 0 0,-1-1 1 0 0,-3 1-98 0 0,0 0 0 0 0,0 1 0 0 0,0-1 0 0 0,0 1 1 0 0,0 0-1 0 0,1 1 0 0 0,-1-1 0 0 0,1 1 0 0 0,-1 0 0 0 0,1 0 0 0 0,0 0 1 0 0,0 0-1 0 0,1 1 0 0 0,-1-1 0 0 0,1 1 0 0 0,-1 0 0 0 0,-4 8 0 0 0,-3 8-76 0 0,0 1-1 0 0,2 1 0 0 0,0 0 1 0 0,1 0-1 0 0,-9 43 0 0 0,14-52 108 0 0,1 0-1 0 0,0 0 1 0 0,1 0-1 0 0,0 0 1 0 0,2 21-1 0 0,0-33-37 0 0,-1 0 0 0 0,0 0 0 0 0,0 0 0 0 0,1 0 0 0 0,-1 0 0 0 0,0-1 0 0 0,1 1 0 0 0,-1 0 0 0 0,1 0 1 0 0,-1 0-1 0 0,1-1 0 0 0,-1 1 0 0 0,1 0 0 0 0,0-1 0 0 0,-1 1 0 0 0,1 0 0 0 0,0-1 0 0 0,-1 1 0 0 0,1-1 0 0 0,0 1 0 0 0,0-1 0 0 0,0 1 0 0 0,-1-1 0 0 0,1 0 0 0 0,0 0 0 0 0,0 1 0 0 0,0-1 0 0 0,0 0 0 0 0,0 0 0 0 0,0 0 0 0 0,0 0 0 0 0,0 0 0 0 0,1 0 0 0 0,0 0-3 0 0,0 0-1 0 0,0 0 0 0 0,0 0 1 0 0,0-1-1 0 0,0 1 0 0 0,0-1 0 0 0,0 1 1 0 0,-1-1-1 0 0,1 0 0 0 0,0 1 1 0 0,0-1-1 0 0,0 0 0 0 0,3-3 0 0 0,4-6 140 0 0,1 0-1 0 0,-1 0 1 0 0,-1-1 0 0 0,0 0-1 0 0,0-1 1 0 0,-1 0-1 0 0,-1 0 1 0 0,0 0-1 0 0,7-23 1 0 0,15-44 1195 0 0,-26 72-986 0 0,1 1 0 0 0,0 0-1 0 0,6-10 1 0 0,-9 16-104 0 0,3 7 181 0 0,2 7-390 0 0,0 0 0 0 0,-1 0 0 0 0,-1 0 0 0 0,0 1 0 0 0,-1-1 0 0 0,0 16 0 0 0,2 4 6 0 0,-3-24-307 0 0,1 6 437 0 0,0 1 1 0 0,8 23 0 0 0,-9-36-495 0 0,0 0-1 0 0,1-1 1 0 0,-1 1-1 0 0,1-1 1 0 0,0 1-1 0 0,0-1 1 0 0,0 0-1 0 0,0 1 1 0 0,1-1 0 0 0,-1 0-1 0 0,1-1 1 0 0,0 1-1 0 0,0 0 1 0 0,0-1-1 0 0,0 0 1 0 0,4 3-1 0 0,0-2-4953 0 0</inkml:trace>
+</inkml:ink>
+</file>
+
+<file path=ppt/ink/ink9.xml><?xml version="1.0" encoding="utf-8"?>
+<inkml:ink xmlns:inkml="http://www.w3.org/2003/InkML">
+  <inkml:definitions>
+    <inkml:context xml:id="ctx0">
+      <inkml:inkSource xml:id="inkSrc0">
+        <inkml:traceFormat>
+          <inkml:channel name="X" type="integer" min="-2.14748E9" max="2.14748E9" units="cm"/>
+          <inkml:channel name="Y" type="integer" min="-2.14748E9" max="2.14748E9" units="cm"/>
+          <inkml:channel name="F" type="integer" max="32767" units="dev"/>
+          <inkml:channel name="OA" type="integer" max="360" units="deg"/>
+          <inkml:channel name="OE" type="integer" max="90" units="deg"/>
+        </inkml:traceFormat>
+        <inkml:channelProperties>
+          <inkml:channelProperty channel="X" name="resolution" value="1000" units="1/cm"/>
+          <inkml:channelProperty channel="Y" name="resolution" value="1000" units="1/cm"/>
+          <inkml:channelProperty channel="F" name="resolution" value="0" units="1/dev"/>
+          <inkml:channelProperty channel="OA" name="resolution" value="1000" units="1/deg"/>
+          <inkml:channelProperty channel="OE" name="resolution" value="1000" units="1/deg"/>
+        </inkml:channelProperties>
+      </inkml:inkSource>
+      <inkml:timestamp xml:id="ts0" timeString="2021-05-19T16:00:45.847"/>
+    </inkml:context>
+    <inkml:brush xml:id="br0">
+      <inkml:brushProperty name="width" value="0.05" units="cm"/>
+      <inkml:brushProperty name="height" value="0.05" units="cm"/>
+      <inkml:brushProperty name="color" value="#FF0066"/>
+    </inkml:brush>
+  </inkml:definitions>
+  <inkml:trace contextRef="#ctx0" brushRef="#br0">0 331 3680 0 0,'2'-2'8360'0'0,"3"-9"-5743"0"0,5-11 97 0 0,-4 10-1860 0 0,-1 1 1 0 0,5-19-1 0 0,32-105 2185 0 0,-39 124-2818 0 0,1-1 0 0 0,1 1 1 0 0,0-1-1 0 0,0 1 0 0 0,1 1 1 0 0,1-1-1 0 0,11-14 0 0 0,-16 21-187 0 0,-1 5 13 0 0,0-1 0 0 0,0 1 0 0 0,0 0 0 0 0,-1 0 1 0 0,1 0-1 0 0,0-1 0 0 0,0 1 0 0 0,-1 0 1 0 0,1 0-1 0 0,-1 0 0 0 0,2 2 0 0 0,1 9-42 0 0,0-1 0 0 0,0 1 0 0 0,-1-1-1 0 0,-1 1 1 0 0,0 0 0 0 0,0 12 0 0 0,1 19-481 0 0,-1-37 484 0 0,4 18 428 0 0,-5-23-433 0 0,0-1 1 0 0,1 1 0 0 0,-1-1 0 0 0,0 1 0 0 0,1-1-1 0 0,-1 1 1 0 0,0-1 0 0 0,1 1 0 0 0,-1-1 0 0 0,1 1 0 0 0,-1-1-1 0 0,1 0 1 0 0,-1 1 0 0 0,1-1 0 0 0,-1 0 0 0 0,1 1-1 0 0,-1-1 1 0 0,1 0 0 0 0,-1 0 0 0 0,1 1 0 0 0,-1-1 0 0 0,1 0-1 0 0,0 0 1 0 0,-1 0 0 0 0,1 0 0 0 0,0 0 0 0 0,-1 0-1 0 0,1 0 1 0 0,-1 0 0 0 0,1 0 0 0 0,0 0 0 0 0,-1 0 0 0 0,1 0-1 0 0,-1 0 1 0 0,1-1 0 0 0,-1 1 0 0 0,1 0 0 0 0,0 0-1 0 0,-1-1 1 0 0,1 1 0 0 0,-1 0 0 0 0,1-1 0 0 0,-1 1 0 0 0,1-1-1 0 0,-1 1 1 0 0,0 0 0 0 0,1-1 0 0 0,0 0 11 0 0,5-4-22 0 0,0 0-1 0 0,0-1 0 0 0,0 1 0 0 0,-1-1 1 0 0,0 0-1 0 0,-1-1 0 0 0,1 1 1 0 0,-1-1-1 0 0,5-12 0 0 0,-5 11 121 0 0,0 1 0 0 0,1-1 0 0 0,-1 1-1 0 0,2 0 1 0 0,-1 0 0 0 0,1 0 0 0 0,11-10 0 0 0,-16 16-99 0 0,0 0 0 0 0,0 0 0 0 0,1 0 0 0 0,-1 1 0 0 0,0-1 0 0 0,0 0 1 0 0,1 1-1 0 0,-1-1 0 0 0,0 1 0 0 0,1-1 0 0 0,-1 1 0 0 0,1 0 0 0 0,-1-1 1 0 0,0 1-1 0 0,1 0 0 0 0,-1 0 0 0 0,1 0 0 0 0,-1 0 0 0 0,1 0 1 0 0,-1 0-1 0 0,2 1 0 0 0,-1 0 15 0 0,-1 0 0 0 0,1 0-1 0 0,0 0 1 0 0,-1 0 0 0 0,1 0 0 0 0,-1 0 0 0 0,0 0 0 0 0,1 0 0 0 0,-1 1-1 0 0,0-1 1 0 0,0 1 0 0 0,1-1 0 0 0,0 4 0 0 0,3 4 72 0 0,-1 0 1 0 0,0 1-1 0 0,-1-1 1 0 0,3 16-1 0 0,-6-24-101 0 0,22 128-550 0 0,-14-105-3045 0 0</inkml:trace>
+</inkml:ink>
 </file>
 
 <file path=ppt/notesMasters/notesMaster1.xml><?xml version="1.0" encoding="utf-8"?>
@@ -837,7 +1990,7 @@
           <a:p>
             <a:fld id="{3A2BF66F-FEB0-48C1-A8B9-A73F54BB1A08}" type="datetimeFigureOut">
               <a:rPr lang="en-US" smtClean="0"/>
-              <a:t>5/18/2021</a:t>
+              <a:t>5/19/2021</a:t>
             </a:fld>
             <a:endParaRPr lang="en-US" dirty="0"/>
           </a:p>
@@ -1045,7 +2198,7 @@
           <a:p>
             <a:fld id="{3A2BF66F-FEB0-48C1-A8B9-A73F54BB1A08}" type="datetimeFigureOut">
               <a:rPr lang="en-US" smtClean="0"/>
-              <a:t>5/18/2021</a:t>
+              <a:t>5/19/2021</a:t>
             </a:fld>
             <a:endParaRPr lang="en-US" dirty="0"/>
           </a:p>
@@ -1263,7 +2416,7 @@
           <a:p>
             <a:fld id="{3A2BF66F-FEB0-48C1-A8B9-A73F54BB1A08}" type="datetimeFigureOut">
               <a:rPr lang="en-US" smtClean="0"/>
-              <a:t>5/18/2021</a:t>
+              <a:t>5/19/2021</a:t>
             </a:fld>
             <a:endParaRPr lang="en-US" dirty="0"/>
           </a:p>
@@ -1471,7 +2624,7 @@
           <a:p>
             <a:fld id="{3A2BF66F-FEB0-48C1-A8B9-A73F54BB1A08}" type="datetimeFigureOut">
               <a:rPr lang="en-US" smtClean="0"/>
-              <a:t>5/18/2021</a:t>
+              <a:t>5/19/2021</a:t>
             </a:fld>
             <a:endParaRPr lang="en-US" dirty="0"/>
           </a:p>
@@ -1756,7 +2909,7 @@
           <a:p>
             <a:fld id="{3A2BF66F-FEB0-48C1-A8B9-A73F54BB1A08}" type="datetimeFigureOut">
               <a:rPr lang="en-US" smtClean="0"/>
-              <a:t>5/18/2021</a:t>
+              <a:t>5/19/2021</a:t>
             </a:fld>
             <a:endParaRPr lang="en-US" dirty="0"/>
           </a:p>
@@ -2031,7 +3184,7 @@
           <a:p>
             <a:fld id="{3A2BF66F-FEB0-48C1-A8B9-A73F54BB1A08}" type="datetimeFigureOut">
               <a:rPr lang="en-US" smtClean="0"/>
-              <a:t>5/18/2021</a:t>
+              <a:t>5/19/2021</a:t>
             </a:fld>
             <a:endParaRPr lang="en-US" dirty="0"/>
           </a:p>
@@ -2453,7 +3606,7 @@
           <a:p>
             <a:fld id="{3A2BF66F-FEB0-48C1-A8B9-A73F54BB1A08}" type="datetimeFigureOut">
               <a:rPr lang="en-US" smtClean="0"/>
-              <a:t>5/18/2021</a:t>
+              <a:t>5/19/2021</a:t>
             </a:fld>
             <a:endParaRPr lang="en-US" dirty="0"/>
           </a:p>
@@ -2604,7 +3757,7 @@
           <a:p>
             <a:fld id="{3A2BF66F-FEB0-48C1-A8B9-A73F54BB1A08}" type="datetimeFigureOut">
               <a:rPr lang="en-US" smtClean="0"/>
-              <a:t>5/18/2021</a:t>
+              <a:t>5/19/2021</a:t>
             </a:fld>
             <a:endParaRPr lang="en-US" dirty="0"/>
           </a:p>
@@ -2727,7 +3880,7 @@
           <a:p>
             <a:fld id="{3A2BF66F-FEB0-48C1-A8B9-A73F54BB1A08}" type="datetimeFigureOut">
               <a:rPr lang="en-US" smtClean="0"/>
-              <a:t>5/18/2021</a:t>
+              <a:t>5/19/2021</a:t>
             </a:fld>
             <a:endParaRPr lang="en-US" dirty="0"/>
           </a:p>
@@ -3047,7 +4200,7 @@
           <a:p>
             <a:fld id="{3A2BF66F-FEB0-48C1-A8B9-A73F54BB1A08}" type="datetimeFigureOut">
               <a:rPr lang="en-US" smtClean="0"/>
-              <a:t>5/18/2021</a:t>
+              <a:t>5/19/2021</a:t>
             </a:fld>
             <a:endParaRPr lang="en-US" dirty="0"/>
           </a:p>
@@ -3345,7 +4498,7 @@
           <a:p>
             <a:fld id="{3A2BF66F-FEB0-48C1-A8B9-A73F54BB1A08}" type="datetimeFigureOut">
               <a:rPr lang="en-US" smtClean="0"/>
-              <a:t>5/18/2021</a:t>
+              <a:t>5/19/2021</a:t>
             </a:fld>
             <a:endParaRPr lang="en-US" dirty="0"/>
           </a:p>
@@ -3596,7 +4749,7 @@
           <a:p>
             <a:fld id="{3A2BF66F-FEB0-48C1-A8B9-A73F54BB1A08}" type="datetimeFigureOut">
               <a:rPr lang="en-US" smtClean="0"/>
-              <a:t>5/18/2021</a:t>
+              <a:t>5/19/2021</a:t>
             </a:fld>
             <a:endParaRPr lang="en-US" dirty="0"/>
           </a:p>
@@ -4283,6 +5436,1935 @@
           </a:p>
         </p:txBody>
       </p:sp>
+      <mc:AlternateContent xmlns:mc="http://schemas.openxmlformats.org/markup-compatibility/2006">
+        <mc:Choice xmlns:p14="http://schemas.microsoft.com/office/powerpoint/2010/main" Requires="p14">
+          <p:contentPart p14:bwMode="auto" r:id="rId2">
+            <p14:nvContentPartPr>
+              <p14:cNvPr id="4" name="Ink 3">
+                <a:extLst>
+                  <a:ext uri="{FF2B5EF4-FFF2-40B4-BE49-F238E27FC236}">
+                    <a16:creationId xmlns:a16="http://schemas.microsoft.com/office/drawing/2014/main" id="{E4FB55EC-E2DC-464A-A679-D7DC410EAAD4}"/>
+                  </a:ext>
+                </a:extLst>
+              </p14:cNvPr>
+              <p14:cNvContentPartPr/>
+              <p14:nvPr/>
+            </p14:nvContentPartPr>
+            <p14:xfrm>
+              <a:off x="2233369" y="1761019"/>
+              <a:ext cx="625320" cy="38520"/>
+            </p14:xfrm>
+          </p:contentPart>
+        </mc:Choice>
+        <mc:Fallback>
+          <p:pic>
+            <p:nvPicPr>
+              <p:cNvPr id="4" name="Ink 3">
+                <a:extLst>
+                  <a:ext uri="{FF2B5EF4-FFF2-40B4-BE49-F238E27FC236}">
+                    <a16:creationId xmlns:a16="http://schemas.microsoft.com/office/drawing/2014/main" id="{E4FB55EC-E2DC-464A-A679-D7DC410EAAD4}"/>
+                  </a:ext>
+                </a:extLst>
+              </p:cNvPr>
+              <p:cNvPicPr/>
+              <p:nvPr/>
+            </p:nvPicPr>
+            <p:blipFill>
+              <a:blip r:embed="rId3"/>
+              <a:stretch>
+                <a:fillRect/>
+              </a:stretch>
+            </p:blipFill>
+            <p:spPr>
+              <a:xfrm>
+                <a:off x="2224369" y="1752019"/>
+                <a:ext cx="642960" cy="56160"/>
+              </a:xfrm>
+              <a:prstGeom prst="rect">
+                <a:avLst/>
+              </a:prstGeom>
+            </p:spPr>
+          </p:pic>
+        </mc:Fallback>
+      </mc:AlternateContent>
+      <mc:AlternateContent xmlns:mc="http://schemas.openxmlformats.org/markup-compatibility/2006">
+        <mc:Choice xmlns:p14="http://schemas.microsoft.com/office/powerpoint/2010/main" Requires="p14">
+          <p:contentPart p14:bwMode="auto" r:id="rId4">
+            <p14:nvContentPartPr>
+              <p14:cNvPr id="5" name="Ink 4">
+                <a:extLst>
+                  <a:ext uri="{FF2B5EF4-FFF2-40B4-BE49-F238E27FC236}">
+                    <a16:creationId xmlns:a16="http://schemas.microsoft.com/office/drawing/2014/main" id="{0443496E-8111-4CE5-871E-4BC95E3B6AFD}"/>
+                  </a:ext>
+                </a:extLst>
+              </p14:cNvPr>
+              <p14:cNvContentPartPr/>
+              <p14:nvPr/>
+            </p14:nvContentPartPr>
+            <p14:xfrm>
+              <a:off x="1839529" y="2168539"/>
+              <a:ext cx="823320" cy="51120"/>
+            </p14:xfrm>
+          </p:contentPart>
+        </mc:Choice>
+        <mc:Fallback>
+          <p:pic>
+            <p:nvPicPr>
+              <p:cNvPr id="5" name="Ink 4">
+                <a:extLst>
+                  <a:ext uri="{FF2B5EF4-FFF2-40B4-BE49-F238E27FC236}">
+                    <a16:creationId xmlns:a16="http://schemas.microsoft.com/office/drawing/2014/main" id="{0443496E-8111-4CE5-871E-4BC95E3B6AFD}"/>
+                  </a:ext>
+                </a:extLst>
+              </p:cNvPr>
+              <p:cNvPicPr/>
+              <p:nvPr/>
+            </p:nvPicPr>
+            <p:blipFill>
+              <a:blip r:embed="rId5"/>
+              <a:stretch>
+                <a:fillRect/>
+              </a:stretch>
+            </p:blipFill>
+            <p:spPr>
+              <a:xfrm>
+                <a:off x="1830889" y="2159539"/>
+                <a:ext cx="840960" cy="68760"/>
+              </a:xfrm>
+              <a:prstGeom prst="rect">
+                <a:avLst/>
+              </a:prstGeom>
+            </p:spPr>
+          </p:pic>
+        </mc:Fallback>
+      </mc:AlternateContent>
+      <mc:AlternateContent xmlns:mc="http://schemas.openxmlformats.org/markup-compatibility/2006">
+        <mc:Choice xmlns:p14="http://schemas.microsoft.com/office/powerpoint/2010/main" Requires="p14">
+          <p:contentPart p14:bwMode="auto" r:id="rId6">
+            <p14:nvContentPartPr>
+              <p14:cNvPr id="6" name="Ink 5">
+                <a:extLst>
+                  <a:ext uri="{FF2B5EF4-FFF2-40B4-BE49-F238E27FC236}">
+                    <a16:creationId xmlns:a16="http://schemas.microsoft.com/office/drawing/2014/main" id="{B61C241F-9B1D-47BF-908A-2D430ACEFD9E}"/>
+                  </a:ext>
+                </a:extLst>
+              </p14:cNvPr>
+              <p14:cNvContentPartPr/>
+              <p14:nvPr/>
+            </p14:nvContentPartPr>
+            <p14:xfrm>
+              <a:off x="2360449" y="2608459"/>
+              <a:ext cx="729000" cy="63360"/>
+            </p14:xfrm>
+          </p:contentPart>
+        </mc:Choice>
+        <mc:Fallback>
+          <p:pic>
+            <p:nvPicPr>
+              <p:cNvPr id="6" name="Ink 5">
+                <a:extLst>
+                  <a:ext uri="{FF2B5EF4-FFF2-40B4-BE49-F238E27FC236}">
+                    <a16:creationId xmlns:a16="http://schemas.microsoft.com/office/drawing/2014/main" id="{B61C241F-9B1D-47BF-908A-2D430ACEFD9E}"/>
+                  </a:ext>
+                </a:extLst>
+              </p:cNvPr>
+              <p:cNvPicPr/>
+              <p:nvPr/>
+            </p:nvPicPr>
+            <p:blipFill>
+              <a:blip r:embed="rId7"/>
+              <a:stretch>
+                <a:fillRect/>
+              </a:stretch>
+            </p:blipFill>
+            <p:spPr>
+              <a:xfrm>
+                <a:off x="2351449" y="2599459"/>
+                <a:ext cx="746640" cy="81000"/>
+              </a:xfrm>
+              <a:prstGeom prst="rect">
+                <a:avLst/>
+              </a:prstGeom>
+            </p:spPr>
+          </p:pic>
+        </mc:Fallback>
+      </mc:AlternateContent>
+      <mc:AlternateContent xmlns:mc="http://schemas.openxmlformats.org/markup-compatibility/2006">
+        <mc:Choice xmlns:p14="http://schemas.microsoft.com/office/powerpoint/2010/main" Requires="p14">
+          <p:contentPart p14:bwMode="auto" r:id="rId8">
+            <p14:nvContentPartPr>
+              <p14:cNvPr id="7" name="Ink 6">
+                <a:extLst>
+                  <a:ext uri="{FF2B5EF4-FFF2-40B4-BE49-F238E27FC236}">
+                    <a16:creationId xmlns:a16="http://schemas.microsoft.com/office/drawing/2014/main" id="{539616C6-7E95-49AC-A4B9-22932AC103C3}"/>
+                  </a:ext>
+                </a:extLst>
+              </p14:cNvPr>
+              <p14:cNvContentPartPr/>
+              <p14:nvPr/>
+            </p14:nvContentPartPr>
+            <p14:xfrm>
+              <a:off x="1232569" y="3082939"/>
+              <a:ext cx="7560" cy="244800"/>
+            </p14:xfrm>
+          </p:contentPart>
+        </mc:Choice>
+        <mc:Fallback>
+          <p:pic>
+            <p:nvPicPr>
+              <p:cNvPr id="7" name="Ink 6">
+                <a:extLst>
+                  <a:ext uri="{FF2B5EF4-FFF2-40B4-BE49-F238E27FC236}">
+                    <a16:creationId xmlns:a16="http://schemas.microsoft.com/office/drawing/2014/main" id="{539616C6-7E95-49AC-A4B9-22932AC103C3}"/>
+                  </a:ext>
+                </a:extLst>
+              </p:cNvPr>
+              <p:cNvPicPr/>
+              <p:nvPr/>
+            </p:nvPicPr>
+            <p:blipFill>
+              <a:blip r:embed="rId9"/>
+              <a:stretch>
+                <a:fillRect/>
+              </a:stretch>
+            </p:blipFill>
+            <p:spPr>
+              <a:xfrm>
+                <a:off x="1223929" y="3074299"/>
+                <a:ext cx="25200" cy="262440"/>
+              </a:xfrm>
+              <a:prstGeom prst="rect">
+                <a:avLst/>
+              </a:prstGeom>
+            </p:spPr>
+          </p:pic>
+        </mc:Fallback>
+      </mc:AlternateContent>
+      <mc:AlternateContent xmlns:mc="http://schemas.openxmlformats.org/markup-compatibility/2006">
+        <mc:Choice xmlns:p14="http://schemas.microsoft.com/office/powerpoint/2010/main" Requires="p14">
+          <p:contentPart p14:bwMode="auto" r:id="rId10">
+            <p14:nvContentPartPr>
+              <p14:cNvPr id="8" name="Ink 7">
+                <a:extLst>
+                  <a:ext uri="{FF2B5EF4-FFF2-40B4-BE49-F238E27FC236}">
+                    <a16:creationId xmlns:a16="http://schemas.microsoft.com/office/drawing/2014/main" id="{F6E724DD-1AA4-40C3-9091-77952AAC1D18}"/>
+                  </a:ext>
+                </a:extLst>
+              </p14:cNvPr>
+              <p14:cNvContentPartPr/>
+              <p14:nvPr/>
+            </p14:nvContentPartPr>
+            <p14:xfrm>
+              <a:off x="1225729" y="3084379"/>
+              <a:ext cx="140400" cy="37080"/>
+            </p14:xfrm>
+          </p:contentPart>
+        </mc:Choice>
+        <mc:Fallback>
+          <p:pic>
+            <p:nvPicPr>
+              <p:cNvPr id="8" name="Ink 7">
+                <a:extLst>
+                  <a:ext uri="{FF2B5EF4-FFF2-40B4-BE49-F238E27FC236}">
+                    <a16:creationId xmlns:a16="http://schemas.microsoft.com/office/drawing/2014/main" id="{F6E724DD-1AA4-40C3-9091-77952AAC1D18}"/>
+                  </a:ext>
+                </a:extLst>
+              </p:cNvPr>
+              <p:cNvPicPr/>
+              <p:nvPr/>
+            </p:nvPicPr>
+            <p:blipFill>
+              <a:blip r:embed="rId11"/>
+              <a:stretch>
+                <a:fillRect/>
+              </a:stretch>
+            </p:blipFill>
+            <p:spPr>
+              <a:xfrm>
+                <a:off x="1216729" y="3075379"/>
+                <a:ext cx="158040" cy="54720"/>
+              </a:xfrm>
+              <a:prstGeom prst="rect">
+                <a:avLst/>
+              </a:prstGeom>
+            </p:spPr>
+          </p:pic>
+        </mc:Fallback>
+      </mc:AlternateContent>
+      <mc:AlternateContent xmlns:mc="http://schemas.openxmlformats.org/markup-compatibility/2006">
+        <mc:Choice xmlns:p14="http://schemas.microsoft.com/office/powerpoint/2010/main" Requires="p14">
+          <p:contentPart p14:bwMode="auto" r:id="rId12">
+            <p14:nvContentPartPr>
+              <p14:cNvPr id="9" name="Ink 8">
+                <a:extLst>
+                  <a:ext uri="{FF2B5EF4-FFF2-40B4-BE49-F238E27FC236}">
+                    <a16:creationId xmlns:a16="http://schemas.microsoft.com/office/drawing/2014/main" id="{13210E7C-78CD-4324-956B-501FFC6DADE9}"/>
+                  </a:ext>
+                </a:extLst>
+              </p14:cNvPr>
+              <p14:cNvContentPartPr/>
+              <p14:nvPr/>
+            </p14:nvContentPartPr>
+            <p14:xfrm>
+              <a:off x="1279369" y="3201379"/>
+              <a:ext cx="132840" cy="105120"/>
+            </p14:xfrm>
+          </p:contentPart>
+        </mc:Choice>
+        <mc:Fallback>
+          <p:pic>
+            <p:nvPicPr>
+              <p:cNvPr id="9" name="Ink 8">
+                <a:extLst>
+                  <a:ext uri="{FF2B5EF4-FFF2-40B4-BE49-F238E27FC236}">
+                    <a16:creationId xmlns:a16="http://schemas.microsoft.com/office/drawing/2014/main" id="{13210E7C-78CD-4324-956B-501FFC6DADE9}"/>
+                  </a:ext>
+                </a:extLst>
+              </p:cNvPr>
+              <p:cNvPicPr/>
+              <p:nvPr/>
+            </p:nvPicPr>
+            <p:blipFill>
+              <a:blip r:embed="rId13"/>
+              <a:stretch>
+                <a:fillRect/>
+              </a:stretch>
+            </p:blipFill>
+            <p:spPr>
+              <a:xfrm>
+                <a:off x="1270729" y="3192379"/>
+                <a:ext cx="150480" cy="122760"/>
+              </a:xfrm>
+              <a:prstGeom prst="rect">
+                <a:avLst/>
+              </a:prstGeom>
+            </p:spPr>
+          </p:pic>
+        </mc:Fallback>
+      </mc:AlternateContent>
+      <mc:AlternateContent xmlns:mc="http://schemas.openxmlformats.org/markup-compatibility/2006">
+        <mc:Choice xmlns:p14="http://schemas.microsoft.com/office/powerpoint/2010/main" Requires="p14">
+          <p:contentPart p14:bwMode="auto" r:id="rId14">
+            <p14:nvContentPartPr>
+              <p14:cNvPr id="10" name="Ink 9">
+                <a:extLst>
+                  <a:ext uri="{FF2B5EF4-FFF2-40B4-BE49-F238E27FC236}">
+                    <a16:creationId xmlns:a16="http://schemas.microsoft.com/office/drawing/2014/main" id="{5E831D7D-06EF-458B-83FD-F1F6E4AE7444}"/>
+                  </a:ext>
+                </a:extLst>
+              </p14:cNvPr>
+              <p14:cNvContentPartPr/>
+              <p14:nvPr/>
+            </p14:nvContentPartPr>
+            <p14:xfrm>
+              <a:off x="1450729" y="3193099"/>
+              <a:ext cx="136440" cy="138960"/>
+            </p14:xfrm>
+          </p:contentPart>
+        </mc:Choice>
+        <mc:Fallback>
+          <p:pic>
+            <p:nvPicPr>
+              <p:cNvPr id="10" name="Ink 9">
+                <a:extLst>
+                  <a:ext uri="{FF2B5EF4-FFF2-40B4-BE49-F238E27FC236}">
+                    <a16:creationId xmlns:a16="http://schemas.microsoft.com/office/drawing/2014/main" id="{5E831D7D-06EF-458B-83FD-F1F6E4AE7444}"/>
+                  </a:ext>
+                </a:extLst>
+              </p:cNvPr>
+              <p:cNvPicPr/>
+              <p:nvPr/>
+            </p:nvPicPr>
+            <p:blipFill>
+              <a:blip r:embed="rId15"/>
+              <a:stretch>
+                <a:fillRect/>
+              </a:stretch>
+            </p:blipFill>
+            <p:spPr>
+              <a:xfrm>
+                <a:off x="1442089" y="3184459"/>
+                <a:ext cx="154080" cy="156600"/>
+              </a:xfrm>
+              <a:prstGeom prst="rect">
+                <a:avLst/>
+              </a:prstGeom>
+            </p:spPr>
+          </p:pic>
+        </mc:Fallback>
+      </mc:AlternateContent>
+      <mc:AlternateContent xmlns:mc="http://schemas.openxmlformats.org/markup-compatibility/2006">
+        <mc:Choice xmlns:p14="http://schemas.microsoft.com/office/powerpoint/2010/main" Requires="p14">
+          <p:contentPart p14:bwMode="auto" r:id="rId16">
+            <p14:nvContentPartPr>
+              <p14:cNvPr id="11" name="Ink 10">
+                <a:extLst>
+                  <a:ext uri="{FF2B5EF4-FFF2-40B4-BE49-F238E27FC236}">
+                    <a16:creationId xmlns:a16="http://schemas.microsoft.com/office/drawing/2014/main" id="{C8FF92D8-C7BC-49A2-B5B1-7212C5B0040D}"/>
+                  </a:ext>
+                </a:extLst>
+              </p14:cNvPr>
+              <p14:cNvContentPartPr/>
+              <p14:nvPr/>
+            </p14:nvContentPartPr>
+            <p14:xfrm>
+              <a:off x="1675729" y="3197419"/>
+              <a:ext cx="100800" cy="138600"/>
+            </p14:xfrm>
+          </p:contentPart>
+        </mc:Choice>
+        <mc:Fallback>
+          <p:pic>
+            <p:nvPicPr>
+              <p:cNvPr id="11" name="Ink 10">
+                <a:extLst>
+                  <a:ext uri="{FF2B5EF4-FFF2-40B4-BE49-F238E27FC236}">
+                    <a16:creationId xmlns:a16="http://schemas.microsoft.com/office/drawing/2014/main" id="{C8FF92D8-C7BC-49A2-B5B1-7212C5B0040D}"/>
+                  </a:ext>
+                </a:extLst>
+              </p:cNvPr>
+              <p:cNvPicPr/>
+              <p:nvPr/>
+            </p:nvPicPr>
+            <p:blipFill>
+              <a:blip r:embed="rId17"/>
+              <a:stretch>
+                <a:fillRect/>
+              </a:stretch>
+            </p:blipFill>
+            <p:spPr>
+              <a:xfrm>
+                <a:off x="1666729" y="3188419"/>
+                <a:ext cx="118440" cy="156240"/>
+              </a:xfrm>
+              <a:prstGeom prst="rect">
+                <a:avLst/>
+              </a:prstGeom>
+            </p:spPr>
+          </p:pic>
+        </mc:Fallback>
+      </mc:AlternateContent>
+      <mc:AlternateContent xmlns:mc="http://schemas.openxmlformats.org/markup-compatibility/2006">
+        <mc:Choice xmlns:p14="http://schemas.microsoft.com/office/powerpoint/2010/main" Requires="p14">
+          <p:contentPart p14:bwMode="auto" r:id="rId18">
+            <p14:nvContentPartPr>
+              <p14:cNvPr id="12" name="Ink 11">
+                <a:extLst>
+                  <a:ext uri="{FF2B5EF4-FFF2-40B4-BE49-F238E27FC236}">
+                    <a16:creationId xmlns:a16="http://schemas.microsoft.com/office/drawing/2014/main" id="{0EC180A3-87C6-4EFD-8754-4BE9472BD32A}"/>
+                  </a:ext>
+                </a:extLst>
+              </p14:cNvPr>
+              <p14:cNvContentPartPr/>
+              <p14:nvPr/>
+            </p14:nvContentPartPr>
+            <p14:xfrm>
+              <a:off x="1797409" y="3203179"/>
+              <a:ext cx="145440" cy="119160"/>
+            </p14:xfrm>
+          </p:contentPart>
+        </mc:Choice>
+        <mc:Fallback>
+          <p:pic>
+            <p:nvPicPr>
+              <p:cNvPr id="12" name="Ink 11">
+                <a:extLst>
+                  <a:ext uri="{FF2B5EF4-FFF2-40B4-BE49-F238E27FC236}">
+                    <a16:creationId xmlns:a16="http://schemas.microsoft.com/office/drawing/2014/main" id="{0EC180A3-87C6-4EFD-8754-4BE9472BD32A}"/>
+                  </a:ext>
+                </a:extLst>
+              </p:cNvPr>
+              <p:cNvPicPr/>
+              <p:nvPr/>
+            </p:nvPicPr>
+            <p:blipFill>
+              <a:blip r:embed="rId19"/>
+              <a:stretch>
+                <a:fillRect/>
+              </a:stretch>
+            </p:blipFill>
+            <p:spPr>
+              <a:xfrm>
+                <a:off x="1788409" y="3194539"/>
+                <a:ext cx="163080" cy="136800"/>
+              </a:xfrm>
+              <a:prstGeom prst="rect">
+                <a:avLst/>
+              </a:prstGeom>
+            </p:spPr>
+          </p:pic>
+        </mc:Fallback>
+      </mc:AlternateContent>
+      <mc:AlternateContent xmlns:mc="http://schemas.openxmlformats.org/markup-compatibility/2006">
+        <mc:Choice xmlns:p14="http://schemas.microsoft.com/office/powerpoint/2010/main" Requires="p14">
+          <p:contentPart p14:bwMode="auto" r:id="rId20">
+            <p14:nvContentPartPr>
+              <p14:cNvPr id="13" name="Ink 12">
+                <a:extLst>
+                  <a:ext uri="{FF2B5EF4-FFF2-40B4-BE49-F238E27FC236}">
+                    <a16:creationId xmlns:a16="http://schemas.microsoft.com/office/drawing/2014/main" id="{FB10B1EF-61AB-4F27-8FC2-53DAE8A6B557}"/>
+                  </a:ext>
+                </a:extLst>
+              </p14:cNvPr>
+              <p14:cNvContentPartPr/>
+              <p14:nvPr/>
+            </p14:nvContentPartPr>
+            <p14:xfrm>
+              <a:off x="1995049" y="3160339"/>
+              <a:ext cx="113040" cy="124200"/>
+            </p14:xfrm>
+          </p:contentPart>
+        </mc:Choice>
+        <mc:Fallback>
+          <p:pic>
+            <p:nvPicPr>
+              <p:cNvPr id="13" name="Ink 12">
+                <a:extLst>
+                  <a:ext uri="{FF2B5EF4-FFF2-40B4-BE49-F238E27FC236}">
+                    <a16:creationId xmlns:a16="http://schemas.microsoft.com/office/drawing/2014/main" id="{FB10B1EF-61AB-4F27-8FC2-53DAE8A6B557}"/>
+                  </a:ext>
+                </a:extLst>
+              </p:cNvPr>
+              <p:cNvPicPr/>
+              <p:nvPr/>
+            </p:nvPicPr>
+            <p:blipFill>
+              <a:blip r:embed="rId21"/>
+              <a:stretch>
+                <a:fillRect/>
+              </a:stretch>
+            </p:blipFill>
+            <p:spPr>
+              <a:xfrm>
+                <a:off x="1986409" y="3151699"/>
+                <a:ext cx="130680" cy="141840"/>
+              </a:xfrm>
+              <a:prstGeom prst="rect">
+                <a:avLst/>
+              </a:prstGeom>
+            </p:spPr>
+          </p:pic>
+        </mc:Fallback>
+      </mc:AlternateContent>
+      <mc:AlternateContent xmlns:mc="http://schemas.openxmlformats.org/markup-compatibility/2006">
+        <mc:Choice xmlns:p14="http://schemas.microsoft.com/office/powerpoint/2010/main" Requires="p14">
+          <p:contentPart p14:bwMode="auto" r:id="rId22">
+            <p14:nvContentPartPr>
+              <p14:cNvPr id="14" name="Ink 13">
+                <a:extLst>
+                  <a:ext uri="{FF2B5EF4-FFF2-40B4-BE49-F238E27FC236}">
+                    <a16:creationId xmlns:a16="http://schemas.microsoft.com/office/drawing/2014/main" id="{877699D9-BC7E-414E-9E35-8E79ACBF9EA4}"/>
+                  </a:ext>
+                </a:extLst>
+              </p14:cNvPr>
+              <p14:cNvContentPartPr/>
+              <p14:nvPr/>
+            </p14:nvContentPartPr>
+            <p14:xfrm>
+              <a:off x="1302769" y="3324859"/>
+              <a:ext cx="30600" cy="16560"/>
+            </p14:xfrm>
+          </p:contentPart>
+        </mc:Choice>
+        <mc:Fallback>
+          <p:pic>
+            <p:nvPicPr>
+              <p:cNvPr id="14" name="Ink 13">
+                <a:extLst>
+                  <a:ext uri="{FF2B5EF4-FFF2-40B4-BE49-F238E27FC236}">
+                    <a16:creationId xmlns:a16="http://schemas.microsoft.com/office/drawing/2014/main" id="{877699D9-BC7E-414E-9E35-8E79ACBF9EA4}"/>
+                  </a:ext>
+                </a:extLst>
+              </p:cNvPr>
+              <p:cNvPicPr/>
+              <p:nvPr/>
+            </p:nvPicPr>
+            <p:blipFill>
+              <a:blip r:embed="rId23"/>
+              <a:stretch>
+                <a:fillRect/>
+              </a:stretch>
+            </p:blipFill>
+            <p:spPr>
+              <a:xfrm>
+                <a:off x="1293769" y="3315859"/>
+                <a:ext cx="48240" cy="34200"/>
+              </a:xfrm>
+              <a:prstGeom prst="rect">
+                <a:avLst/>
+              </a:prstGeom>
+            </p:spPr>
+          </p:pic>
+        </mc:Fallback>
+      </mc:AlternateContent>
+      <mc:AlternateContent xmlns:mc="http://schemas.openxmlformats.org/markup-compatibility/2006">
+        <mc:Choice xmlns:p14="http://schemas.microsoft.com/office/powerpoint/2010/main" Requires="p14">
+          <p:contentPart p14:bwMode="auto" r:id="rId24">
+            <p14:nvContentPartPr>
+              <p14:cNvPr id="15" name="Ink 14">
+                <a:extLst>
+                  <a:ext uri="{FF2B5EF4-FFF2-40B4-BE49-F238E27FC236}">
+                    <a16:creationId xmlns:a16="http://schemas.microsoft.com/office/drawing/2014/main" id="{719A21C1-FA34-4DB2-83A5-7C575A9261DA}"/>
+                  </a:ext>
+                </a:extLst>
+              </p14:cNvPr>
+              <p14:cNvContentPartPr/>
+              <p14:nvPr/>
+            </p14:nvContentPartPr>
+            <p14:xfrm>
+              <a:off x="2280889" y="3170779"/>
+              <a:ext cx="147600" cy="126360"/>
+            </p14:xfrm>
+          </p:contentPart>
+        </mc:Choice>
+        <mc:Fallback>
+          <p:pic>
+            <p:nvPicPr>
+              <p:cNvPr id="15" name="Ink 14">
+                <a:extLst>
+                  <a:ext uri="{FF2B5EF4-FFF2-40B4-BE49-F238E27FC236}">
+                    <a16:creationId xmlns:a16="http://schemas.microsoft.com/office/drawing/2014/main" id="{719A21C1-FA34-4DB2-83A5-7C575A9261DA}"/>
+                  </a:ext>
+                </a:extLst>
+              </p:cNvPr>
+              <p:cNvPicPr/>
+              <p:nvPr/>
+            </p:nvPicPr>
+            <p:blipFill>
+              <a:blip r:embed="rId25"/>
+              <a:stretch>
+                <a:fillRect/>
+              </a:stretch>
+            </p:blipFill>
+            <p:spPr>
+              <a:xfrm>
+                <a:off x="2272249" y="3161779"/>
+                <a:ext cx="165240" cy="144000"/>
+              </a:xfrm>
+              <a:prstGeom prst="rect">
+                <a:avLst/>
+              </a:prstGeom>
+            </p:spPr>
+          </p:pic>
+        </mc:Fallback>
+      </mc:AlternateContent>
+      <mc:AlternateContent xmlns:mc="http://schemas.openxmlformats.org/markup-compatibility/2006">
+        <mc:Choice xmlns:p14="http://schemas.microsoft.com/office/powerpoint/2010/main" Requires="p14">
+          <p:contentPart p14:bwMode="auto" r:id="rId26">
+            <p14:nvContentPartPr>
+              <p14:cNvPr id="16" name="Ink 15">
+                <a:extLst>
+                  <a:ext uri="{FF2B5EF4-FFF2-40B4-BE49-F238E27FC236}">
+                    <a16:creationId xmlns:a16="http://schemas.microsoft.com/office/drawing/2014/main" id="{79235F38-72D1-4C03-B5A5-6B8489BD63A8}"/>
+                  </a:ext>
+                </a:extLst>
+              </p14:cNvPr>
+              <p14:cNvContentPartPr/>
+              <p14:nvPr/>
+            </p14:nvContentPartPr>
+            <p14:xfrm>
+              <a:off x="2679769" y="3088699"/>
+              <a:ext cx="214200" cy="199080"/>
+            </p14:xfrm>
+          </p:contentPart>
+        </mc:Choice>
+        <mc:Fallback>
+          <p:pic>
+            <p:nvPicPr>
+              <p:cNvPr id="16" name="Ink 15">
+                <a:extLst>
+                  <a:ext uri="{FF2B5EF4-FFF2-40B4-BE49-F238E27FC236}">
+                    <a16:creationId xmlns:a16="http://schemas.microsoft.com/office/drawing/2014/main" id="{79235F38-72D1-4C03-B5A5-6B8489BD63A8}"/>
+                  </a:ext>
+                </a:extLst>
+              </p:cNvPr>
+              <p:cNvPicPr/>
+              <p:nvPr/>
+            </p:nvPicPr>
+            <p:blipFill>
+              <a:blip r:embed="rId27"/>
+              <a:stretch>
+                <a:fillRect/>
+              </a:stretch>
+            </p:blipFill>
+            <p:spPr>
+              <a:xfrm>
+                <a:off x="2670769" y="3080059"/>
+                <a:ext cx="231840" cy="216720"/>
+              </a:xfrm>
+              <a:prstGeom prst="rect">
+                <a:avLst/>
+              </a:prstGeom>
+            </p:spPr>
+          </p:pic>
+        </mc:Fallback>
+      </mc:AlternateContent>
+      <mc:AlternateContent xmlns:mc="http://schemas.openxmlformats.org/markup-compatibility/2006">
+        <mc:Choice xmlns:p14="http://schemas.microsoft.com/office/powerpoint/2010/main" Requires="p14">
+          <p:contentPart p14:bwMode="auto" r:id="rId28">
+            <p14:nvContentPartPr>
+              <p14:cNvPr id="17" name="Ink 16">
+                <a:extLst>
+                  <a:ext uri="{FF2B5EF4-FFF2-40B4-BE49-F238E27FC236}">
+                    <a16:creationId xmlns:a16="http://schemas.microsoft.com/office/drawing/2014/main" id="{6D19AFC4-84E5-487C-BA57-A1924B760B99}"/>
+                  </a:ext>
+                </a:extLst>
+              </p14:cNvPr>
+              <p14:cNvContentPartPr/>
+              <p14:nvPr/>
+            </p14:nvContentPartPr>
+            <p14:xfrm>
+              <a:off x="2928169" y="3179059"/>
+              <a:ext cx="199080" cy="106560"/>
+            </p14:xfrm>
+          </p:contentPart>
+        </mc:Choice>
+        <mc:Fallback>
+          <p:pic>
+            <p:nvPicPr>
+              <p:cNvPr id="17" name="Ink 16">
+                <a:extLst>
+                  <a:ext uri="{FF2B5EF4-FFF2-40B4-BE49-F238E27FC236}">
+                    <a16:creationId xmlns:a16="http://schemas.microsoft.com/office/drawing/2014/main" id="{6D19AFC4-84E5-487C-BA57-A1924B760B99}"/>
+                  </a:ext>
+                </a:extLst>
+              </p:cNvPr>
+              <p:cNvPicPr/>
+              <p:nvPr/>
+            </p:nvPicPr>
+            <p:blipFill>
+              <a:blip r:embed="rId29"/>
+              <a:stretch>
+                <a:fillRect/>
+              </a:stretch>
+            </p:blipFill>
+            <p:spPr>
+              <a:xfrm>
+                <a:off x="2919169" y="3170059"/>
+                <a:ext cx="216720" cy="124200"/>
+              </a:xfrm>
+              <a:prstGeom prst="rect">
+                <a:avLst/>
+              </a:prstGeom>
+            </p:spPr>
+          </p:pic>
+        </mc:Fallback>
+      </mc:AlternateContent>
+      <p:grpSp>
+        <p:nvGrpSpPr>
+          <p:cNvPr id="33" name="Group 32">
+            <a:extLst>
+              <a:ext uri="{FF2B5EF4-FFF2-40B4-BE49-F238E27FC236}">
+                <a16:creationId xmlns:a16="http://schemas.microsoft.com/office/drawing/2014/main" id="{E463CE2D-5CA0-4845-AA05-670DE3FD191A}"/>
+              </a:ext>
+            </a:extLst>
+          </p:cNvPr>
+          <p:cNvGrpSpPr/>
+          <p:nvPr/>
+        </p:nvGrpSpPr>
+        <p:grpSpPr>
+          <a:xfrm>
+            <a:off x="3234169" y="3129739"/>
+            <a:ext cx="271080" cy="178920"/>
+            <a:chOff x="3234169" y="3129739"/>
+            <a:chExt cx="271080" cy="178920"/>
+          </a:xfrm>
+        </p:grpSpPr>
+        <mc:AlternateContent xmlns:mc="http://schemas.openxmlformats.org/markup-compatibility/2006">
+          <mc:Choice xmlns:p14="http://schemas.microsoft.com/office/powerpoint/2010/main" Requires="p14">
+            <p:contentPart p14:bwMode="auto" r:id="rId30">
+              <p14:nvContentPartPr>
+                <p14:cNvPr id="25" name="Ink 24">
+                  <a:extLst>
+                    <a:ext uri="{FF2B5EF4-FFF2-40B4-BE49-F238E27FC236}">
+                      <a16:creationId xmlns:a16="http://schemas.microsoft.com/office/drawing/2014/main" id="{A14FE778-53BC-4863-ADBF-074B16FAD9B7}"/>
+                    </a:ext>
+                  </a:extLst>
+                </p14:cNvPr>
+                <p14:cNvContentPartPr/>
+                <p14:nvPr/>
+              </p14:nvContentPartPr>
+              <p14:xfrm>
+                <a:off x="3234169" y="3129739"/>
+                <a:ext cx="94680" cy="138240"/>
+              </p14:xfrm>
+            </p:contentPart>
+          </mc:Choice>
+          <mc:Fallback>
+            <p:pic>
+              <p:nvPicPr>
+                <p:cNvPr id="25" name="Ink 24">
+                  <a:extLst>
+                    <a:ext uri="{FF2B5EF4-FFF2-40B4-BE49-F238E27FC236}">
+                      <a16:creationId xmlns:a16="http://schemas.microsoft.com/office/drawing/2014/main" id="{A14FE778-53BC-4863-ADBF-074B16FAD9B7}"/>
+                    </a:ext>
+                  </a:extLst>
+                </p:cNvPr>
+                <p:cNvPicPr/>
+                <p:nvPr/>
+              </p:nvPicPr>
+              <p:blipFill>
+                <a:blip r:embed="rId31"/>
+                <a:stretch>
+                  <a:fillRect/>
+                </a:stretch>
+              </p:blipFill>
+              <p:spPr>
+                <a:xfrm>
+                  <a:off x="3225529" y="3121099"/>
+                  <a:ext cx="112320" cy="155880"/>
+                </a:xfrm>
+                <a:prstGeom prst="rect">
+                  <a:avLst/>
+                </a:prstGeom>
+              </p:spPr>
+            </p:pic>
+          </mc:Fallback>
+        </mc:AlternateContent>
+        <mc:AlternateContent xmlns:mc="http://schemas.openxmlformats.org/markup-compatibility/2006">
+          <mc:Choice xmlns:p14="http://schemas.microsoft.com/office/powerpoint/2010/main" Requires="p14">
+            <p:contentPart p14:bwMode="auto" r:id="rId32">
+              <p14:nvContentPartPr>
+                <p14:cNvPr id="26" name="Ink 25">
+                  <a:extLst>
+                    <a:ext uri="{FF2B5EF4-FFF2-40B4-BE49-F238E27FC236}">
+                      <a16:creationId xmlns:a16="http://schemas.microsoft.com/office/drawing/2014/main" id="{3D924AA2-619E-4CF1-9EF0-FCB7A02445DE}"/>
+                    </a:ext>
+                  </a:extLst>
+                </p14:cNvPr>
+                <p14:cNvContentPartPr/>
+                <p14:nvPr/>
+              </p14:nvContentPartPr>
+              <p14:xfrm>
+                <a:off x="3281689" y="3186259"/>
+                <a:ext cx="17640" cy="114840"/>
+              </p14:xfrm>
+            </p:contentPart>
+          </mc:Choice>
+          <mc:Fallback>
+            <p:pic>
+              <p:nvPicPr>
+                <p:cNvPr id="26" name="Ink 25">
+                  <a:extLst>
+                    <a:ext uri="{FF2B5EF4-FFF2-40B4-BE49-F238E27FC236}">
+                      <a16:creationId xmlns:a16="http://schemas.microsoft.com/office/drawing/2014/main" id="{3D924AA2-619E-4CF1-9EF0-FCB7A02445DE}"/>
+                    </a:ext>
+                  </a:extLst>
+                </p:cNvPr>
+                <p:cNvPicPr/>
+                <p:nvPr/>
+              </p:nvPicPr>
+              <p:blipFill>
+                <a:blip r:embed="rId33"/>
+                <a:stretch>
+                  <a:fillRect/>
+                </a:stretch>
+              </p:blipFill>
+              <p:spPr>
+                <a:xfrm>
+                  <a:off x="3272689" y="3177259"/>
+                  <a:ext cx="35280" cy="132480"/>
+                </a:xfrm>
+                <a:prstGeom prst="rect">
+                  <a:avLst/>
+                </a:prstGeom>
+              </p:spPr>
+            </p:pic>
+          </mc:Fallback>
+        </mc:AlternateContent>
+        <mc:AlternateContent xmlns:mc="http://schemas.openxmlformats.org/markup-compatibility/2006">
+          <mc:Choice xmlns:p14="http://schemas.microsoft.com/office/powerpoint/2010/main" Requires="p14">
+            <p:contentPart p14:bwMode="auto" r:id="rId34">
+              <p14:nvContentPartPr>
+                <p14:cNvPr id="27" name="Ink 26">
+                  <a:extLst>
+                    <a:ext uri="{FF2B5EF4-FFF2-40B4-BE49-F238E27FC236}">
+                      <a16:creationId xmlns:a16="http://schemas.microsoft.com/office/drawing/2014/main" id="{74AC31B3-05CF-4666-A957-8E9AF238DA51}"/>
+                    </a:ext>
+                  </a:extLst>
+                </p14:cNvPr>
+                <p14:cNvContentPartPr/>
+                <p14:nvPr/>
+              </p14:nvContentPartPr>
+              <p14:xfrm>
+                <a:off x="3426769" y="3136579"/>
+                <a:ext cx="78480" cy="172080"/>
+              </p14:xfrm>
+            </p:contentPart>
+          </mc:Choice>
+          <mc:Fallback>
+            <p:pic>
+              <p:nvPicPr>
+                <p:cNvPr id="27" name="Ink 26">
+                  <a:extLst>
+                    <a:ext uri="{FF2B5EF4-FFF2-40B4-BE49-F238E27FC236}">
+                      <a16:creationId xmlns:a16="http://schemas.microsoft.com/office/drawing/2014/main" id="{74AC31B3-05CF-4666-A957-8E9AF238DA51}"/>
+                    </a:ext>
+                  </a:extLst>
+                </p:cNvPr>
+                <p:cNvPicPr/>
+                <p:nvPr/>
+              </p:nvPicPr>
+              <p:blipFill>
+                <a:blip r:embed="rId35"/>
+                <a:stretch>
+                  <a:fillRect/>
+                </a:stretch>
+              </p:blipFill>
+              <p:spPr>
+                <a:xfrm>
+                  <a:off x="3417769" y="3127939"/>
+                  <a:ext cx="96120" cy="189720"/>
+                </a:xfrm>
+                <a:prstGeom prst="rect">
+                  <a:avLst/>
+                </a:prstGeom>
+              </p:spPr>
+            </p:pic>
+          </mc:Fallback>
+        </mc:AlternateContent>
+      </p:grpSp>
+      <mc:AlternateContent xmlns:mc="http://schemas.openxmlformats.org/markup-compatibility/2006">
+        <mc:Choice xmlns:p14="http://schemas.microsoft.com/office/powerpoint/2010/main" Requires="p14">
+          <p:contentPart p14:bwMode="auto" r:id="rId36">
+            <p14:nvContentPartPr>
+              <p14:cNvPr id="51" name="Ink 50">
+                <a:extLst>
+                  <a:ext uri="{FF2B5EF4-FFF2-40B4-BE49-F238E27FC236}">
+                    <a16:creationId xmlns:a16="http://schemas.microsoft.com/office/drawing/2014/main" id="{2652BB2B-87CC-4E2B-B706-05954B4301CB}"/>
+                  </a:ext>
+                </a:extLst>
+              </p14:cNvPr>
+              <p14:cNvContentPartPr/>
+              <p14:nvPr/>
+            </p14:nvContentPartPr>
+            <p14:xfrm>
+              <a:off x="2695249" y="4420339"/>
+              <a:ext cx="1429920" cy="34560"/>
+            </p14:xfrm>
+          </p:contentPart>
+        </mc:Choice>
+        <mc:Fallback>
+          <p:pic>
+            <p:nvPicPr>
+              <p:cNvPr id="51" name="Ink 50">
+                <a:extLst>
+                  <a:ext uri="{FF2B5EF4-FFF2-40B4-BE49-F238E27FC236}">
+                    <a16:creationId xmlns:a16="http://schemas.microsoft.com/office/drawing/2014/main" id="{2652BB2B-87CC-4E2B-B706-05954B4301CB}"/>
+                  </a:ext>
+                </a:extLst>
+              </p:cNvPr>
+              <p:cNvPicPr/>
+              <p:nvPr/>
+            </p:nvPicPr>
+            <p:blipFill>
+              <a:blip r:embed="rId37"/>
+              <a:stretch>
+                <a:fillRect/>
+              </a:stretch>
+            </p:blipFill>
+            <p:spPr>
+              <a:xfrm>
+                <a:off x="2686249" y="4411699"/>
+                <a:ext cx="1447560" cy="52200"/>
+              </a:xfrm>
+              <a:prstGeom prst="rect">
+                <a:avLst/>
+              </a:prstGeom>
+            </p:spPr>
+          </p:pic>
+        </mc:Fallback>
+      </mc:AlternateContent>
+      <p:grpSp>
+        <p:nvGrpSpPr>
+          <p:cNvPr id="53" name="Group 52">
+            <a:extLst>
+              <a:ext uri="{FF2B5EF4-FFF2-40B4-BE49-F238E27FC236}">
+                <a16:creationId xmlns:a16="http://schemas.microsoft.com/office/drawing/2014/main" id="{F7A898D4-A01A-4FC3-92D7-7BC2A34AC326}"/>
+              </a:ext>
+            </a:extLst>
+          </p:cNvPr>
+          <p:cNvGrpSpPr/>
+          <p:nvPr/>
+        </p:nvGrpSpPr>
+        <p:grpSpPr>
+          <a:xfrm>
+            <a:off x="1225729" y="3437899"/>
+            <a:ext cx="2790360" cy="793080"/>
+            <a:chOff x="1225729" y="3437899"/>
+            <a:chExt cx="2790360" cy="793080"/>
+          </a:xfrm>
+        </p:grpSpPr>
+        <mc:AlternateContent xmlns:mc="http://schemas.openxmlformats.org/markup-compatibility/2006">
+          <mc:Choice xmlns:p14="http://schemas.microsoft.com/office/powerpoint/2010/main" Requires="p14">
+            <p:contentPart p14:bwMode="auto" r:id="rId38">
+              <p14:nvContentPartPr>
+                <p14:cNvPr id="28" name="Ink 27">
+                  <a:extLst>
+                    <a:ext uri="{FF2B5EF4-FFF2-40B4-BE49-F238E27FC236}">
+                      <a16:creationId xmlns:a16="http://schemas.microsoft.com/office/drawing/2014/main" id="{990456AD-D6B6-4027-A13B-CBC0C5454913}"/>
+                    </a:ext>
+                  </a:extLst>
+                </p14:cNvPr>
+                <p14:cNvContentPartPr/>
+                <p14:nvPr/>
+              </p14:nvContentPartPr>
+              <p14:xfrm>
+                <a:off x="1729729" y="3471739"/>
+                <a:ext cx="205920" cy="208800"/>
+              </p14:xfrm>
+            </p:contentPart>
+          </mc:Choice>
+          <mc:Fallback>
+            <p:pic>
+              <p:nvPicPr>
+                <p:cNvPr id="28" name="Ink 27">
+                  <a:extLst>
+                    <a:ext uri="{FF2B5EF4-FFF2-40B4-BE49-F238E27FC236}">
+                      <a16:creationId xmlns:a16="http://schemas.microsoft.com/office/drawing/2014/main" id="{990456AD-D6B6-4027-A13B-CBC0C5454913}"/>
+                    </a:ext>
+                  </a:extLst>
+                </p:cNvPr>
+                <p:cNvPicPr/>
+                <p:nvPr/>
+              </p:nvPicPr>
+              <p:blipFill>
+                <a:blip r:embed="rId39"/>
+                <a:stretch>
+                  <a:fillRect/>
+                </a:stretch>
+              </p:blipFill>
+              <p:spPr>
+                <a:xfrm>
+                  <a:off x="1720729" y="3462739"/>
+                  <a:ext cx="223560" cy="226440"/>
+                </a:xfrm>
+                <a:prstGeom prst="rect">
+                  <a:avLst/>
+                </a:prstGeom>
+              </p:spPr>
+            </p:pic>
+          </mc:Fallback>
+        </mc:AlternateContent>
+        <mc:AlternateContent xmlns:mc="http://schemas.openxmlformats.org/markup-compatibility/2006">
+          <mc:Choice xmlns:p14="http://schemas.microsoft.com/office/powerpoint/2010/main" Requires="p14">
+            <p:contentPart p14:bwMode="auto" r:id="rId40">
+              <p14:nvContentPartPr>
+                <p14:cNvPr id="29" name="Ink 28">
+                  <a:extLst>
+                    <a:ext uri="{FF2B5EF4-FFF2-40B4-BE49-F238E27FC236}">
+                      <a16:creationId xmlns:a16="http://schemas.microsoft.com/office/drawing/2014/main" id="{261E190A-7F31-4E5E-B646-5CE1CCF07CD3}"/>
+                    </a:ext>
+                  </a:extLst>
+                </p14:cNvPr>
+                <p14:cNvContentPartPr/>
+                <p14:nvPr/>
+              </p14:nvContentPartPr>
+              <p14:xfrm>
+                <a:off x="2047969" y="3504859"/>
+                <a:ext cx="28800" cy="166320"/>
+              </p14:xfrm>
+            </p:contentPart>
+          </mc:Choice>
+          <mc:Fallback>
+            <p:pic>
+              <p:nvPicPr>
+                <p:cNvPr id="29" name="Ink 28">
+                  <a:extLst>
+                    <a:ext uri="{FF2B5EF4-FFF2-40B4-BE49-F238E27FC236}">
+                      <a16:creationId xmlns:a16="http://schemas.microsoft.com/office/drawing/2014/main" id="{261E190A-7F31-4E5E-B646-5CE1CCF07CD3}"/>
+                    </a:ext>
+                  </a:extLst>
+                </p:cNvPr>
+                <p:cNvPicPr/>
+                <p:nvPr/>
+              </p:nvPicPr>
+              <p:blipFill>
+                <a:blip r:embed="rId41"/>
+                <a:stretch>
+                  <a:fillRect/>
+                </a:stretch>
+              </p:blipFill>
+              <p:spPr>
+                <a:xfrm>
+                  <a:off x="2039329" y="3496219"/>
+                  <a:ext cx="46440" cy="183960"/>
+                </a:xfrm>
+                <a:prstGeom prst="rect">
+                  <a:avLst/>
+                </a:prstGeom>
+              </p:spPr>
+            </p:pic>
+          </mc:Fallback>
+        </mc:AlternateContent>
+        <mc:AlternateContent xmlns:mc="http://schemas.openxmlformats.org/markup-compatibility/2006">
+          <mc:Choice xmlns:p14="http://schemas.microsoft.com/office/powerpoint/2010/main" Requires="p14">
+            <p:contentPart p14:bwMode="auto" r:id="rId42">
+              <p14:nvContentPartPr>
+                <p14:cNvPr id="30" name="Ink 29">
+                  <a:extLst>
+                    <a:ext uri="{FF2B5EF4-FFF2-40B4-BE49-F238E27FC236}">
+                      <a16:creationId xmlns:a16="http://schemas.microsoft.com/office/drawing/2014/main" id="{60F50D0D-34F7-478B-869A-03EA9C3DF8D3}"/>
+                    </a:ext>
+                  </a:extLst>
+                </p14:cNvPr>
+                <p14:cNvContentPartPr/>
+                <p14:nvPr/>
+              </p14:nvContentPartPr>
+              <p14:xfrm>
+                <a:off x="2082529" y="3462739"/>
+                <a:ext cx="65160" cy="122760"/>
+              </p14:xfrm>
+            </p:contentPart>
+          </mc:Choice>
+          <mc:Fallback>
+            <p:pic>
+              <p:nvPicPr>
+                <p:cNvPr id="30" name="Ink 29">
+                  <a:extLst>
+                    <a:ext uri="{FF2B5EF4-FFF2-40B4-BE49-F238E27FC236}">
+                      <a16:creationId xmlns:a16="http://schemas.microsoft.com/office/drawing/2014/main" id="{60F50D0D-34F7-478B-869A-03EA9C3DF8D3}"/>
+                    </a:ext>
+                  </a:extLst>
+                </p:cNvPr>
+                <p:cNvPicPr/>
+                <p:nvPr/>
+              </p:nvPicPr>
+              <p:blipFill>
+                <a:blip r:embed="rId43"/>
+                <a:stretch>
+                  <a:fillRect/>
+                </a:stretch>
+              </p:blipFill>
+              <p:spPr>
+                <a:xfrm>
+                  <a:off x="2073529" y="3453739"/>
+                  <a:ext cx="82800" cy="140400"/>
+                </a:xfrm>
+                <a:prstGeom prst="rect">
+                  <a:avLst/>
+                </a:prstGeom>
+              </p:spPr>
+            </p:pic>
+          </mc:Fallback>
+        </mc:AlternateContent>
+        <mc:AlternateContent xmlns:mc="http://schemas.openxmlformats.org/markup-compatibility/2006">
+          <mc:Choice xmlns:p14="http://schemas.microsoft.com/office/powerpoint/2010/main" Requires="p14">
+            <p:contentPart p14:bwMode="auto" r:id="rId44">
+              <p14:nvContentPartPr>
+                <p14:cNvPr id="31" name="Ink 30">
+                  <a:extLst>
+                    <a:ext uri="{FF2B5EF4-FFF2-40B4-BE49-F238E27FC236}">
+                      <a16:creationId xmlns:a16="http://schemas.microsoft.com/office/drawing/2014/main" id="{0C32C9EA-DFEA-4543-B0B5-CE68C9923D92}"/>
+                    </a:ext>
+                  </a:extLst>
+                </p14:cNvPr>
+                <p14:cNvContentPartPr/>
+                <p14:nvPr/>
+              </p14:nvContentPartPr>
+              <p14:xfrm>
+                <a:off x="2203129" y="3477859"/>
+                <a:ext cx="155520" cy="185040"/>
+              </p14:xfrm>
+            </p:contentPart>
+          </mc:Choice>
+          <mc:Fallback>
+            <p:pic>
+              <p:nvPicPr>
+                <p:cNvPr id="31" name="Ink 30">
+                  <a:extLst>
+                    <a:ext uri="{FF2B5EF4-FFF2-40B4-BE49-F238E27FC236}">
+                      <a16:creationId xmlns:a16="http://schemas.microsoft.com/office/drawing/2014/main" id="{0C32C9EA-DFEA-4543-B0B5-CE68C9923D92}"/>
+                    </a:ext>
+                  </a:extLst>
+                </p:cNvPr>
+                <p:cNvPicPr/>
+                <p:nvPr/>
+              </p:nvPicPr>
+              <p:blipFill>
+                <a:blip r:embed="rId45"/>
+                <a:stretch>
+                  <a:fillRect/>
+                </a:stretch>
+              </p:blipFill>
+              <p:spPr>
+                <a:xfrm>
+                  <a:off x="2194129" y="3469219"/>
+                  <a:ext cx="173160" cy="202680"/>
+                </a:xfrm>
+                <a:prstGeom prst="rect">
+                  <a:avLst/>
+                </a:prstGeom>
+              </p:spPr>
+            </p:pic>
+          </mc:Fallback>
+        </mc:AlternateContent>
+        <mc:AlternateContent xmlns:mc="http://schemas.openxmlformats.org/markup-compatibility/2006">
+          <mc:Choice xmlns:p14="http://schemas.microsoft.com/office/powerpoint/2010/main" Requires="p14">
+            <p:contentPart p14:bwMode="auto" r:id="rId46">
+              <p14:nvContentPartPr>
+                <p14:cNvPr id="34" name="Ink 33">
+                  <a:extLst>
+                    <a:ext uri="{FF2B5EF4-FFF2-40B4-BE49-F238E27FC236}">
+                      <a16:creationId xmlns:a16="http://schemas.microsoft.com/office/drawing/2014/main" id="{44B6A393-C6ED-42AE-B78A-6EE56F508A0F}"/>
+                    </a:ext>
+                  </a:extLst>
+                </p14:cNvPr>
+                <p14:cNvContentPartPr/>
+                <p14:nvPr/>
+              </p14:nvContentPartPr>
+              <p14:xfrm>
+                <a:off x="2411209" y="3512779"/>
+                <a:ext cx="163440" cy="184680"/>
+              </p14:xfrm>
+            </p:contentPart>
+          </mc:Choice>
+          <mc:Fallback>
+            <p:pic>
+              <p:nvPicPr>
+                <p:cNvPr id="34" name="Ink 33">
+                  <a:extLst>
+                    <a:ext uri="{FF2B5EF4-FFF2-40B4-BE49-F238E27FC236}">
+                      <a16:creationId xmlns:a16="http://schemas.microsoft.com/office/drawing/2014/main" id="{44B6A393-C6ED-42AE-B78A-6EE56F508A0F}"/>
+                    </a:ext>
+                  </a:extLst>
+                </p:cNvPr>
+                <p:cNvPicPr/>
+                <p:nvPr/>
+              </p:nvPicPr>
+              <p:blipFill>
+                <a:blip r:embed="rId47"/>
+                <a:stretch>
+                  <a:fillRect/>
+                </a:stretch>
+              </p:blipFill>
+              <p:spPr>
+                <a:xfrm>
+                  <a:off x="2402209" y="3504139"/>
+                  <a:ext cx="181080" cy="202320"/>
+                </a:xfrm>
+                <a:prstGeom prst="rect">
+                  <a:avLst/>
+                </a:prstGeom>
+              </p:spPr>
+            </p:pic>
+          </mc:Fallback>
+        </mc:AlternateContent>
+        <mc:AlternateContent xmlns:mc="http://schemas.openxmlformats.org/markup-compatibility/2006">
+          <mc:Choice xmlns:p14="http://schemas.microsoft.com/office/powerpoint/2010/main" Requires="p14">
+            <p:contentPart p14:bwMode="auto" r:id="rId48">
+              <p14:nvContentPartPr>
+                <p14:cNvPr id="35" name="Ink 34">
+                  <a:extLst>
+                    <a:ext uri="{FF2B5EF4-FFF2-40B4-BE49-F238E27FC236}">
+                      <a16:creationId xmlns:a16="http://schemas.microsoft.com/office/drawing/2014/main" id="{1FE70515-B5D9-4120-AAB8-6D6576E5301D}"/>
+                    </a:ext>
+                  </a:extLst>
+                </p14:cNvPr>
+                <p14:cNvContentPartPr/>
+                <p14:nvPr/>
+              </p14:nvContentPartPr>
+              <p14:xfrm>
+                <a:off x="2597689" y="3589819"/>
+                <a:ext cx="115920" cy="73440"/>
+              </p14:xfrm>
+            </p:contentPart>
+          </mc:Choice>
+          <mc:Fallback>
+            <p:pic>
+              <p:nvPicPr>
+                <p:cNvPr id="35" name="Ink 34">
+                  <a:extLst>
+                    <a:ext uri="{FF2B5EF4-FFF2-40B4-BE49-F238E27FC236}">
+                      <a16:creationId xmlns:a16="http://schemas.microsoft.com/office/drawing/2014/main" id="{1FE70515-B5D9-4120-AAB8-6D6576E5301D}"/>
+                    </a:ext>
+                  </a:extLst>
+                </p:cNvPr>
+                <p:cNvPicPr/>
+                <p:nvPr/>
+              </p:nvPicPr>
+              <p:blipFill>
+                <a:blip r:embed="rId49"/>
+                <a:stretch>
+                  <a:fillRect/>
+                </a:stretch>
+              </p:blipFill>
+              <p:spPr>
+                <a:xfrm>
+                  <a:off x="2588689" y="3580819"/>
+                  <a:ext cx="133560" cy="91080"/>
+                </a:xfrm>
+                <a:prstGeom prst="rect">
+                  <a:avLst/>
+                </a:prstGeom>
+              </p:spPr>
+            </p:pic>
+          </mc:Fallback>
+        </mc:AlternateContent>
+        <mc:AlternateContent xmlns:mc="http://schemas.openxmlformats.org/markup-compatibility/2006">
+          <mc:Choice xmlns:p14="http://schemas.microsoft.com/office/powerpoint/2010/main" Requires="p14">
+            <p:contentPart p14:bwMode="auto" r:id="rId50">
+              <p14:nvContentPartPr>
+                <p14:cNvPr id="36" name="Ink 35">
+                  <a:extLst>
+                    <a:ext uri="{FF2B5EF4-FFF2-40B4-BE49-F238E27FC236}">
+                      <a16:creationId xmlns:a16="http://schemas.microsoft.com/office/drawing/2014/main" id="{ABEA8289-E9CE-4B04-83EE-D427DCE76AC9}"/>
+                    </a:ext>
+                  </a:extLst>
+                </p14:cNvPr>
+                <p14:cNvContentPartPr/>
+                <p14:nvPr/>
+              </p14:nvContentPartPr>
+              <p14:xfrm>
+                <a:off x="2746009" y="3589819"/>
+                <a:ext cx="118440" cy="167040"/>
+              </p14:xfrm>
+            </p:contentPart>
+          </mc:Choice>
+          <mc:Fallback>
+            <p:pic>
+              <p:nvPicPr>
+                <p:cNvPr id="36" name="Ink 35">
+                  <a:extLst>
+                    <a:ext uri="{FF2B5EF4-FFF2-40B4-BE49-F238E27FC236}">
+                      <a16:creationId xmlns:a16="http://schemas.microsoft.com/office/drawing/2014/main" id="{ABEA8289-E9CE-4B04-83EE-D427DCE76AC9}"/>
+                    </a:ext>
+                  </a:extLst>
+                </p:cNvPr>
+                <p:cNvPicPr/>
+                <p:nvPr/>
+              </p:nvPicPr>
+              <p:blipFill>
+                <a:blip r:embed="rId51"/>
+                <a:stretch>
+                  <a:fillRect/>
+                </a:stretch>
+              </p:blipFill>
+              <p:spPr>
+                <a:xfrm>
+                  <a:off x="2737369" y="3580819"/>
+                  <a:ext cx="136080" cy="184680"/>
+                </a:xfrm>
+                <a:prstGeom prst="rect">
+                  <a:avLst/>
+                </a:prstGeom>
+              </p:spPr>
+            </p:pic>
+          </mc:Fallback>
+        </mc:AlternateContent>
+        <mc:AlternateContent xmlns:mc="http://schemas.openxmlformats.org/markup-compatibility/2006">
+          <mc:Choice xmlns:p14="http://schemas.microsoft.com/office/powerpoint/2010/main" Requires="p14">
+            <p:contentPart p14:bwMode="auto" r:id="rId52">
+              <p14:nvContentPartPr>
+                <p14:cNvPr id="38" name="Ink 37">
+                  <a:extLst>
+                    <a:ext uri="{FF2B5EF4-FFF2-40B4-BE49-F238E27FC236}">
+                      <a16:creationId xmlns:a16="http://schemas.microsoft.com/office/drawing/2014/main" id="{4E324C62-749B-42C1-839E-1EB0AA2481CF}"/>
+                    </a:ext>
+                  </a:extLst>
+                </p14:cNvPr>
+                <p14:cNvContentPartPr/>
+                <p14:nvPr/>
+              </p14:nvContentPartPr>
+              <p14:xfrm>
+                <a:off x="2267929" y="3778099"/>
+                <a:ext cx="243000" cy="312120"/>
+              </p14:xfrm>
+            </p:contentPart>
+          </mc:Choice>
+          <mc:Fallback>
+            <p:pic>
+              <p:nvPicPr>
+                <p:cNvPr id="38" name="Ink 37">
+                  <a:extLst>
+                    <a:ext uri="{FF2B5EF4-FFF2-40B4-BE49-F238E27FC236}">
+                      <a16:creationId xmlns:a16="http://schemas.microsoft.com/office/drawing/2014/main" id="{4E324C62-749B-42C1-839E-1EB0AA2481CF}"/>
+                    </a:ext>
+                  </a:extLst>
+                </p:cNvPr>
+                <p:cNvPicPr/>
+                <p:nvPr/>
+              </p:nvPicPr>
+              <p:blipFill>
+                <a:blip r:embed="rId53"/>
+                <a:stretch>
+                  <a:fillRect/>
+                </a:stretch>
+              </p:blipFill>
+              <p:spPr>
+                <a:xfrm>
+                  <a:off x="2259289" y="3769459"/>
+                  <a:ext cx="260640" cy="329760"/>
+                </a:xfrm>
+                <a:prstGeom prst="rect">
+                  <a:avLst/>
+                </a:prstGeom>
+              </p:spPr>
+            </p:pic>
+          </mc:Fallback>
+        </mc:AlternateContent>
+        <mc:AlternateContent xmlns:mc="http://schemas.openxmlformats.org/markup-compatibility/2006">
+          <mc:Choice xmlns:p14="http://schemas.microsoft.com/office/powerpoint/2010/main" Requires="p14">
+            <p:contentPart p14:bwMode="auto" r:id="rId54">
+              <p14:nvContentPartPr>
+                <p14:cNvPr id="39" name="Ink 38">
+                  <a:extLst>
+                    <a:ext uri="{FF2B5EF4-FFF2-40B4-BE49-F238E27FC236}">
+                      <a16:creationId xmlns:a16="http://schemas.microsoft.com/office/drawing/2014/main" id="{E81D13B6-08AC-4DB3-B4EE-189E8C299F4E}"/>
+                    </a:ext>
+                  </a:extLst>
+                </p14:cNvPr>
+                <p14:cNvContentPartPr/>
+                <p14:nvPr/>
+              </p14:nvContentPartPr>
+              <p14:xfrm>
+                <a:off x="2794969" y="3925339"/>
+                <a:ext cx="11880" cy="284760"/>
+              </p14:xfrm>
+            </p:contentPart>
+          </mc:Choice>
+          <mc:Fallback>
+            <p:pic>
+              <p:nvPicPr>
+                <p:cNvPr id="39" name="Ink 38">
+                  <a:extLst>
+                    <a:ext uri="{FF2B5EF4-FFF2-40B4-BE49-F238E27FC236}">
+                      <a16:creationId xmlns:a16="http://schemas.microsoft.com/office/drawing/2014/main" id="{E81D13B6-08AC-4DB3-B4EE-189E8C299F4E}"/>
+                    </a:ext>
+                  </a:extLst>
+                </p:cNvPr>
+                <p:cNvPicPr/>
+                <p:nvPr/>
+              </p:nvPicPr>
+              <p:blipFill>
+                <a:blip r:embed="rId55"/>
+                <a:stretch>
+                  <a:fillRect/>
+                </a:stretch>
+              </p:blipFill>
+              <p:spPr>
+                <a:xfrm>
+                  <a:off x="2785969" y="3916339"/>
+                  <a:ext cx="29520" cy="302400"/>
+                </a:xfrm>
+                <a:prstGeom prst="rect">
+                  <a:avLst/>
+                </a:prstGeom>
+              </p:spPr>
+            </p:pic>
+          </mc:Fallback>
+        </mc:AlternateContent>
+        <mc:AlternateContent xmlns:mc="http://schemas.openxmlformats.org/markup-compatibility/2006">
+          <mc:Choice xmlns:p14="http://schemas.microsoft.com/office/powerpoint/2010/main" Requires="p14">
+            <p:contentPart p14:bwMode="auto" r:id="rId56">
+              <p14:nvContentPartPr>
+                <p14:cNvPr id="40" name="Ink 39">
+                  <a:extLst>
+                    <a:ext uri="{FF2B5EF4-FFF2-40B4-BE49-F238E27FC236}">
+                      <a16:creationId xmlns:a16="http://schemas.microsoft.com/office/drawing/2014/main" id="{14007F8F-7E3D-43DF-A7E6-63D374E7DD8F}"/>
+                    </a:ext>
+                  </a:extLst>
+                </p14:cNvPr>
+                <p14:cNvContentPartPr/>
+                <p14:nvPr/>
+              </p14:nvContentPartPr>
+              <p14:xfrm>
+                <a:off x="2856889" y="3925339"/>
+                <a:ext cx="154800" cy="7920"/>
+              </p14:xfrm>
+            </p:contentPart>
+          </mc:Choice>
+          <mc:Fallback>
+            <p:pic>
+              <p:nvPicPr>
+                <p:cNvPr id="40" name="Ink 39">
+                  <a:extLst>
+                    <a:ext uri="{FF2B5EF4-FFF2-40B4-BE49-F238E27FC236}">
+                      <a16:creationId xmlns:a16="http://schemas.microsoft.com/office/drawing/2014/main" id="{14007F8F-7E3D-43DF-A7E6-63D374E7DD8F}"/>
+                    </a:ext>
+                  </a:extLst>
+                </p:cNvPr>
+                <p:cNvPicPr/>
+                <p:nvPr/>
+              </p:nvPicPr>
+              <p:blipFill>
+                <a:blip r:embed="rId57"/>
+                <a:stretch>
+                  <a:fillRect/>
+                </a:stretch>
+              </p:blipFill>
+              <p:spPr>
+                <a:xfrm>
+                  <a:off x="2848249" y="3916699"/>
+                  <a:ext cx="172440" cy="25560"/>
+                </a:xfrm>
+                <a:prstGeom prst="rect">
+                  <a:avLst/>
+                </a:prstGeom>
+              </p:spPr>
+            </p:pic>
+          </mc:Fallback>
+        </mc:AlternateContent>
+        <mc:AlternateContent xmlns:mc="http://schemas.openxmlformats.org/markup-compatibility/2006">
+          <mc:Choice xmlns:p14="http://schemas.microsoft.com/office/powerpoint/2010/main" Requires="p14">
+            <p:contentPart p14:bwMode="auto" r:id="rId58">
+              <p14:nvContentPartPr>
+                <p14:cNvPr id="41" name="Ink 40">
+                  <a:extLst>
+                    <a:ext uri="{FF2B5EF4-FFF2-40B4-BE49-F238E27FC236}">
+                      <a16:creationId xmlns:a16="http://schemas.microsoft.com/office/drawing/2014/main" id="{70AD541A-5111-4773-885F-149CC91397FB}"/>
+                    </a:ext>
+                  </a:extLst>
+                </p14:cNvPr>
+                <p14:cNvContentPartPr/>
+                <p14:nvPr/>
+              </p14:nvContentPartPr>
+              <p14:xfrm>
+                <a:off x="2857969" y="4066819"/>
+                <a:ext cx="162720" cy="9720"/>
+              </p14:xfrm>
+            </p:contentPart>
+          </mc:Choice>
+          <mc:Fallback>
+            <p:pic>
+              <p:nvPicPr>
+                <p:cNvPr id="41" name="Ink 40">
+                  <a:extLst>
+                    <a:ext uri="{FF2B5EF4-FFF2-40B4-BE49-F238E27FC236}">
+                      <a16:creationId xmlns:a16="http://schemas.microsoft.com/office/drawing/2014/main" id="{70AD541A-5111-4773-885F-149CC91397FB}"/>
+                    </a:ext>
+                  </a:extLst>
+                </p:cNvPr>
+                <p:cNvPicPr/>
+                <p:nvPr/>
+              </p:nvPicPr>
+              <p:blipFill>
+                <a:blip r:embed="rId59"/>
+                <a:stretch>
+                  <a:fillRect/>
+                </a:stretch>
+              </p:blipFill>
+              <p:spPr>
+                <a:xfrm>
+                  <a:off x="2848969" y="4058179"/>
+                  <a:ext cx="180360" cy="27360"/>
+                </a:xfrm>
+                <a:prstGeom prst="rect">
+                  <a:avLst/>
+                </a:prstGeom>
+              </p:spPr>
+            </p:pic>
+          </mc:Fallback>
+        </mc:AlternateContent>
+        <mc:AlternateContent xmlns:mc="http://schemas.openxmlformats.org/markup-compatibility/2006">
+          <mc:Choice xmlns:p14="http://schemas.microsoft.com/office/powerpoint/2010/main" Requires="p14">
+            <p:contentPart p14:bwMode="auto" r:id="rId60">
+              <p14:nvContentPartPr>
+                <p14:cNvPr id="42" name="Ink 41">
+                  <a:extLst>
+                    <a:ext uri="{FF2B5EF4-FFF2-40B4-BE49-F238E27FC236}">
+                      <a16:creationId xmlns:a16="http://schemas.microsoft.com/office/drawing/2014/main" id="{DC4323C3-3511-476E-9392-2E8E43A6C049}"/>
+                    </a:ext>
+                  </a:extLst>
+                </p14:cNvPr>
+                <p14:cNvContentPartPr/>
+                <p14:nvPr/>
+              </p14:nvContentPartPr>
+              <p14:xfrm>
+                <a:off x="3173329" y="4073299"/>
+                <a:ext cx="210600" cy="5040"/>
+              </p14:xfrm>
+            </p:contentPart>
+          </mc:Choice>
+          <mc:Fallback>
+            <p:pic>
+              <p:nvPicPr>
+                <p:cNvPr id="42" name="Ink 41">
+                  <a:extLst>
+                    <a:ext uri="{FF2B5EF4-FFF2-40B4-BE49-F238E27FC236}">
+                      <a16:creationId xmlns:a16="http://schemas.microsoft.com/office/drawing/2014/main" id="{DC4323C3-3511-476E-9392-2E8E43A6C049}"/>
+                    </a:ext>
+                  </a:extLst>
+                </p:cNvPr>
+                <p:cNvPicPr/>
+                <p:nvPr/>
+              </p:nvPicPr>
+              <p:blipFill>
+                <a:blip r:embed="rId61"/>
+                <a:stretch>
+                  <a:fillRect/>
+                </a:stretch>
+              </p:blipFill>
+              <p:spPr>
+                <a:xfrm>
+                  <a:off x="3164689" y="4064659"/>
+                  <a:ext cx="228240" cy="22680"/>
+                </a:xfrm>
+                <a:prstGeom prst="rect">
+                  <a:avLst/>
+                </a:prstGeom>
+              </p:spPr>
+            </p:pic>
+          </mc:Fallback>
+        </mc:AlternateContent>
+        <mc:AlternateContent xmlns:mc="http://schemas.openxmlformats.org/markup-compatibility/2006">
+          <mc:Choice xmlns:p14="http://schemas.microsoft.com/office/powerpoint/2010/main" Requires="p14">
+            <p:contentPart p14:bwMode="auto" r:id="rId62">
+              <p14:nvContentPartPr>
+                <p14:cNvPr id="43" name="Ink 42">
+                  <a:extLst>
+                    <a:ext uri="{FF2B5EF4-FFF2-40B4-BE49-F238E27FC236}">
+                      <a16:creationId xmlns:a16="http://schemas.microsoft.com/office/drawing/2014/main" id="{776CEA93-6463-4493-835A-415D923AAC05}"/>
+                    </a:ext>
+                  </a:extLst>
+                </p14:cNvPr>
+                <p14:cNvContentPartPr/>
+                <p14:nvPr/>
+              </p14:nvContentPartPr>
+              <p14:xfrm>
+                <a:off x="3337129" y="3986179"/>
+                <a:ext cx="144000" cy="158040"/>
+              </p14:xfrm>
+            </p:contentPart>
+          </mc:Choice>
+          <mc:Fallback>
+            <p:pic>
+              <p:nvPicPr>
+                <p:cNvPr id="43" name="Ink 42">
+                  <a:extLst>
+                    <a:ext uri="{FF2B5EF4-FFF2-40B4-BE49-F238E27FC236}">
+                      <a16:creationId xmlns:a16="http://schemas.microsoft.com/office/drawing/2014/main" id="{776CEA93-6463-4493-835A-415D923AAC05}"/>
+                    </a:ext>
+                  </a:extLst>
+                </p:cNvPr>
+                <p:cNvPicPr/>
+                <p:nvPr/>
+              </p:nvPicPr>
+              <p:blipFill>
+                <a:blip r:embed="rId63"/>
+                <a:stretch>
+                  <a:fillRect/>
+                </a:stretch>
+              </p:blipFill>
+              <p:spPr>
+                <a:xfrm>
+                  <a:off x="3328489" y="3977179"/>
+                  <a:ext cx="161640" cy="175680"/>
+                </a:xfrm>
+                <a:prstGeom prst="rect">
+                  <a:avLst/>
+                </a:prstGeom>
+              </p:spPr>
+            </p:pic>
+          </mc:Fallback>
+        </mc:AlternateContent>
+        <mc:AlternateContent xmlns:mc="http://schemas.openxmlformats.org/markup-compatibility/2006">
+          <mc:Choice xmlns:p14="http://schemas.microsoft.com/office/powerpoint/2010/main" Requires="p14">
+            <p:contentPart p14:bwMode="auto" r:id="rId64">
+              <p14:nvContentPartPr>
+                <p14:cNvPr id="44" name="Ink 43">
+                  <a:extLst>
+                    <a:ext uri="{FF2B5EF4-FFF2-40B4-BE49-F238E27FC236}">
+                      <a16:creationId xmlns:a16="http://schemas.microsoft.com/office/drawing/2014/main" id="{20B82A38-BFC1-49C4-9D38-D6D5745DE761}"/>
+                    </a:ext>
+                  </a:extLst>
+                </p14:cNvPr>
+                <p14:cNvContentPartPr/>
+                <p14:nvPr/>
+              </p14:nvContentPartPr>
+              <p14:xfrm>
+                <a:off x="3000169" y="4150339"/>
+                <a:ext cx="63360" cy="80640"/>
+              </p14:xfrm>
+            </p:contentPart>
+          </mc:Choice>
+          <mc:Fallback>
+            <p:pic>
+              <p:nvPicPr>
+                <p:cNvPr id="44" name="Ink 43">
+                  <a:extLst>
+                    <a:ext uri="{FF2B5EF4-FFF2-40B4-BE49-F238E27FC236}">
+                      <a16:creationId xmlns:a16="http://schemas.microsoft.com/office/drawing/2014/main" id="{20B82A38-BFC1-49C4-9D38-D6D5745DE761}"/>
+                    </a:ext>
+                  </a:extLst>
+                </p:cNvPr>
+                <p:cNvPicPr/>
+                <p:nvPr/>
+              </p:nvPicPr>
+              <p:blipFill>
+                <a:blip r:embed="rId65"/>
+                <a:stretch>
+                  <a:fillRect/>
+                </a:stretch>
+              </p:blipFill>
+              <p:spPr>
+                <a:xfrm>
+                  <a:off x="2991169" y="4141339"/>
+                  <a:ext cx="81000" cy="98280"/>
+                </a:xfrm>
+                <a:prstGeom prst="rect">
+                  <a:avLst/>
+                </a:prstGeom>
+              </p:spPr>
+            </p:pic>
+          </mc:Fallback>
+        </mc:AlternateContent>
+        <mc:AlternateContent xmlns:mc="http://schemas.openxmlformats.org/markup-compatibility/2006">
+          <mc:Choice xmlns:p14="http://schemas.microsoft.com/office/powerpoint/2010/main" Requires="p14">
+            <p:contentPart p14:bwMode="auto" r:id="rId66">
+              <p14:nvContentPartPr>
+                <p14:cNvPr id="45" name="Ink 44">
+                  <a:extLst>
+                    <a:ext uri="{FF2B5EF4-FFF2-40B4-BE49-F238E27FC236}">
+                      <a16:creationId xmlns:a16="http://schemas.microsoft.com/office/drawing/2014/main" id="{5444CF71-C16C-419F-95E4-83AB4B5C12BF}"/>
+                    </a:ext>
+                  </a:extLst>
+                </p14:cNvPr>
+                <p14:cNvContentPartPr/>
+                <p14:nvPr/>
+              </p14:nvContentPartPr>
+              <p14:xfrm>
+                <a:off x="3090529" y="4107859"/>
+                <a:ext cx="21600" cy="111960"/>
+              </p14:xfrm>
+            </p:contentPart>
+          </mc:Choice>
+          <mc:Fallback>
+            <p:pic>
+              <p:nvPicPr>
+                <p:cNvPr id="45" name="Ink 44">
+                  <a:extLst>
+                    <a:ext uri="{FF2B5EF4-FFF2-40B4-BE49-F238E27FC236}">
+                      <a16:creationId xmlns:a16="http://schemas.microsoft.com/office/drawing/2014/main" id="{5444CF71-C16C-419F-95E4-83AB4B5C12BF}"/>
+                    </a:ext>
+                  </a:extLst>
+                </p:cNvPr>
+                <p:cNvPicPr/>
+                <p:nvPr/>
+              </p:nvPicPr>
+              <p:blipFill>
+                <a:blip r:embed="rId67"/>
+                <a:stretch>
+                  <a:fillRect/>
+                </a:stretch>
+              </p:blipFill>
+              <p:spPr>
+                <a:xfrm>
+                  <a:off x="3081529" y="4098859"/>
+                  <a:ext cx="39240" cy="129600"/>
+                </a:xfrm>
+                <a:prstGeom prst="rect">
+                  <a:avLst/>
+                </a:prstGeom>
+              </p:spPr>
+            </p:pic>
+          </mc:Fallback>
+        </mc:AlternateContent>
+        <mc:AlternateContent xmlns:mc="http://schemas.openxmlformats.org/markup-compatibility/2006">
+          <mc:Choice xmlns:p14="http://schemas.microsoft.com/office/powerpoint/2010/main" Requires="p14">
+            <p:contentPart p14:bwMode="auto" r:id="rId68">
+              <p14:nvContentPartPr>
+                <p14:cNvPr id="46" name="Ink 45">
+                  <a:extLst>
+                    <a:ext uri="{FF2B5EF4-FFF2-40B4-BE49-F238E27FC236}">
+                      <a16:creationId xmlns:a16="http://schemas.microsoft.com/office/drawing/2014/main" id="{63627C47-25DE-47C9-B718-86F8FE01B78B}"/>
+                    </a:ext>
+                  </a:extLst>
+                </p14:cNvPr>
+                <p14:cNvContentPartPr/>
+                <p14:nvPr/>
+              </p14:nvContentPartPr>
+              <p14:xfrm>
+                <a:off x="3606769" y="3956299"/>
+                <a:ext cx="76680" cy="216360"/>
+              </p14:xfrm>
+            </p:contentPart>
+          </mc:Choice>
+          <mc:Fallback>
+            <p:pic>
+              <p:nvPicPr>
+                <p:cNvPr id="46" name="Ink 45">
+                  <a:extLst>
+                    <a:ext uri="{FF2B5EF4-FFF2-40B4-BE49-F238E27FC236}">
+                      <a16:creationId xmlns:a16="http://schemas.microsoft.com/office/drawing/2014/main" id="{63627C47-25DE-47C9-B718-86F8FE01B78B}"/>
+                    </a:ext>
+                  </a:extLst>
+                </p:cNvPr>
+                <p:cNvPicPr/>
+                <p:nvPr/>
+              </p:nvPicPr>
+              <p:blipFill>
+                <a:blip r:embed="rId69"/>
+                <a:stretch>
+                  <a:fillRect/>
+                </a:stretch>
+              </p:blipFill>
+              <p:spPr>
+                <a:xfrm>
+                  <a:off x="3597769" y="3947659"/>
+                  <a:ext cx="94320" cy="234000"/>
+                </a:xfrm>
+                <a:prstGeom prst="rect">
+                  <a:avLst/>
+                </a:prstGeom>
+              </p:spPr>
+            </p:pic>
+          </mc:Fallback>
+        </mc:AlternateContent>
+        <mc:AlternateContent xmlns:mc="http://schemas.openxmlformats.org/markup-compatibility/2006">
+          <mc:Choice xmlns:p14="http://schemas.microsoft.com/office/powerpoint/2010/main" Requires="p14">
+            <p:contentPart p14:bwMode="auto" r:id="rId70">
+              <p14:nvContentPartPr>
+                <p14:cNvPr id="47" name="Ink 46">
+                  <a:extLst>
+                    <a:ext uri="{FF2B5EF4-FFF2-40B4-BE49-F238E27FC236}">
+                      <a16:creationId xmlns:a16="http://schemas.microsoft.com/office/drawing/2014/main" id="{3AD97BD7-98E9-4929-BEDD-1780CA8B0E29}"/>
+                    </a:ext>
+                  </a:extLst>
+                </p14:cNvPr>
+                <p14:cNvContentPartPr/>
+                <p14:nvPr/>
+              </p14:nvContentPartPr>
+              <p14:xfrm>
+                <a:off x="3738529" y="4091659"/>
+                <a:ext cx="125280" cy="101880"/>
+              </p14:xfrm>
+            </p:contentPart>
+          </mc:Choice>
+          <mc:Fallback>
+            <p:pic>
+              <p:nvPicPr>
+                <p:cNvPr id="47" name="Ink 46">
+                  <a:extLst>
+                    <a:ext uri="{FF2B5EF4-FFF2-40B4-BE49-F238E27FC236}">
+                      <a16:creationId xmlns:a16="http://schemas.microsoft.com/office/drawing/2014/main" id="{3AD97BD7-98E9-4929-BEDD-1780CA8B0E29}"/>
+                    </a:ext>
+                  </a:extLst>
+                </p:cNvPr>
+                <p:cNvPicPr/>
+                <p:nvPr/>
+              </p:nvPicPr>
+              <p:blipFill>
+                <a:blip r:embed="rId71"/>
+                <a:stretch>
+                  <a:fillRect/>
+                </a:stretch>
+              </p:blipFill>
+              <p:spPr>
+                <a:xfrm>
+                  <a:off x="3729889" y="4083019"/>
+                  <a:ext cx="142920" cy="119520"/>
+                </a:xfrm>
+                <a:prstGeom prst="rect">
+                  <a:avLst/>
+                </a:prstGeom>
+              </p:spPr>
+            </p:pic>
+          </mc:Fallback>
+        </mc:AlternateContent>
+        <mc:AlternateContent xmlns:mc="http://schemas.openxmlformats.org/markup-compatibility/2006">
+          <mc:Choice xmlns:p14="http://schemas.microsoft.com/office/powerpoint/2010/main" Requires="p14">
+            <p:contentPart p14:bwMode="auto" r:id="rId72">
+              <p14:nvContentPartPr>
+                <p14:cNvPr id="48" name="Ink 47">
+                  <a:extLst>
+                    <a:ext uri="{FF2B5EF4-FFF2-40B4-BE49-F238E27FC236}">
+                      <a16:creationId xmlns:a16="http://schemas.microsoft.com/office/drawing/2014/main" id="{2A310E28-4540-4AFB-9B8C-97F211431FC7}"/>
+                    </a:ext>
+                  </a:extLst>
+                </p14:cNvPr>
+                <p14:cNvContentPartPr/>
+                <p14:nvPr/>
+              </p14:nvContentPartPr>
+              <p14:xfrm>
+                <a:off x="3920329" y="4099219"/>
+                <a:ext cx="95760" cy="101160"/>
+              </p14:xfrm>
+            </p:contentPart>
+          </mc:Choice>
+          <mc:Fallback>
+            <p:pic>
+              <p:nvPicPr>
+                <p:cNvPr id="48" name="Ink 47">
+                  <a:extLst>
+                    <a:ext uri="{FF2B5EF4-FFF2-40B4-BE49-F238E27FC236}">
+                      <a16:creationId xmlns:a16="http://schemas.microsoft.com/office/drawing/2014/main" id="{2A310E28-4540-4AFB-9B8C-97F211431FC7}"/>
+                    </a:ext>
+                  </a:extLst>
+                </p:cNvPr>
+                <p:cNvPicPr/>
+                <p:nvPr/>
+              </p:nvPicPr>
+              <p:blipFill>
+                <a:blip r:embed="rId73"/>
+                <a:stretch>
+                  <a:fillRect/>
+                </a:stretch>
+              </p:blipFill>
+              <p:spPr>
+                <a:xfrm>
+                  <a:off x="3911689" y="4090219"/>
+                  <a:ext cx="113400" cy="118800"/>
+                </a:xfrm>
+                <a:prstGeom prst="rect">
+                  <a:avLst/>
+                </a:prstGeom>
+              </p:spPr>
+            </p:pic>
+          </mc:Fallback>
+        </mc:AlternateContent>
+        <mc:AlternateContent xmlns:mc="http://schemas.openxmlformats.org/markup-compatibility/2006">
+          <mc:Choice xmlns:p14="http://schemas.microsoft.com/office/powerpoint/2010/main" Requires="p14">
+            <p:contentPart p14:bwMode="auto" r:id="rId74">
+              <p14:nvContentPartPr>
+                <p14:cNvPr id="52" name="Ink 51">
+                  <a:extLst>
+                    <a:ext uri="{FF2B5EF4-FFF2-40B4-BE49-F238E27FC236}">
+                      <a16:creationId xmlns:a16="http://schemas.microsoft.com/office/drawing/2014/main" id="{D260718B-4964-40B3-8D0A-DD4CDEECF94E}"/>
+                    </a:ext>
+                  </a:extLst>
+                </p14:cNvPr>
+                <p14:cNvContentPartPr/>
+                <p14:nvPr/>
+              </p14:nvContentPartPr>
+              <p14:xfrm>
+                <a:off x="1225729" y="3437899"/>
+                <a:ext cx="964440" cy="18000"/>
+              </p14:xfrm>
+            </p:contentPart>
+          </mc:Choice>
+          <mc:Fallback>
+            <p:pic>
+              <p:nvPicPr>
+                <p:cNvPr id="52" name="Ink 51">
+                  <a:extLst>
+                    <a:ext uri="{FF2B5EF4-FFF2-40B4-BE49-F238E27FC236}">
+                      <a16:creationId xmlns:a16="http://schemas.microsoft.com/office/drawing/2014/main" id="{D260718B-4964-40B3-8D0A-DD4CDEECF94E}"/>
+                    </a:ext>
+                  </a:extLst>
+                </p:cNvPr>
+                <p:cNvPicPr/>
+                <p:nvPr/>
+              </p:nvPicPr>
+              <p:blipFill>
+                <a:blip r:embed="rId75"/>
+                <a:stretch>
+                  <a:fillRect/>
+                </a:stretch>
+              </p:blipFill>
+              <p:spPr>
+                <a:xfrm>
+                  <a:off x="1216729" y="3429259"/>
+                  <a:ext cx="982080" cy="35640"/>
+                </a:xfrm>
+                <a:prstGeom prst="rect">
+                  <a:avLst/>
+                </a:prstGeom>
+              </p:spPr>
+            </p:pic>
+          </mc:Fallback>
+        </mc:AlternateContent>
+      </p:grpSp>
     </p:spTree>
     <p:extLst>
       <p:ext uri="{BB962C8B-B14F-4D97-AF65-F5344CB8AC3E}">
